--- a/docs/_images/ChiptuneSAK.pptx
+++ b/docs/_images/ChiptuneSAK.pptx
@@ -291,7 +291,7 @@
           <a:p>
             <a:fld id="{A8EB1DD1-E6DA-49B6-AE15-0187F720A3F3}" type="datetimeFigureOut">
               <a:rPr lang="en-US" smtClean="0"/>
-              <a:t>4/9/2020</a:t>
+              <a:t>7/3/2020</a:t>
             </a:fld>
             <a:endParaRPr lang="en-US"/>
           </a:p>
@@ -461,7 +461,7 @@
           <a:p>
             <a:fld id="{A8EB1DD1-E6DA-49B6-AE15-0187F720A3F3}" type="datetimeFigureOut">
               <a:rPr lang="en-US" smtClean="0"/>
-              <a:t>4/9/2020</a:t>
+              <a:t>7/3/2020</a:t>
             </a:fld>
             <a:endParaRPr lang="en-US"/>
           </a:p>
@@ -641,7 +641,7 @@
           <a:p>
             <a:fld id="{A8EB1DD1-E6DA-49B6-AE15-0187F720A3F3}" type="datetimeFigureOut">
               <a:rPr lang="en-US" smtClean="0"/>
-              <a:t>4/9/2020</a:t>
+              <a:t>7/3/2020</a:t>
             </a:fld>
             <a:endParaRPr lang="en-US"/>
           </a:p>
@@ -811,7 +811,7 @@
           <a:p>
             <a:fld id="{A8EB1DD1-E6DA-49B6-AE15-0187F720A3F3}" type="datetimeFigureOut">
               <a:rPr lang="en-US" smtClean="0"/>
-              <a:t>4/9/2020</a:t>
+              <a:t>7/3/2020</a:t>
             </a:fld>
             <a:endParaRPr lang="en-US"/>
           </a:p>
@@ -1057,7 +1057,7 @@
           <a:p>
             <a:fld id="{A8EB1DD1-E6DA-49B6-AE15-0187F720A3F3}" type="datetimeFigureOut">
               <a:rPr lang="en-US" smtClean="0"/>
-              <a:t>4/9/2020</a:t>
+              <a:t>7/3/2020</a:t>
             </a:fld>
             <a:endParaRPr lang="en-US"/>
           </a:p>
@@ -1345,7 +1345,7 @@
           <a:p>
             <a:fld id="{A8EB1DD1-E6DA-49B6-AE15-0187F720A3F3}" type="datetimeFigureOut">
               <a:rPr lang="en-US" smtClean="0"/>
-              <a:t>4/9/2020</a:t>
+              <a:t>7/3/2020</a:t>
             </a:fld>
             <a:endParaRPr lang="en-US"/>
           </a:p>
@@ -1767,7 +1767,7 @@
           <a:p>
             <a:fld id="{A8EB1DD1-E6DA-49B6-AE15-0187F720A3F3}" type="datetimeFigureOut">
               <a:rPr lang="en-US" smtClean="0"/>
-              <a:t>4/9/2020</a:t>
+              <a:t>7/3/2020</a:t>
             </a:fld>
             <a:endParaRPr lang="en-US"/>
           </a:p>
@@ -1885,7 +1885,7 @@
           <a:p>
             <a:fld id="{A8EB1DD1-E6DA-49B6-AE15-0187F720A3F3}" type="datetimeFigureOut">
               <a:rPr lang="en-US" smtClean="0"/>
-              <a:t>4/9/2020</a:t>
+              <a:t>7/3/2020</a:t>
             </a:fld>
             <a:endParaRPr lang="en-US"/>
           </a:p>
@@ -1980,7 +1980,7 @@
           <a:p>
             <a:fld id="{A8EB1DD1-E6DA-49B6-AE15-0187F720A3F3}" type="datetimeFigureOut">
               <a:rPr lang="en-US" smtClean="0"/>
-              <a:t>4/9/2020</a:t>
+              <a:t>7/3/2020</a:t>
             </a:fld>
             <a:endParaRPr lang="en-US"/>
           </a:p>
@@ -2257,7 +2257,7 @@
           <a:p>
             <a:fld id="{A8EB1DD1-E6DA-49B6-AE15-0187F720A3F3}" type="datetimeFigureOut">
               <a:rPr lang="en-US" smtClean="0"/>
-              <a:t>4/9/2020</a:t>
+              <a:t>7/3/2020</a:t>
             </a:fld>
             <a:endParaRPr lang="en-US"/>
           </a:p>
@@ -2510,7 +2510,7 @@
           <a:p>
             <a:fld id="{A8EB1DD1-E6DA-49B6-AE15-0187F720A3F3}" type="datetimeFigureOut">
               <a:rPr lang="en-US" smtClean="0"/>
-              <a:t>4/9/2020</a:t>
+              <a:t>7/3/2020</a:t>
             </a:fld>
             <a:endParaRPr lang="en-US"/>
           </a:p>
@@ -2723,7 +2723,7 @@
           <a:p>
             <a:fld id="{A8EB1DD1-E6DA-49B6-AE15-0187F720A3F3}" type="datetimeFigureOut">
               <a:rPr lang="en-US" smtClean="0"/>
-              <a:t>4/9/2020</a:t>
+              <a:t>7/3/2020</a:t>
             </a:fld>
             <a:endParaRPr lang="en-US"/>
           </a:p>
@@ -3438,7 +3438,7 @@
         </p:nvSpPr>
         <p:spPr>
           <a:xfrm>
-            <a:off x="493026" y="4718144"/>
+            <a:off x="493026" y="5245857"/>
             <a:ext cx="990600" cy="762000"/>
           </a:xfrm>
           <a:prstGeom prst="flowChartDocument">
@@ -3485,8 +3485,13 @@
                   <a:schemeClr val="tx1"/>
                 </a:solidFill>
               </a:rPr>
-              <a:t>SNG</a:t>
-            </a:r>
+              <a:t>SID</a:t>
+            </a:r>
+            <a:endParaRPr lang="en-US" sz="2400" dirty="0" smtClean="0">
+              <a:solidFill>
+                <a:schemeClr val="tx1"/>
+              </a:solidFill>
+            </a:endParaRPr>
           </a:p>
         </p:txBody>
       </p:sp>
@@ -3740,9 +3745,9 @@
           <p:nvPr/>
         </p:nvCxnSpPr>
         <p:spPr>
-          <a:xfrm>
+          <a:xfrm flipV="1">
             <a:off x="1483626" y="5099144"/>
-            <a:ext cx="1945374" cy="0"/>
+            <a:ext cx="1945374" cy="527713"/>
           </a:xfrm>
           <a:prstGeom prst="straightConnector1">
             <a:avLst/>
@@ -4450,11 +4455,6 @@
               </a:rPr>
               <a:t>BASIC</a:t>
             </a:r>
-            <a:endParaRPr lang="en-US" sz="2400" dirty="0" smtClean="0">
-              <a:solidFill>
-                <a:schemeClr val="tx1"/>
-              </a:solidFill>
-            </a:endParaRPr>
           </a:p>
         </p:txBody>
       </p:sp>
@@ -4471,6 +4471,106 @@
           <a:xfrm>
             <a:off x="5752532" y="3770193"/>
             <a:ext cx="1837899" cy="1044906"/>
+          </a:xfrm>
+          <a:prstGeom prst="straightConnector1">
+            <a:avLst/>
+          </a:prstGeom>
+          <a:ln w="25400">
+            <a:solidFill>
+              <a:schemeClr val="tx1"/>
+            </a:solidFill>
+            <a:headEnd type="none" w="lg" len="lg"/>
+            <a:tailEnd type="triangle" w="lg" len="lg"/>
+          </a:ln>
+        </p:spPr>
+        <p:style>
+          <a:lnRef idx="1">
+            <a:schemeClr val="dk1"/>
+          </a:lnRef>
+          <a:fillRef idx="0">
+            <a:schemeClr val="dk1"/>
+          </a:fillRef>
+          <a:effectRef idx="0">
+            <a:schemeClr val="dk1"/>
+          </a:effectRef>
+          <a:fontRef idx="minor">
+            <a:schemeClr val="tx1"/>
+          </a:fontRef>
+        </p:style>
+      </p:cxnSp>
+      <p:sp>
+        <p:nvSpPr>
+          <p:cNvPr id="35" name="Flowchart: Document 34"/>
+          <p:cNvSpPr/>
+          <p:nvPr/>
+        </p:nvSpPr>
+        <p:spPr>
+          <a:xfrm>
+            <a:off x="493026" y="4053099"/>
+            <a:ext cx="990600" cy="762000"/>
+          </a:xfrm>
+          <a:prstGeom prst="flowChartDocument">
+            <a:avLst/>
+          </a:prstGeom>
+          <a:solidFill>
+            <a:schemeClr val="bg1"/>
+          </a:solidFill>
+          <a:ln>
+            <a:solidFill>
+              <a:schemeClr val="tx1"/>
+            </a:solidFill>
+          </a:ln>
+        </p:spPr>
+        <p:style>
+          <a:lnRef idx="2">
+            <a:schemeClr val="accent1">
+              <a:shade val="50000"/>
+            </a:schemeClr>
+          </a:lnRef>
+          <a:fillRef idx="1">
+            <a:schemeClr val="accent1"/>
+          </a:fillRef>
+          <a:effectRef idx="0">
+            <a:schemeClr val="accent1"/>
+          </a:effectRef>
+          <a:fontRef idx="minor">
+            <a:schemeClr val="lt1"/>
+          </a:fontRef>
+        </p:style>
+        <p:txBody>
+          <a:bodyPr rot="0" spcFirstLastPara="0" vertOverflow="overflow" horzOverflow="overflow" vert="horz" wrap="square" lIns="91440" tIns="45720" rIns="91440" bIns="45720" numCol="1" spcCol="0" rtlCol="0" fromWordArt="0" anchor="ctr" anchorCtr="0" forceAA="0" compatLnSpc="1">
+            <a:prstTxWarp prst="textNoShape">
+              <a:avLst/>
+            </a:prstTxWarp>
+            <a:noAutofit/>
+          </a:bodyPr>
+          <a:lstStyle/>
+          <a:p>
+            <a:pPr algn="ctr"/>
+            <a:r>
+              <a:rPr lang="en-US" sz="2400" dirty="0" smtClean="0">
+                <a:solidFill>
+                  <a:schemeClr val="tx1"/>
+                </a:solidFill>
+              </a:rPr>
+              <a:t>SNG</a:t>
+            </a:r>
+          </a:p>
+        </p:txBody>
+      </p:sp>
+      <p:cxnSp>
+        <p:nvCxnSpPr>
+          <p:cNvPr id="37" name="Straight Arrow Connector 36"/>
+          <p:cNvCxnSpPr>
+            <a:stCxn id="35" idx="3"/>
+            <a:endCxn id="26" idx="1"/>
+          </p:cNvCxnSpPr>
+          <p:nvPr/>
+        </p:nvCxnSpPr>
+        <p:spPr>
+          <a:xfrm>
+            <a:off x="1483626" y="4434099"/>
+            <a:ext cx="1945374" cy="665045"/>
           </a:xfrm>
           <a:prstGeom prst="straightConnector1">
             <a:avLst/>

--- a/docs/_images/ChiptuneSAK.pptx
+++ b/docs/_images/ChiptuneSAK.pptx
@@ -291,7 +291,7 @@
           <a:p>
             <a:fld id="{A8EB1DD1-E6DA-49B6-AE15-0187F720A3F3}" type="datetimeFigureOut">
               <a:rPr lang="en-US" smtClean="0"/>
-              <a:t>7/3/2020</a:t>
+              <a:t>8/4/2020</a:t>
             </a:fld>
             <a:endParaRPr lang="en-US"/>
           </a:p>
@@ -461,7 +461,7 @@
           <a:p>
             <a:fld id="{A8EB1DD1-E6DA-49B6-AE15-0187F720A3F3}" type="datetimeFigureOut">
               <a:rPr lang="en-US" smtClean="0"/>
-              <a:t>7/3/2020</a:t>
+              <a:t>8/4/2020</a:t>
             </a:fld>
             <a:endParaRPr lang="en-US"/>
           </a:p>
@@ -641,7 +641,7 @@
           <a:p>
             <a:fld id="{A8EB1DD1-E6DA-49B6-AE15-0187F720A3F3}" type="datetimeFigureOut">
               <a:rPr lang="en-US" smtClean="0"/>
-              <a:t>7/3/2020</a:t>
+              <a:t>8/4/2020</a:t>
             </a:fld>
             <a:endParaRPr lang="en-US"/>
           </a:p>
@@ -811,7 +811,7 @@
           <a:p>
             <a:fld id="{A8EB1DD1-E6DA-49B6-AE15-0187F720A3F3}" type="datetimeFigureOut">
               <a:rPr lang="en-US" smtClean="0"/>
-              <a:t>7/3/2020</a:t>
+              <a:t>8/4/2020</a:t>
             </a:fld>
             <a:endParaRPr lang="en-US"/>
           </a:p>
@@ -1057,7 +1057,7 @@
           <a:p>
             <a:fld id="{A8EB1DD1-E6DA-49B6-AE15-0187F720A3F3}" type="datetimeFigureOut">
               <a:rPr lang="en-US" smtClean="0"/>
-              <a:t>7/3/2020</a:t>
+              <a:t>8/4/2020</a:t>
             </a:fld>
             <a:endParaRPr lang="en-US"/>
           </a:p>
@@ -1345,7 +1345,7 @@
           <a:p>
             <a:fld id="{A8EB1DD1-E6DA-49B6-AE15-0187F720A3F3}" type="datetimeFigureOut">
               <a:rPr lang="en-US" smtClean="0"/>
-              <a:t>7/3/2020</a:t>
+              <a:t>8/4/2020</a:t>
             </a:fld>
             <a:endParaRPr lang="en-US"/>
           </a:p>
@@ -1767,7 +1767,7 @@
           <a:p>
             <a:fld id="{A8EB1DD1-E6DA-49B6-AE15-0187F720A3F3}" type="datetimeFigureOut">
               <a:rPr lang="en-US" smtClean="0"/>
-              <a:t>7/3/2020</a:t>
+              <a:t>8/4/2020</a:t>
             </a:fld>
             <a:endParaRPr lang="en-US"/>
           </a:p>
@@ -1885,7 +1885,7 @@
           <a:p>
             <a:fld id="{A8EB1DD1-E6DA-49B6-AE15-0187F720A3F3}" type="datetimeFigureOut">
               <a:rPr lang="en-US" smtClean="0"/>
-              <a:t>7/3/2020</a:t>
+              <a:t>8/4/2020</a:t>
             </a:fld>
             <a:endParaRPr lang="en-US"/>
           </a:p>
@@ -1980,7 +1980,7 @@
           <a:p>
             <a:fld id="{A8EB1DD1-E6DA-49B6-AE15-0187F720A3F3}" type="datetimeFigureOut">
               <a:rPr lang="en-US" smtClean="0"/>
-              <a:t>7/3/2020</a:t>
+              <a:t>8/4/2020</a:t>
             </a:fld>
             <a:endParaRPr lang="en-US"/>
           </a:p>
@@ -2257,7 +2257,7 @@
           <a:p>
             <a:fld id="{A8EB1DD1-E6DA-49B6-AE15-0187F720A3F3}" type="datetimeFigureOut">
               <a:rPr lang="en-US" smtClean="0"/>
-              <a:t>7/3/2020</a:t>
+              <a:t>8/4/2020</a:t>
             </a:fld>
             <a:endParaRPr lang="en-US"/>
           </a:p>
@@ -2510,7 +2510,7 @@
           <a:p>
             <a:fld id="{A8EB1DD1-E6DA-49B6-AE15-0187F720A3F3}" type="datetimeFigureOut">
               <a:rPr lang="en-US" smtClean="0"/>
-              <a:t>7/3/2020</a:t>
+              <a:t>8/4/2020</a:t>
             </a:fld>
             <a:endParaRPr lang="en-US"/>
           </a:p>
@@ -2723,7 +2723,7 @@
           <a:p>
             <a:fld id="{A8EB1DD1-E6DA-49B6-AE15-0187F720A3F3}" type="datetimeFigureOut">
               <a:rPr lang="en-US" smtClean="0"/>
-              <a:t>7/3/2020</a:t>
+              <a:t>8/4/2020</a:t>
             </a:fld>
             <a:endParaRPr lang="en-US"/>
           </a:p>
@@ -3487,11 +3487,6 @@
               </a:rPr>
               <a:t>SID</a:t>
             </a:r>
-            <a:endParaRPr lang="en-US" sz="2400" dirty="0" smtClean="0">
-              <a:solidFill>
-                <a:schemeClr val="tx1"/>
-              </a:solidFill>
-            </a:endParaRPr>
           </a:p>
         </p:txBody>
       </p:sp>
@@ -4689,6 +4684,1171 @@
           </a:p>
         </p:txBody>
       </p:sp>
+      <p:sp>
+        <p:nvSpPr>
+          <p:cNvPr id="3" name="Rectangle 2"/>
+          <p:cNvSpPr/>
+          <p:nvPr/>
+        </p:nvSpPr>
+        <p:spPr>
+          <a:xfrm>
+            <a:off x="685800" y="1752600"/>
+            <a:ext cx="7772400" cy="3352800"/>
+          </a:xfrm>
+          <a:prstGeom prst="rect">
+            <a:avLst/>
+          </a:prstGeom>
+          <a:solidFill>
+            <a:schemeClr val="accent6"/>
+          </a:solidFill>
+          <a:ln>
+            <a:solidFill>
+              <a:schemeClr val="tx1"/>
+            </a:solidFill>
+          </a:ln>
+        </p:spPr>
+        <p:style>
+          <a:lnRef idx="2">
+            <a:schemeClr val="accent1">
+              <a:shade val="50000"/>
+            </a:schemeClr>
+          </a:lnRef>
+          <a:fillRef idx="1">
+            <a:schemeClr val="accent1"/>
+          </a:fillRef>
+          <a:effectRef idx="0">
+            <a:schemeClr val="accent1"/>
+          </a:effectRef>
+          <a:fontRef idx="minor">
+            <a:schemeClr val="lt1"/>
+          </a:fontRef>
+        </p:style>
+        <p:txBody>
+          <a:bodyPr rtlCol="0" anchor="ctr"/>
+          <a:lstStyle/>
+          <a:p>
+            <a:pPr algn="ctr"/>
+            <a:endParaRPr lang="en-US" sz="2400" dirty="0">
+              <a:solidFill>
+                <a:schemeClr val="tx1"/>
+              </a:solidFill>
+            </a:endParaRPr>
+          </a:p>
+        </p:txBody>
+      </p:sp>
+      <p:sp>
+        <p:nvSpPr>
+          <p:cNvPr id="4" name="TextBox 3"/>
+          <p:cNvSpPr txBox="1"/>
+          <p:nvPr/>
+        </p:nvSpPr>
+        <p:spPr>
+          <a:xfrm>
+            <a:off x="3886200" y="1905000"/>
+            <a:ext cx="1143262" cy="369332"/>
+          </a:xfrm>
+          <a:prstGeom prst="rect">
+            <a:avLst/>
+          </a:prstGeom>
+          <a:noFill/>
+        </p:spPr>
+        <p:txBody>
+          <a:bodyPr wrap="none" rtlCol="0">
+            <a:spAutoFit/>
+          </a:bodyPr>
+          <a:lstStyle/>
+          <a:p>
+            <a:r>
+              <a:rPr lang="en-US" dirty="0" err="1" smtClean="0"/>
+              <a:t>ChirpSong</a:t>
+            </a:r>
+            <a:endParaRPr lang="en-US" dirty="0"/>
+          </a:p>
+        </p:txBody>
+      </p:sp>
+      <p:sp>
+        <p:nvSpPr>
+          <p:cNvPr id="5" name="Rectangle 4"/>
+          <p:cNvSpPr/>
+          <p:nvPr/>
+        </p:nvSpPr>
+        <p:spPr>
+          <a:xfrm>
+            <a:off x="838200" y="3048000"/>
+            <a:ext cx="2362200" cy="1905000"/>
+          </a:xfrm>
+          <a:prstGeom prst="rect">
+            <a:avLst/>
+          </a:prstGeom>
+          <a:solidFill>
+            <a:schemeClr val="accent6">
+              <a:lumMod val="40000"/>
+              <a:lumOff val="60000"/>
+            </a:schemeClr>
+          </a:solidFill>
+          <a:ln>
+            <a:solidFill>
+              <a:schemeClr val="tx1"/>
+            </a:solidFill>
+          </a:ln>
+        </p:spPr>
+        <p:style>
+          <a:lnRef idx="2">
+            <a:schemeClr val="accent1">
+              <a:shade val="50000"/>
+            </a:schemeClr>
+          </a:lnRef>
+          <a:fillRef idx="1">
+            <a:schemeClr val="accent1"/>
+          </a:fillRef>
+          <a:effectRef idx="0">
+            <a:schemeClr val="accent1"/>
+          </a:effectRef>
+          <a:fontRef idx="minor">
+            <a:schemeClr val="lt1"/>
+          </a:fontRef>
+        </p:style>
+        <p:txBody>
+          <a:bodyPr rot="0" spcFirstLastPara="0" vertOverflow="overflow" horzOverflow="overflow" vert="horz" wrap="square" lIns="91440" tIns="45720" rIns="91440" bIns="45720" numCol="1" spcCol="0" rtlCol="0" fromWordArt="0" anchor="ctr" anchorCtr="0" forceAA="0" compatLnSpc="1">
+            <a:prstTxWarp prst="textNoShape">
+              <a:avLst/>
+            </a:prstTxWarp>
+            <a:noAutofit/>
+          </a:bodyPr>
+          <a:lstStyle/>
+          <a:p>
+            <a:pPr algn="ctr"/>
+            <a:endParaRPr lang="en-US" sz="2400" dirty="0" smtClean="0">
+              <a:solidFill>
+                <a:schemeClr val="tx1"/>
+              </a:solidFill>
+            </a:endParaRPr>
+          </a:p>
+        </p:txBody>
+      </p:sp>
+      <p:sp>
+        <p:nvSpPr>
+          <p:cNvPr id="10" name="TextBox 9"/>
+          <p:cNvSpPr txBox="1"/>
+          <p:nvPr/>
+        </p:nvSpPr>
+        <p:spPr>
+          <a:xfrm>
+            <a:off x="1447669" y="3124200"/>
+            <a:ext cx="1170705" cy="369332"/>
+          </a:xfrm>
+          <a:prstGeom prst="rect">
+            <a:avLst/>
+          </a:prstGeom>
+          <a:noFill/>
+        </p:spPr>
+        <p:txBody>
+          <a:bodyPr wrap="none" rtlCol="0">
+            <a:spAutoFit/>
+          </a:bodyPr>
+          <a:lstStyle/>
+          <a:p>
+            <a:r>
+              <a:rPr lang="en-US" dirty="0" err="1" smtClean="0"/>
+              <a:t>ChirpTrack</a:t>
+            </a:r>
+            <a:endParaRPr lang="en-US" dirty="0"/>
+          </a:p>
+        </p:txBody>
+      </p:sp>
+      <p:sp>
+        <p:nvSpPr>
+          <p:cNvPr id="13" name="TextBox 12"/>
+          <p:cNvSpPr txBox="1"/>
+          <p:nvPr/>
+        </p:nvSpPr>
+        <p:spPr>
+          <a:xfrm>
+            <a:off x="3953119" y="2362200"/>
+            <a:ext cx="897425" cy="307777"/>
+          </a:xfrm>
+          <a:prstGeom prst="rect">
+            <a:avLst/>
+          </a:prstGeom>
+          <a:noFill/>
+        </p:spPr>
+        <p:txBody>
+          <a:bodyPr wrap="none" rtlCol="0">
+            <a:spAutoFit/>
+          </a:bodyPr>
+          <a:lstStyle/>
+          <a:p>
+            <a:r>
+              <a:rPr lang="en-US" sz="1400" dirty="0" smtClean="0"/>
+              <a:t>metadata</a:t>
+            </a:r>
+            <a:endParaRPr lang="en-US" sz="1400" dirty="0"/>
+          </a:p>
+        </p:txBody>
+      </p:sp>
+      <p:sp>
+        <p:nvSpPr>
+          <p:cNvPr id="16" name="Rectangle 15"/>
+          <p:cNvSpPr/>
+          <p:nvPr/>
+        </p:nvSpPr>
+        <p:spPr>
+          <a:xfrm>
+            <a:off x="990600" y="4114800"/>
+            <a:ext cx="2057400" cy="685800"/>
+          </a:xfrm>
+          <a:prstGeom prst="rect">
+            <a:avLst/>
+          </a:prstGeom>
+          <a:solidFill>
+            <a:schemeClr val="accent6">
+              <a:lumMod val="20000"/>
+              <a:lumOff val="80000"/>
+            </a:schemeClr>
+          </a:solidFill>
+          <a:ln>
+            <a:solidFill>
+              <a:schemeClr val="tx1"/>
+            </a:solidFill>
+          </a:ln>
+        </p:spPr>
+        <p:style>
+          <a:lnRef idx="2">
+            <a:schemeClr val="accent1">
+              <a:shade val="50000"/>
+            </a:schemeClr>
+          </a:lnRef>
+          <a:fillRef idx="1">
+            <a:schemeClr val="accent1"/>
+          </a:fillRef>
+          <a:effectRef idx="0">
+            <a:schemeClr val="accent1"/>
+          </a:effectRef>
+          <a:fontRef idx="minor">
+            <a:schemeClr val="lt1"/>
+          </a:fontRef>
+        </p:style>
+        <p:txBody>
+          <a:bodyPr rot="0" spcFirstLastPara="0" vertOverflow="overflow" horzOverflow="overflow" vert="horz" wrap="square" lIns="91440" tIns="45720" rIns="91440" bIns="45720" numCol="1" spcCol="0" rtlCol="0" fromWordArt="0" anchor="ctr" anchorCtr="0" forceAA="0" compatLnSpc="1">
+            <a:prstTxWarp prst="textNoShape">
+              <a:avLst/>
+            </a:prstTxWarp>
+            <a:noAutofit/>
+          </a:bodyPr>
+          <a:lstStyle/>
+          <a:p>
+            <a:pPr algn="ctr"/>
+            <a:endParaRPr lang="en-US" sz="2400" dirty="0" smtClean="0">
+              <a:solidFill>
+                <a:schemeClr val="tx1"/>
+              </a:solidFill>
+            </a:endParaRPr>
+          </a:p>
+        </p:txBody>
+      </p:sp>
+      <p:sp>
+        <p:nvSpPr>
+          <p:cNvPr id="14" name="TextBox 13"/>
+          <p:cNvSpPr txBox="1"/>
+          <p:nvPr/>
+        </p:nvSpPr>
+        <p:spPr>
+          <a:xfrm>
+            <a:off x="1722744" y="4121038"/>
+            <a:ext cx="593111" cy="307777"/>
+          </a:xfrm>
+          <a:prstGeom prst="rect">
+            <a:avLst/>
+          </a:prstGeom>
+          <a:noFill/>
+        </p:spPr>
+        <p:txBody>
+          <a:bodyPr wrap="none" rtlCol="0">
+            <a:spAutoFit/>
+          </a:bodyPr>
+          <a:lstStyle/>
+          <a:p>
+            <a:r>
+              <a:rPr lang="en-US" sz="1400" dirty="0" smtClean="0"/>
+              <a:t>notes</a:t>
+            </a:r>
+            <a:endParaRPr lang="en-US" sz="1400" dirty="0"/>
+          </a:p>
+        </p:txBody>
+      </p:sp>
+      <p:sp>
+        <p:nvSpPr>
+          <p:cNvPr id="17" name="Rectangle 16"/>
+          <p:cNvSpPr/>
+          <p:nvPr/>
+        </p:nvSpPr>
+        <p:spPr>
+          <a:xfrm>
+            <a:off x="1066800" y="4457700"/>
+            <a:ext cx="457200" cy="266700"/>
+          </a:xfrm>
+          <a:prstGeom prst="rect">
+            <a:avLst/>
+          </a:prstGeom>
+          <a:solidFill>
+            <a:schemeClr val="bg1"/>
+          </a:solidFill>
+          <a:ln>
+            <a:solidFill>
+              <a:schemeClr val="tx1"/>
+            </a:solidFill>
+          </a:ln>
+        </p:spPr>
+        <p:style>
+          <a:lnRef idx="2">
+            <a:schemeClr val="accent1">
+              <a:shade val="50000"/>
+            </a:schemeClr>
+          </a:lnRef>
+          <a:fillRef idx="1">
+            <a:schemeClr val="accent1"/>
+          </a:fillRef>
+          <a:effectRef idx="0">
+            <a:schemeClr val="accent1"/>
+          </a:effectRef>
+          <a:fontRef idx="minor">
+            <a:schemeClr val="lt1"/>
+          </a:fontRef>
+        </p:style>
+        <p:txBody>
+          <a:bodyPr rot="0" spcFirstLastPara="0" vertOverflow="overflow" horzOverflow="overflow" vert="horz" wrap="square" lIns="91440" tIns="45720" rIns="91440" bIns="45720" numCol="1" spcCol="0" rtlCol="0" fromWordArt="0" anchor="ctr" anchorCtr="0" forceAA="0" compatLnSpc="1">
+            <a:prstTxWarp prst="textNoShape">
+              <a:avLst/>
+            </a:prstTxWarp>
+            <a:noAutofit/>
+          </a:bodyPr>
+          <a:lstStyle/>
+          <a:p>
+            <a:pPr algn="ctr"/>
+            <a:r>
+              <a:rPr lang="en-US" sz="1000" dirty="0" smtClean="0">
+                <a:solidFill>
+                  <a:schemeClr val="tx1"/>
+                </a:solidFill>
+              </a:rPr>
+              <a:t>Note</a:t>
+            </a:r>
+            <a:endParaRPr lang="en-US" sz="1000" dirty="0" smtClean="0">
+              <a:solidFill>
+                <a:schemeClr val="tx1"/>
+              </a:solidFill>
+            </a:endParaRPr>
+          </a:p>
+        </p:txBody>
+      </p:sp>
+      <p:sp>
+        <p:nvSpPr>
+          <p:cNvPr id="19" name="Rectangle 18"/>
+          <p:cNvSpPr/>
+          <p:nvPr/>
+        </p:nvSpPr>
+        <p:spPr>
+          <a:xfrm>
+            <a:off x="2514600" y="4447032"/>
+            <a:ext cx="457200" cy="266700"/>
+          </a:xfrm>
+          <a:prstGeom prst="rect">
+            <a:avLst/>
+          </a:prstGeom>
+          <a:solidFill>
+            <a:schemeClr val="bg1"/>
+          </a:solidFill>
+          <a:ln>
+            <a:solidFill>
+              <a:schemeClr val="tx1"/>
+            </a:solidFill>
+          </a:ln>
+        </p:spPr>
+        <p:style>
+          <a:lnRef idx="2">
+            <a:schemeClr val="accent1">
+              <a:shade val="50000"/>
+            </a:schemeClr>
+          </a:lnRef>
+          <a:fillRef idx="1">
+            <a:schemeClr val="accent1"/>
+          </a:fillRef>
+          <a:effectRef idx="0">
+            <a:schemeClr val="accent1"/>
+          </a:effectRef>
+          <a:fontRef idx="minor">
+            <a:schemeClr val="lt1"/>
+          </a:fontRef>
+        </p:style>
+        <p:txBody>
+          <a:bodyPr rot="0" spcFirstLastPara="0" vertOverflow="overflow" horzOverflow="overflow" vert="horz" wrap="square" lIns="91440" tIns="45720" rIns="91440" bIns="45720" numCol="1" spcCol="0" rtlCol="0" fromWordArt="0" anchor="ctr" anchorCtr="0" forceAA="0" compatLnSpc="1">
+            <a:prstTxWarp prst="textNoShape">
+              <a:avLst/>
+            </a:prstTxWarp>
+            <a:noAutofit/>
+          </a:bodyPr>
+          <a:lstStyle/>
+          <a:p>
+            <a:pPr algn="ctr"/>
+            <a:r>
+              <a:rPr lang="en-US" sz="1000" dirty="0" smtClean="0">
+                <a:solidFill>
+                  <a:schemeClr val="tx1"/>
+                </a:solidFill>
+              </a:rPr>
+              <a:t>Note</a:t>
+            </a:r>
+            <a:endParaRPr lang="en-US" sz="1000" dirty="0" smtClean="0">
+              <a:solidFill>
+                <a:schemeClr val="tx1"/>
+              </a:solidFill>
+            </a:endParaRPr>
+          </a:p>
+        </p:txBody>
+      </p:sp>
+      <p:sp>
+        <p:nvSpPr>
+          <p:cNvPr id="20" name="TextBox 19"/>
+          <p:cNvSpPr txBox="1"/>
+          <p:nvPr/>
+        </p:nvSpPr>
+        <p:spPr>
+          <a:xfrm>
+            <a:off x="1873362" y="4428815"/>
+            <a:ext cx="319318" cy="307777"/>
+          </a:xfrm>
+          <a:prstGeom prst="rect">
+            <a:avLst/>
+          </a:prstGeom>
+          <a:noFill/>
+        </p:spPr>
+        <p:txBody>
+          <a:bodyPr wrap="none" rtlCol="0">
+            <a:spAutoFit/>
+          </a:bodyPr>
+          <a:lstStyle/>
+          <a:p>
+            <a:pPr algn="ctr"/>
+            <a:r>
+              <a:rPr lang="en-US" sz="1400" dirty="0" smtClean="0"/>
+              <a:t>…</a:t>
+            </a:r>
+            <a:endParaRPr lang="en-US" sz="1400" dirty="0"/>
+          </a:p>
+        </p:txBody>
+      </p:sp>
+      <p:sp>
+        <p:nvSpPr>
+          <p:cNvPr id="29" name="TextBox 28"/>
+          <p:cNvSpPr txBox="1"/>
+          <p:nvPr/>
+        </p:nvSpPr>
+        <p:spPr>
+          <a:xfrm>
+            <a:off x="6527155" y="3054096"/>
+            <a:ext cx="1170705" cy="369332"/>
+          </a:xfrm>
+          <a:prstGeom prst="rect">
+            <a:avLst/>
+          </a:prstGeom>
+          <a:noFill/>
+        </p:spPr>
+        <p:txBody>
+          <a:bodyPr wrap="none" rtlCol="0">
+            <a:spAutoFit/>
+          </a:bodyPr>
+          <a:lstStyle/>
+          <a:p>
+            <a:r>
+              <a:rPr lang="en-US" dirty="0" err="1" smtClean="0"/>
+              <a:t>ChirpTrack</a:t>
+            </a:r>
+            <a:endParaRPr lang="en-US" dirty="0"/>
+          </a:p>
+        </p:txBody>
+      </p:sp>
+      <p:sp>
+        <p:nvSpPr>
+          <p:cNvPr id="30" name="Rectangle 29"/>
+          <p:cNvSpPr/>
+          <p:nvPr/>
+        </p:nvSpPr>
+        <p:spPr>
+          <a:xfrm>
+            <a:off x="5931408" y="3048000"/>
+            <a:ext cx="2362200" cy="1905000"/>
+          </a:xfrm>
+          <a:prstGeom prst="rect">
+            <a:avLst/>
+          </a:prstGeom>
+          <a:solidFill>
+            <a:schemeClr val="accent6">
+              <a:lumMod val="40000"/>
+              <a:lumOff val="60000"/>
+            </a:schemeClr>
+          </a:solidFill>
+          <a:ln>
+            <a:solidFill>
+              <a:schemeClr val="tx1"/>
+            </a:solidFill>
+          </a:ln>
+        </p:spPr>
+        <p:style>
+          <a:lnRef idx="2">
+            <a:schemeClr val="accent1">
+              <a:shade val="50000"/>
+            </a:schemeClr>
+          </a:lnRef>
+          <a:fillRef idx="1">
+            <a:schemeClr val="accent1"/>
+          </a:fillRef>
+          <a:effectRef idx="0">
+            <a:schemeClr val="accent1"/>
+          </a:effectRef>
+          <a:fontRef idx="minor">
+            <a:schemeClr val="lt1"/>
+          </a:fontRef>
+        </p:style>
+        <p:txBody>
+          <a:bodyPr rot="0" spcFirstLastPara="0" vertOverflow="overflow" horzOverflow="overflow" vert="horz" wrap="square" lIns="91440" tIns="45720" rIns="91440" bIns="45720" numCol="1" spcCol="0" rtlCol="0" fromWordArt="0" anchor="ctr" anchorCtr="0" forceAA="0" compatLnSpc="1">
+            <a:prstTxWarp prst="textNoShape">
+              <a:avLst/>
+            </a:prstTxWarp>
+            <a:noAutofit/>
+          </a:bodyPr>
+          <a:lstStyle/>
+          <a:p>
+            <a:pPr algn="ctr"/>
+            <a:endParaRPr lang="en-US" sz="2400" dirty="0" smtClean="0">
+              <a:solidFill>
+                <a:schemeClr val="tx1"/>
+              </a:solidFill>
+            </a:endParaRPr>
+          </a:p>
+        </p:txBody>
+      </p:sp>
+      <p:sp>
+        <p:nvSpPr>
+          <p:cNvPr id="31" name="TextBox 30"/>
+          <p:cNvSpPr txBox="1"/>
+          <p:nvPr/>
+        </p:nvSpPr>
+        <p:spPr>
+          <a:xfrm>
+            <a:off x="6540877" y="3124200"/>
+            <a:ext cx="1170705" cy="369332"/>
+          </a:xfrm>
+          <a:prstGeom prst="rect">
+            <a:avLst/>
+          </a:prstGeom>
+          <a:noFill/>
+        </p:spPr>
+        <p:txBody>
+          <a:bodyPr wrap="none" rtlCol="0">
+            <a:spAutoFit/>
+          </a:bodyPr>
+          <a:lstStyle/>
+          <a:p>
+            <a:r>
+              <a:rPr lang="en-US" dirty="0" err="1" smtClean="0"/>
+              <a:t>ChirpTrack</a:t>
+            </a:r>
+            <a:endParaRPr lang="en-US" dirty="0"/>
+          </a:p>
+        </p:txBody>
+      </p:sp>
+      <p:sp>
+        <p:nvSpPr>
+          <p:cNvPr id="33" name="Rectangle 32"/>
+          <p:cNvSpPr/>
+          <p:nvPr/>
+        </p:nvSpPr>
+        <p:spPr>
+          <a:xfrm>
+            <a:off x="6083808" y="4114800"/>
+            <a:ext cx="2057400" cy="685800"/>
+          </a:xfrm>
+          <a:prstGeom prst="rect">
+            <a:avLst/>
+          </a:prstGeom>
+          <a:solidFill>
+            <a:schemeClr val="accent6">
+              <a:lumMod val="20000"/>
+              <a:lumOff val="80000"/>
+            </a:schemeClr>
+          </a:solidFill>
+          <a:ln>
+            <a:solidFill>
+              <a:schemeClr val="tx1"/>
+            </a:solidFill>
+          </a:ln>
+        </p:spPr>
+        <p:style>
+          <a:lnRef idx="2">
+            <a:schemeClr val="accent1">
+              <a:shade val="50000"/>
+            </a:schemeClr>
+          </a:lnRef>
+          <a:fillRef idx="1">
+            <a:schemeClr val="accent1"/>
+          </a:fillRef>
+          <a:effectRef idx="0">
+            <a:schemeClr val="accent1"/>
+          </a:effectRef>
+          <a:fontRef idx="minor">
+            <a:schemeClr val="lt1"/>
+          </a:fontRef>
+        </p:style>
+        <p:txBody>
+          <a:bodyPr rot="0" spcFirstLastPara="0" vertOverflow="overflow" horzOverflow="overflow" vert="horz" wrap="square" lIns="91440" tIns="45720" rIns="91440" bIns="45720" numCol="1" spcCol="0" rtlCol="0" fromWordArt="0" anchor="ctr" anchorCtr="0" forceAA="0" compatLnSpc="1">
+            <a:prstTxWarp prst="textNoShape">
+              <a:avLst/>
+            </a:prstTxWarp>
+            <a:noAutofit/>
+          </a:bodyPr>
+          <a:lstStyle/>
+          <a:p>
+            <a:pPr algn="ctr"/>
+            <a:endParaRPr lang="en-US" sz="2400" dirty="0" smtClean="0">
+              <a:solidFill>
+                <a:schemeClr val="tx1"/>
+              </a:solidFill>
+            </a:endParaRPr>
+          </a:p>
+        </p:txBody>
+      </p:sp>
+      <p:sp>
+        <p:nvSpPr>
+          <p:cNvPr id="34" name="TextBox 33"/>
+          <p:cNvSpPr txBox="1"/>
+          <p:nvPr/>
+        </p:nvSpPr>
+        <p:spPr>
+          <a:xfrm>
+            <a:off x="6815952" y="4121038"/>
+            <a:ext cx="593111" cy="307777"/>
+          </a:xfrm>
+          <a:prstGeom prst="rect">
+            <a:avLst/>
+          </a:prstGeom>
+          <a:noFill/>
+        </p:spPr>
+        <p:txBody>
+          <a:bodyPr wrap="none" rtlCol="0">
+            <a:spAutoFit/>
+          </a:bodyPr>
+          <a:lstStyle/>
+          <a:p>
+            <a:r>
+              <a:rPr lang="en-US" sz="1400" dirty="0" smtClean="0"/>
+              <a:t>notes</a:t>
+            </a:r>
+            <a:endParaRPr lang="en-US" sz="1400" dirty="0"/>
+          </a:p>
+        </p:txBody>
+      </p:sp>
+      <p:sp>
+        <p:nvSpPr>
+          <p:cNvPr id="35" name="Rectangle 34"/>
+          <p:cNvSpPr/>
+          <p:nvPr/>
+        </p:nvSpPr>
+        <p:spPr>
+          <a:xfrm>
+            <a:off x="6160008" y="4457700"/>
+            <a:ext cx="457200" cy="266700"/>
+          </a:xfrm>
+          <a:prstGeom prst="rect">
+            <a:avLst/>
+          </a:prstGeom>
+          <a:solidFill>
+            <a:schemeClr val="bg1"/>
+          </a:solidFill>
+          <a:ln>
+            <a:solidFill>
+              <a:schemeClr val="tx1"/>
+            </a:solidFill>
+          </a:ln>
+        </p:spPr>
+        <p:style>
+          <a:lnRef idx="2">
+            <a:schemeClr val="accent1">
+              <a:shade val="50000"/>
+            </a:schemeClr>
+          </a:lnRef>
+          <a:fillRef idx="1">
+            <a:schemeClr val="accent1"/>
+          </a:fillRef>
+          <a:effectRef idx="0">
+            <a:schemeClr val="accent1"/>
+          </a:effectRef>
+          <a:fontRef idx="minor">
+            <a:schemeClr val="lt1"/>
+          </a:fontRef>
+        </p:style>
+        <p:txBody>
+          <a:bodyPr rot="0" spcFirstLastPara="0" vertOverflow="overflow" horzOverflow="overflow" vert="horz" wrap="square" lIns="91440" tIns="45720" rIns="91440" bIns="45720" numCol="1" spcCol="0" rtlCol="0" fromWordArt="0" anchor="ctr" anchorCtr="0" forceAA="0" compatLnSpc="1">
+            <a:prstTxWarp prst="textNoShape">
+              <a:avLst/>
+            </a:prstTxWarp>
+            <a:noAutofit/>
+          </a:bodyPr>
+          <a:lstStyle/>
+          <a:p>
+            <a:pPr algn="ctr"/>
+            <a:r>
+              <a:rPr lang="en-US" sz="1000" dirty="0" smtClean="0">
+                <a:solidFill>
+                  <a:schemeClr val="tx1"/>
+                </a:solidFill>
+              </a:rPr>
+              <a:t>Note</a:t>
+            </a:r>
+            <a:endParaRPr lang="en-US" sz="1000" dirty="0" smtClean="0">
+              <a:solidFill>
+                <a:schemeClr val="tx1"/>
+              </a:solidFill>
+            </a:endParaRPr>
+          </a:p>
+        </p:txBody>
+      </p:sp>
+      <p:sp>
+        <p:nvSpPr>
+          <p:cNvPr id="36" name="Rectangle 35"/>
+          <p:cNvSpPr/>
+          <p:nvPr/>
+        </p:nvSpPr>
+        <p:spPr>
+          <a:xfrm>
+            <a:off x="7607808" y="4447032"/>
+            <a:ext cx="457200" cy="266700"/>
+          </a:xfrm>
+          <a:prstGeom prst="rect">
+            <a:avLst/>
+          </a:prstGeom>
+          <a:solidFill>
+            <a:schemeClr val="bg1"/>
+          </a:solidFill>
+          <a:ln>
+            <a:solidFill>
+              <a:schemeClr val="tx1"/>
+            </a:solidFill>
+          </a:ln>
+        </p:spPr>
+        <p:style>
+          <a:lnRef idx="2">
+            <a:schemeClr val="accent1">
+              <a:shade val="50000"/>
+            </a:schemeClr>
+          </a:lnRef>
+          <a:fillRef idx="1">
+            <a:schemeClr val="accent1"/>
+          </a:fillRef>
+          <a:effectRef idx="0">
+            <a:schemeClr val="accent1"/>
+          </a:effectRef>
+          <a:fontRef idx="minor">
+            <a:schemeClr val="lt1"/>
+          </a:fontRef>
+        </p:style>
+        <p:txBody>
+          <a:bodyPr rot="0" spcFirstLastPara="0" vertOverflow="overflow" horzOverflow="overflow" vert="horz" wrap="square" lIns="91440" tIns="45720" rIns="91440" bIns="45720" numCol="1" spcCol="0" rtlCol="0" fromWordArt="0" anchor="ctr" anchorCtr="0" forceAA="0" compatLnSpc="1">
+            <a:prstTxWarp prst="textNoShape">
+              <a:avLst/>
+            </a:prstTxWarp>
+            <a:noAutofit/>
+          </a:bodyPr>
+          <a:lstStyle/>
+          <a:p>
+            <a:pPr algn="ctr"/>
+            <a:r>
+              <a:rPr lang="en-US" sz="1000" dirty="0" smtClean="0">
+                <a:solidFill>
+                  <a:schemeClr val="tx1"/>
+                </a:solidFill>
+              </a:rPr>
+              <a:t>Note</a:t>
+            </a:r>
+            <a:endParaRPr lang="en-US" sz="1000" dirty="0" smtClean="0">
+              <a:solidFill>
+                <a:schemeClr val="tx1"/>
+              </a:solidFill>
+            </a:endParaRPr>
+          </a:p>
+        </p:txBody>
+      </p:sp>
+      <p:sp>
+        <p:nvSpPr>
+          <p:cNvPr id="37" name="TextBox 36"/>
+          <p:cNvSpPr txBox="1"/>
+          <p:nvPr/>
+        </p:nvSpPr>
+        <p:spPr>
+          <a:xfrm>
+            <a:off x="6966570" y="4428815"/>
+            <a:ext cx="319318" cy="307777"/>
+          </a:xfrm>
+          <a:prstGeom prst="rect">
+            <a:avLst/>
+          </a:prstGeom>
+          <a:noFill/>
+        </p:spPr>
+        <p:txBody>
+          <a:bodyPr wrap="none" rtlCol="0">
+            <a:spAutoFit/>
+          </a:bodyPr>
+          <a:lstStyle/>
+          <a:p>
+            <a:pPr algn="ctr"/>
+            <a:r>
+              <a:rPr lang="en-US" sz="1400" dirty="0" smtClean="0"/>
+              <a:t>…</a:t>
+            </a:r>
+            <a:endParaRPr lang="en-US" sz="1400" dirty="0"/>
+          </a:p>
+        </p:txBody>
+      </p:sp>
+      <p:sp>
+        <p:nvSpPr>
+          <p:cNvPr id="38" name="Rectangle 37"/>
+          <p:cNvSpPr/>
+          <p:nvPr/>
+        </p:nvSpPr>
+        <p:spPr>
+          <a:xfrm>
+            <a:off x="3390900" y="3054096"/>
+            <a:ext cx="2362200" cy="1905000"/>
+          </a:xfrm>
+          <a:prstGeom prst="rect">
+            <a:avLst/>
+          </a:prstGeom>
+          <a:solidFill>
+            <a:schemeClr val="accent6">
+              <a:lumMod val="40000"/>
+              <a:lumOff val="60000"/>
+            </a:schemeClr>
+          </a:solidFill>
+          <a:ln>
+            <a:solidFill>
+              <a:schemeClr val="tx1"/>
+            </a:solidFill>
+          </a:ln>
+        </p:spPr>
+        <p:style>
+          <a:lnRef idx="2">
+            <a:schemeClr val="accent1">
+              <a:shade val="50000"/>
+            </a:schemeClr>
+          </a:lnRef>
+          <a:fillRef idx="1">
+            <a:schemeClr val="accent1"/>
+          </a:fillRef>
+          <a:effectRef idx="0">
+            <a:schemeClr val="accent1"/>
+          </a:effectRef>
+          <a:fontRef idx="minor">
+            <a:schemeClr val="lt1"/>
+          </a:fontRef>
+        </p:style>
+        <p:txBody>
+          <a:bodyPr rot="0" spcFirstLastPara="0" vertOverflow="overflow" horzOverflow="overflow" vert="horz" wrap="square" lIns="91440" tIns="45720" rIns="91440" bIns="45720" numCol="1" spcCol="0" rtlCol="0" fromWordArt="0" anchor="ctr" anchorCtr="0" forceAA="0" compatLnSpc="1">
+            <a:prstTxWarp prst="textNoShape">
+              <a:avLst/>
+            </a:prstTxWarp>
+            <a:noAutofit/>
+          </a:bodyPr>
+          <a:lstStyle/>
+          <a:p>
+            <a:pPr algn="ctr"/>
+            <a:endParaRPr lang="en-US" sz="2400" dirty="0" smtClean="0">
+              <a:solidFill>
+                <a:schemeClr val="tx1"/>
+              </a:solidFill>
+            </a:endParaRPr>
+          </a:p>
+        </p:txBody>
+      </p:sp>
+      <p:sp>
+        <p:nvSpPr>
+          <p:cNvPr id="39" name="TextBox 38"/>
+          <p:cNvSpPr txBox="1"/>
+          <p:nvPr/>
+        </p:nvSpPr>
+        <p:spPr>
+          <a:xfrm>
+            <a:off x="4000369" y="3130296"/>
+            <a:ext cx="1170705" cy="369332"/>
+          </a:xfrm>
+          <a:prstGeom prst="rect">
+            <a:avLst/>
+          </a:prstGeom>
+          <a:noFill/>
+        </p:spPr>
+        <p:txBody>
+          <a:bodyPr wrap="none" rtlCol="0">
+            <a:spAutoFit/>
+          </a:bodyPr>
+          <a:lstStyle/>
+          <a:p>
+            <a:r>
+              <a:rPr lang="en-US" dirty="0" err="1" smtClean="0"/>
+              <a:t>ChirpTrack</a:t>
+            </a:r>
+            <a:endParaRPr lang="en-US" dirty="0"/>
+          </a:p>
+        </p:txBody>
+      </p:sp>
+      <p:sp>
+        <p:nvSpPr>
+          <p:cNvPr id="41" name="Rectangle 40"/>
+          <p:cNvSpPr/>
+          <p:nvPr/>
+        </p:nvSpPr>
+        <p:spPr>
+          <a:xfrm>
+            <a:off x="3543300" y="4120896"/>
+            <a:ext cx="2057400" cy="685800"/>
+          </a:xfrm>
+          <a:prstGeom prst="rect">
+            <a:avLst/>
+          </a:prstGeom>
+          <a:solidFill>
+            <a:schemeClr val="accent6">
+              <a:lumMod val="20000"/>
+              <a:lumOff val="80000"/>
+            </a:schemeClr>
+          </a:solidFill>
+          <a:ln>
+            <a:solidFill>
+              <a:schemeClr val="tx1"/>
+            </a:solidFill>
+          </a:ln>
+        </p:spPr>
+        <p:style>
+          <a:lnRef idx="2">
+            <a:schemeClr val="accent1">
+              <a:shade val="50000"/>
+            </a:schemeClr>
+          </a:lnRef>
+          <a:fillRef idx="1">
+            <a:schemeClr val="accent1"/>
+          </a:fillRef>
+          <a:effectRef idx="0">
+            <a:schemeClr val="accent1"/>
+          </a:effectRef>
+          <a:fontRef idx="minor">
+            <a:schemeClr val="lt1"/>
+          </a:fontRef>
+        </p:style>
+        <p:txBody>
+          <a:bodyPr rot="0" spcFirstLastPara="0" vertOverflow="overflow" horzOverflow="overflow" vert="horz" wrap="square" lIns="91440" tIns="45720" rIns="91440" bIns="45720" numCol="1" spcCol="0" rtlCol="0" fromWordArt="0" anchor="ctr" anchorCtr="0" forceAA="0" compatLnSpc="1">
+            <a:prstTxWarp prst="textNoShape">
+              <a:avLst/>
+            </a:prstTxWarp>
+            <a:noAutofit/>
+          </a:bodyPr>
+          <a:lstStyle/>
+          <a:p>
+            <a:pPr algn="ctr"/>
+            <a:endParaRPr lang="en-US" sz="2400" dirty="0" smtClean="0">
+              <a:solidFill>
+                <a:schemeClr val="tx1"/>
+              </a:solidFill>
+            </a:endParaRPr>
+          </a:p>
+        </p:txBody>
+      </p:sp>
+      <p:sp>
+        <p:nvSpPr>
+          <p:cNvPr id="42" name="TextBox 41"/>
+          <p:cNvSpPr txBox="1"/>
+          <p:nvPr/>
+        </p:nvSpPr>
+        <p:spPr>
+          <a:xfrm>
+            <a:off x="4275444" y="4127134"/>
+            <a:ext cx="593111" cy="307777"/>
+          </a:xfrm>
+          <a:prstGeom prst="rect">
+            <a:avLst/>
+          </a:prstGeom>
+          <a:noFill/>
+        </p:spPr>
+        <p:txBody>
+          <a:bodyPr wrap="none" rtlCol="0">
+            <a:spAutoFit/>
+          </a:bodyPr>
+          <a:lstStyle/>
+          <a:p>
+            <a:r>
+              <a:rPr lang="en-US" sz="1400" dirty="0" smtClean="0"/>
+              <a:t>notes</a:t>
+            </a:r>
+            <a:endParaRPr lang="en-US" sz="1400" dirty="0"/>
+          </a:p>
+        </p:txBody>
+      </p:sp>
+      <p:sp>
+        <p:nvSpPr>
+          <p:cNvPr id="43" name="Rectangle 42"/>
+          <p:cNvSpPr/>
+          <p:nvPr/>
+        </p:nvSpPr>
+        <p:spPr>
+          <a:xfrm>
+            <a:off x="3619500" y="4463796"/>
+            <a:ext cx="457200" cy="266700"/>
+          </a:xfrm>
+          <a:prstGeom prst="rect">
+            <a:avLst/>
+          </a:prstGeom>
+          <a:solidFill>
+            <a:schemeClr val="bg1"/>
+          </a:solidFill>
+          <a:ln>
+            <a:solidFill>
+              <a:schemeClr val="tx1"/>
+            </a:solidFill>
+          </a:ln>
+        </p:spPr>
+        <p:style>
+          <a:lnRef idx="2">
+            <a:schemeClr val="accent1">
+              <a:shade val="50000"/>
+            </a:schemeClr>
+          </a:lnRef>
+          <a:fillRef idx="1">
+            <a:schemeClr val="accent1"/>
+          </a:fillRef>
+          <a:effectRef idx="0">
+            <a:schemeClr val="accent1"/>
+          </a:effectRef>
+          <a:fontRef idx="minor">
+            <a:schemeClr val="lt1"/>
+          </a:fontRef>
+        </p:style>
+        <p:txBody>
+          <a:bodyPr rot="0" spcFirstLastPara="0" vertOverflow="overflow" horzOverflow="overflow" vert="horz" wrap="square" lIns="91440" tIns="45720" rIns="91440" bIns="45720" numCol="1" spcCol="0" rtlCol="0" fromWordArt="0" anchor="ctr" anchorCtr="0" forceAA="0" compatLnSpc="1">
+            <a:prstTxWarp prst="textNoShape">
+              <a:avLst/>
+            </a:prstTxWarp>
+            <a:noAutofit/>
+          </a:bodyPr>
+          <a:lstStyle/>
+          <a:p>
+            <a:pPr algn="ctr"/>
+            <a:r>
+              <a:rPr lang="en-US" sz="1000" dirty="0" smtClean="0">
+                <a:solidFill>
+                  <a:schemeClr val="tx1"/>
+                </a:solidFill>
+              </a:rPr>
+              <a:t>Note</a:t>
+            </a:r>
+            <a:endParaRPr lang="en-US" sz="1000" dirty="0" smtClean="0">
+              <a:solidFill>
+                <a:schemeClr val="tx1"/>
+              </a:solidFill>
+            </a:endParaRPr>
+          </a:p>
+        </p:txBody>
+      </p:sp>
+      <p:sp>
+        <p:nvSpPr>
+          <p:cNvPr id="44" name="Rectangle 43"/>
+          <p:cNvSpPr/>
+          <p:nvPr/>
+        </p:nvSpPr>
+        <p:spPr>
+          <a:xfrm>
+            <a:off x="5067300" y="4453128"/>
+            <a:ext cx="457200" cy="266700"/>
+          </a:xfrm>
+          <a:prstGeom prst="rect">
+            <a:avLst/>
+          </a:prstGeom>
+          <a:solidFill>
+            <a:schemeClr val="bg1"/>
+          </a:solidFill>
+          <a:ln>
+            <a:solidFill>
+              <a:schemeClr val="tx1"/>
+            </a:solidFill>
+          </a:ln>
+        </p:spPr>
+        <p:style>
+          <a:lnRef idx="2">
+            <a:schemeClr val="accent1">
+              <a:shade val="50000"/>
+            </a:schemeClr>
+          </a:lnRef>
+          <a:fillRef idx="1">
+            <a:schemeClr val="accent1"/>
+          </a:fillRef>
+          <a:effectRef idx="0">
+            <a:schemeClr val="accent1"/>
+          </a:effectRef>
+          <a:fontRef idx="minor">
+            <a:schemeClr val="lt1"/>
+          </a:fontRef>
+        </p:style>
+        <p:txBody>
+          <a:bodyPr rot="0" spcFirstLastPara="0" vertOverflow="overflow" horzOverflow="overflow" vert="horz" wrap="square" lIns="91440" tIns="45720" rIns="91440" bIns="45720" numCol="1" spcCol="0" rtlCol="0" fromWordArt="0" anchor="ctr" anchorCtr="0" forceAA="0" compatLnSpc="1">
+            <a:prstTxWarp prst="textNoShape">
+              <a:avLst/>
+            </a:prstTxWarp>
+            <a:noAutofit/>
+          </a:bodyPr>
+          <a:lstStyle/>
+          <a:p>
+            <a:pPr algn="ctr"/>
+            <a:r>
+              <a:rPr lang="en-US" sz="1000" dirty="0" smtClean="0">
+                <a:solidFill>
+                  <a:schemeClr val="tx1"/>
+                </a:solidFill>
+              </a:rPr>
+              <a:t>Note</a:t>
+            </a:r>
+            <a:endParaRPr lang="en-US" sz="1000" dirty="0" smtClean="0">
+              <a:solidFill>
+                <a:schemeClr val="tx1"/>
+              </a:solidFill>
+            </a:endParaRPr>
+          </a:p>
+        </p:txBody>
+      </p:sp>
+      <p:sp>
+        <p:nvSpPr>
+          <p:cNvPr id="45" name="TextBox 44"/>
+          <p:cNvSpPr txBox="1"/>
+          <p:nvPr/>
+        </p:nvSpPr>
+        <p:spPr>
+          <a:xfrm>
+            <a:off x="4426062" y="4434911"/>
+            <a:ext cx="319318" cy="307777"/>
+          </a:xfrm>
+          <a:prstGeom prst="rect">
+            <a:avLst/>
+          </a:prstGeom>
+          <a:noFill/>
+        </p:spPr>
+        <p:txBody>
+          <a:bodyPr wrap="none" rtlCol="0">
+            <a:spAutoFit/>
+          </a:bodyPr>
+          <a:lstStyle/>
+          <a:p>
+            <a:pPr algn="ctr"/>
+            <a:r>
+              <a:rPr lang="en-US" sz="1400" dirty="0" smtClean="0"/>
+              <a:t>…</a:t>
+            </a:r>
+            <a:endParaRPr lang="en-US" sz="1400" dirty="0"/>
+          </a:p>
+        </p:txBody>
+      </p:sp>
     </p:spTree>
     <p:extLst>
       <p:ext uri="{BB962C8B-B14F-4D97-AF65-F5344CB8AC3E}">
@@ -4748,6 +5908,1836 @@
           </a:p>
         </p:txBody>
       </p:sp>
+      <p:sp>
+        <p:nvSpPr>
+          <p:cNvPr id="3" name="Rectangle 2"/>
+          <p:cNvSpPr/>
+          <p:nvPr/>
+        </p:nvSpPr>
+        <p:spPr>
+          <a:xfrm>
+            <a:off x="685800" y="1752600"/>
+            <a:ext cx="7772400" cy="2895600"/>
+          </a:xfrm>
+          <a:prstGeom prst="rect">
+            <a:avLst/>
+          </a:prstGeom>
+          <a:solidFill>
+            <a:srgbClr val="92D050"/>
+          </a:solidFill>
+          <a:ln>
+            <a:solidFill>
+              <a:schemeClr val="tx1"/>
+            </a:solidFill>
+          </a:ln>
+        </p:spPr>
+        <p:style>
+          <a:lnRef idx="2">
+            <a:schemeClr val="accent1">
+              <a:shade val="50000"/>
+            </a:schemeClr>
+          </a:lnRef>
+          <a:fillRef idx="1">
+            <a:schemeClr val="accent1"/>
+          </a:fillRef>
+          <a:effectRef idx="0">
+            <a:schemeClr val="accent1"/>
+          </a:effectRef>
+          <a:fontRef idx="minor">
+            <a:schemeClr val="lt1"/>
+          </a:fontRef>
+        </p:style>
+        <p:txBody>
+          <a:bodyPr rtlCol="0" anchor="ctr"/>
+          <a:lstStyle/>
+          <a:p>
+            <a:pPr algn="ctr"/>
+            <a:endParaRPr lang="en-US" sz="2400" dirty="0">
+              <a:solidFill>
+                <a:schemeClr val="tx1"/>
+              </a:solidFill>
+            </a:endParaRPr>
+          </a:p>
+        </p:txBody>
+      </p:sp>
+      <p:sp>
+        <p:nvSpPr>
+          <p:cNvPr id="4" name="TextBox 3"/>
+          <p:cNvSpPr txBox="1"/>
+          <p:nvPr/>
+        </p:nvSpPr>
+        <p:spPr>
+          <a:xfrm>
+            <a:off x="3787615" y="1755648"/>
+            <a:ext cx="1340432" cy="369332"/>
+          </a:xfrm>
+          <a:prstGeom prst="rect">
+            <a:avLst/>
+          </a:prstGeom>
+          <a:noFill/>
+        </p:spPr>
+        <p:txBody>
+          <a:bodyPr wrap="none" rtlCol="0">
+            <a:spAutoFit/>
+          </a:bodyPr>
+          <a:lstStyle/>
+          <a:p>
+            <a:pPr algn="ctr"/>
+            <a:r>
+              <a:rPr lang="en-US" dirty="0" err="1" smtClean="0"/>
+              <a:t>MChirpSong</a:t>
+            </a:r>
+            <a:endParaRPr lang="en-US" dirty="0"/>
+          </a:p>
+        </p:txBody>
+      </p:sp>
+      <p:sp>
+        <p:nvSpPr>
+          <p:cNvPr id="5" name="Rectangle 4"/>
+          <p:cNvSpPr/>
+          <p:nvPr/>
+        </p:nvSpPr>
+        <p:spPr>
+          <a:xfrm>
+            <a:off x="838200" y="2590800"/>
+            <a:ext cx="2362200" cy="1905000"/>
+          </a:xfrm>
+          <a:prstGeom prst="rect">
+            <a:avLst/>
+          </a:prstGeom>
+          <a:solidFill>
+            <a:srgbClr val="BDF73B"/>
+          </a:solidFill>
+          <a:ln>
+            <a:solidFill>
+              <a:schemeClr val="tx1"/>
+            </a:solidFill>
+          </a:ln>
+        </p:spPr>
+        <p:style>
+          <a:lnRef idx="2">
+            <a:schemeClr val="accent1">
+              <a:shade val="50000"/>
+            </a:schemeClr>
+          </a:lnRef>
+          <a:fillRef idx="1">
+            <a:schemeClr val="accent1"/>
+          </a:fillRef>
+          <a:effectRef idx="0">
+            <a:schemeClr val="accent1"/>
+          </a:effectRef>
+          <a:fontRef idx="minor">
+            <a:schemeClr val="lt1"/>
+          </a:fontRef>
+        </p:style>
+        <p:txBody>
+          <a:bodyPr rot="0" spcFirstLastPara="0" vertOverflow="overflow" horzOverflow="overflow" vert="horz" wrap="square" lIns="91440" tIns="45720" rIns="91440" bIns="45720" numCol="1" spcCol="0" rtlCol="0" fromWordArt="0" anchor="ctr" anchorCtr="0" forceAA="0" compatLnSpc="1">
+            <a:prstTxWarp prst="textNoShape">
+              <a:avLst/>
+            </a:prstTxWarp>
+            <a:noAutofit/>
+          </a:bodyPr>
+          <a:lstStyle/>
+          <a:p>
+            <a:pPr algn="ctr"/>
+            <a:endParaRPr lang="en-US" sz="2400" dirty="0" smtClean="0">
+              <a:solidFill>
+                <a:schemeClr val="tx1"/>
+              </a:solidFill>
+            </a:endParaRPr>
+          </a:p>
+        </p:txBody>
+      </p:sp>
+      <p:sp>
+        <p:nvSpPr>
+          <p:cNvPr id="6" name="TextBox 5"/>
+          <p:cNvSpPr txBox="1"/>
+          <p:nvPr/>
+        </p:nvSpPr>
+        <p:spPr>
+          <a:xfrm>
+            <a:off x="1337783" y="2606040"/>
+            <a:ext cx="1367875" cy="369332"/>
+          </a:xfrm>
+          <a:prstGeom prst="rect">
+            <a:avLst/>
+          </a:prstGeom>
+          <a:noFill/>
+        </p:spPr>
+        <p:txBody>
+          <a:bodyPr wrap="none" rtlCol="0">
+            <a:spAutoFit/>
+          </a:bodyPr>
+          <a:lstStyle/>
+          <a:p>
+            <a:pPr algn="ctr"/>
+            <a:r>
+              <a:rPr lang="en-US" dirty="0" err="1" smtClean="0"/>
+              <a:t>MChirpTrack</a:t>
+            </a:r>
+            <a:endParaRPr lang="en-US" dirty="0"/>
+          </a:p>
+        </p:txBody>
+      </p:sp>
+      <p:sp>
+        <p:nvSpPr>
+          <p:cNvPr id="7" name="TextBox 6"/>
+          <p:cNvSpPr txBox="1"/>
+          <p:nvPr/>
+        </p:nvSpPr>
+        <p:spPr>
+          <a:xfrm>
+            <a:off x="4012561" y="2045278"/>
+            <a:ext cx="897425" cy="307777"/>
+          </a:xfrm>
+          <a:prstGeom prst="rect">
+            <a:avLst/>
+          </a:prstGeom>
+          <a:noFill/>
+        </p:spPr>
+        <p:txBody>
+          <a:bodyPr wrap="none" rtlCol="0">
+            <a:spAutoFit/>
+          </a:bodyPr>
+          <a:lstStyle/>
+          <a:p>
+            <a:pPr algn="ctr"/>
+            <a:r>
+              <a:rPr lang="en-US" sz="1400" dirty="0" smtClean="0"/>
+              <a:t>metadata</a:t>
+            </a:r>
+            <a:endParaRPr lang="en-US" sz="1400" dirty="0"/>
+          </a:p>
+        </p:txBody>
+      </p:sp>
+      <p:sp>
+        <p:nvSpPr>
+          <p:cNvPr id="8" name="Rectangle 7"/>
+          <p:cNvSpPr/>
+          <p:nvPr/>
+        </p:nvSpPr>
+        <p:spPr>
+          <a:xfrm>
+            <a:off x="990600" y="3657600"/>
+            <a:ext cx="2057400" cy="685800"/>
+          </a:xfrm>
+          <a:prstGeom prst="rect">
+            <a:avLst/>
+          </a:prstGeom>
+          <a:solidFill>
+            <a:srgbClr val="DFF56F"/>
+          </a:solidFill>
+          <a:ln>
+            <a:solidFill>
+              <a:schemeClr val="tx1"/>
+            </a:solidFill>
+          </a:ln>
+        </p:spPr>
+        <p:style>
+          <a:lnRef idx="2">
+            <a:schemeClr val="accent1">
+              <a:shade val="50000"/>
+            </a:schemeClr>
+          </a:lnRef>
+          <a:fillRef idx="1">
+            <a:schemeClr val="accent1"/>
+          </a:fillRef>
+          <a:effectRef idx="0">
+            <a:schemeClr val="accent1"/>
+          </a:effectRef>
+          <a:fontRef idx="minor">
+            <a:schemeClr val="lt1"/>
+          </a:fontRef>
+        </p:style>
+        <p:txBody>
+          <a:bodyPr rot="0" spcFirstLastPara="0" vertOverflow="overflow" horzOverflow="overflow" vert="horz" wrap="square" lIns="91440" tIns="45720" rIns="91440" bIns="45720" numCol="1" spcCol="0" rtlCol="0" fromWordArt="0" anchor="ctr" anchorCtr="0" forceAA="0" compatLnSpc="1">
+            <a:prstTxWarp prst="textNoShape">
+              <a:avLst/>
+            </a:prstTxWarp>
+            <a:noAutofit/>
+          </a:bodyPr>
+          <a:lstStyle/>
+          <a:p>
+            <a:pPr algn="ctr"/>
+            <a:endParaRPr lang="en-US" sz="2400" dirty="0" smtClean="0">
+              <a:solidFill>
+                <a:schemeClr val="tx1"/>
+              </a:solidFill>
+            </a:endParaRPr>
+          </a:p>
+        </p:txBody>
+      </p:sp>
+      <p:sp>
+        <p:nvSpPr>
+          <p:cNvPr id="9" name="TextBox 8"/>
+          <p:cNvSpPr txBox="1"/>
+          <p:nvPr/>
+        </p:nvSpPr>
+        <p:spPr>
+          <a:xfrm>
+            <a:off x="1574692" y="3663838"/>
+            <a:ext cx="889218" cy="307777"/>
+          </a:xfrm>
+          <a:prstGeom prst="rect">
+            <a:avLst/>
+          </a:prstGeom>
+          <a:noFill/>
+        </p:spPr>
+        <p:txBody>
+          <a:bodyPr wrap="none" rtlCol="0">
+            <a:spAutoFit/>
+          </a:bodyPr>
+          <a:lstStyle/>
+          <a:p>
+            <a:pPr algn="ctr"/>
+            <a:r>
+              <a:rPr lang="en-US" sz="1400" dirty="0" smtClean="0"/>
+              <a:t>measures</a:t>
+            </a:r>
+            <a:endParaRPr lang="en-US" sz="1400" dirty="0"/>
+          </a:p>
+        </p:txBody>
+      </p:sp>
+      <p:sp>
+        <p:nvSpPr>
+          <p:cNvPr id="10" name="Rectangle 9"/>
+          <p:cNvSpPr/>
+          <p:nvPr/>
+        </p:nvSpPr>
+        <p:spPr>
+          <a:xfrm>
+            <a:off x="1066800" y="4000500"/>
+            <a:ext cx="762000" cy="266700"/>
+          </a:xfrm>
+          <a:prstGeom prst="rect">
+            <a:avLst/>
+          </a:prstGeom>
+          <a:solidFill>
+            <a:srgbClr val="FFFF00"/>
+          </a:solidFill>
+          <a:ln>
+            <a:solidFill>
+              <a:schemeClr val="tx1"/>
+            </a:solidFill>
+          </a:ln>
+        </p:spPr>
+        <p:style>
+          <a:lnRef idx="2">
+            <a:schemeClr val="accent1">
+              <a:shade val="50000"/>
+            </a:schemeClr>
+          </a:lnRef>
+          <a:fillRef idx="1">
+            <a:schemeClr val="accent1"/>
+          </a:fillRef>
+          <a:effectRef idx="0">
+            <a:schemeClr val="accent1"/>
+          </a:effectRef>
+          <a:fontRef idx="minor">
+            <a:schemeClr val="lt1"/>
+          </a:fontRef>
+        </p:style>
+        <p:txBody>
+          <a:bodyPr rot="0" spcFirstLastPara="0" vertOverflow="overflow" horzOverflow="overflow" vert="horz" wrap="square" lIns="91440" tIns="45720" rIns="91440" bIns="45720" numCol="1" spcCol="0" rtlCol="0" fromWordArt="0" anchor="ctr" anchorCtr="0" forceAA="0" compatLnSpc="1">
+            <a:prstTxWarp prst="textNoShape">
+              <a:avLst/>
+            </a:prstTxWarp>
+            <a:noAutofit/>
+          </a:bodyPr>
+          <a:lstStyle/>
+          <a:p>
+            <a:pPr algn="ctr"/>
+            <a:r>
+              <a:rPr lang="en-US" sz="1000" dirty="0" smtClean="0">
+                <a:solidFill>
+                  <a:schemeClr val="tx1"/>
+                </a:solidFill>
+              </a:rPr>
+              <a:t>Measure</a:t>
+            </a:r>
+            <a:endParaRPr lang="en-US" sz="1000" dirty="0" smtClean="0">
+              <a:solidFill>
+                <a:schemeClr val="tx1"/>
+              </a:solidFill>
+            </a:endParaRPr>
+          </a:p>
+        </p:txBody>
+      </p:sp>
+      <p:sp>
+        <p:nvSpPr>
+          <p:cNvPr id="11" name="Rectangle 10"/>
+          <p:cNvSpPr/>
+          <p:nvPr/>
+        </p:nvSpPr>
+        <p:spPr>
+          <a:xfrm>
+            <a:off x="2209800" y="3989832"/>
+            <a:ext cx="762000" cy="266700"/>
+          </a:xfrm>
+          <a:prstGeom prst="rect">
+            <a:avLst/>
+          </a:prstGeom>
+          <a:solidFill>
+            <a:srgbClr val="FFFF00"/>
+          </a:solidFill>
+          <a:ln>
+            <a:solidFill>
+              <a:schemeClr val="tx1"/>
+            </a:solidFill>
+          </a:ln>
+        </p:spPr>
+        <p:style>
+          <a:lnRef idx="2">
+            <a:schemeClr val="accent1">
+              <a:shade val="50000"/>
+            </a:schemeClr>
+          </a:lnRef>
+          <a:fillRef idx="1">
+            <a:schemeClr val="accent1"/>
+          </a:fillRef>
+          <a:effectRef idx="0">
+            <a:schemeClr val="accent1"/>
+          </a:effectRef>
+          <a:fontRef idx="minor">
+            <a:schemeClr val="lt1"/>
+          </a:fontRef>
+        </p:style>
+        <p:txBody>
+          <a:bodyPr rot="0" spcFirstLastPara="0" vertOverflow="overflow" horzOverflow="overflow" vert="horz" wrap="square" lIns="91440" tIns="45720" rIns="91440" bIns="45720" numCol="1" spcCol="0" rtlCol="0" fromWordArt="0" anchor="ctr" anchorCtr="0" forceAA="0" compatLnSpc="1">
+            <a:prstTxWarp prst="textNoShape">
+              <a:avLst/>
+            </a:prstTxWarp>
+            <a:noAutofit/>
+          </a:bodyPr>
+          <a:lstStyle/>
+          <a:p>
+            <a:pPr algn="ctr"/>
+            <a:r>
+              <a:rPr lang="en-US" sz="1000" dirty="0" smtClean="0">
+                <a:solidFill>
+                  <a:schemeClr val="tx1"/>
+                </a:solidFill>
+              </a:rPr>
+              <a:t>Measure</a:t>
+            </a:r>
+            <a:endParaRPr lang="en-US" sz="1000" dirty="0" smtClean="0">
+              <a:solidFill>
+                <a:schemeClr val="tx1"/>
+              </a:solidFill>
+            </a:endParaRPr>
+          </a:p>
+        </p:txBody>
+      </p:sp>
+      <p:sp>
+        <p:nvSpPr>
+          <p:cNvPr id="12" name="TextBox 11"/>
+          <p:cNvSpPr txBox="1"/>
+          <p:nvPr/>
+        </p:nvSpPr>
+        <p:spPr>
+          <a:xfrm>
+            <a:off x="1873362" y="3971615"/>
+            <a:ext cx="319318" cy="307777"/>
+          </a:xfrm>
+          <a:prstGeom prst="rect">
+            <a:avLst/>
+          </a:prstGeom>
+          <a:noFill/>
+        </p:spPr>
+        <p:txBody>
+          <a:bodyPr wrap="none" rtlCol="0">
+            <a:spAutoFit/>
+          </a:bodyPr>
+          <a:lstStyle/>
+          <a:p>
+            <a:pPr algn="ctr"/>
+            <a:r>
+              <a:rPr lang="en-US" sz="1400" dirty="0" smtClean="0"/>
+              <a:t>…</a:t>
+            </a:r>
+            <a:endParaRPr lang="en-US" sz="1400" dirty="0"/>
+          </a:p>
+        </p:txBody>
+      </p:sp>
+      <p:sp>
+        <p:nvSpPr>
+          <p:cNvPr id="28" name="Rectangle 27"/>
+          <p:cNvSpPr/>
+          <p:nvPr/>
+        </p:nvSpPr>
+        <p:spPr>
+          <a:xfrm>
+            <a:off x="685800" y="4876800"/>
+            <a:ext cx="2895600" cy="1600200"/>
+          </a:xfrm>
+          <a:prstGeom prst="rect">
+            <a:avLst/>
+          </a:prstGeom>
+          <a:solidFill>
+            <a:srgbClr val="FFFF00"/>
+          </a:solidFill>
+          <a:ln>
+            <a:solidFill>
+              <a:schemeClr val="tx1"/>
+            </a:solidFill>
+          </a:ln>
+        </p:spPr>
+        <p:style>
+          <a:lnRef idx="2">
+            <a:schemeClr val="accent1">
+              <a:shade val="50000"/>
+            </a:schemeClr>
+          </a:lnRef>
+          <a:fillRef idx="1">
+            <a:schemeClr val="accent1"/>
+          </a:fillRef>
+          <a:effectRef idx="0">
+            <a:schemeClr val="accent1"/>
+          </a:effectRef>
+          <a:fontRef idx="minor">
+            <a:schemeClr val="lt1"/>
+          </a:fontRef>
+        </p:style>
+        <p:txBody>
+          <a:bodyPr rot="0" spcFirstLastPara="0" vertOverflow="overflow" horzOverflow="overflow" vert="horz" wrap="square" lIns="91440" tIns="45720" rIns="91440" bIns="45720" numCol="1" spcCol="0" rtlCol="0" fromWordArt="0" anchor="ctr" anchorCtr="0" forceAA="0" compatLnSpc="1">
+            <a:prstTxWarp prst="textNoShape">
+              <a:avLst/>
+            </a:prstTxWarp>
+            <a:noAutofit/>
+          </a:bodyPr>
+          <a:lstStyle/>
+          <a:p>
+            <a:pPr algn="ctr"/>
+            <a:endParaRPr lang="en-US" sz="2400" dirty="0" smtClean="0">
+              <a:solidFill>
+                <a:schemeClr val="tx1"/>
+              </a:solidFill>
+            </a:endParaRPr>
+          </a:p>
+        </p:txBody>
+      </p:sp>
+      <p:sp>
+        <p:nvSpPr>
+          <p:cNvPr id="29" name="TextBox 28"/>
+          <p:cNvSpPr txBox="1"/>
+          <p:nvPr/>
+        </p:nvSpPr>
+        <p:spPr>
+          <a:xfrm>
+            <a:off x="1545837" y="4876800"/>
+            <a:ext cx="1012008" cy="369332"/>
+          </a:xfrm>
+          <a:prstGeom prst="rect">
+            <a:avLst/>
+          </a:prstGeom>
+          <a:noFill/>
+        </p:spPr>
+        <p:txBody>
+          <a:bodyPr wrap="none" rtlCol="0">
+            <a:spAutoFit/>
+          </a:bodyPr>
+          <a:lstStyle/>
+          <a:p>
+            <a:pPr algn="ctr"/>
+            <a:r>
+              <a:rPr lang="en-US" dirty="0" smtClean="0"/>
+              <a:t>Measure</a:t>
+            </a:r>
+            <a:endParaRPr lang="en-US" dirty="0"/>
+          </a:p>
+        </p:txBody>
+      </p:sp>
+      <p:sp>
+        <p:nvSpPr>
+          <p:cNvPr id="30" name="Rectangle 29"/>
+          <p:cNvSpPr/>
+          <p:nvPr/>
+        </p:nvSpPr>
+        <p:spPr>
+          <a:xfrm>
+            <a:off x="762000" y="5246132"/>
+            <a:ext cx="2743200" cy="1154668"/>
+          </a:xfrm>
+          <a:prstGeom prst="rect">
+            <a:avLst/>
+          </a:prstGeom>
+          <a:solidFill>
+            <a:srgbClr val="FFFF75"/>
+          </a:solidFill>
+          <a:ln>
+            <a:solidFill>
+              <a:schemeClr val="tx1"/>
+            </a:solidFill>
+          </a:ln>
+        </p:spPr>
+        <p:style>
+          <a:lnRef idx="2">
+            <a:schemeClr val="accent1">
+              <a:shade val="50000"/>
+            </a:schemeClr>
+          </a:lnRef>
+          <a:fillRef idx="1">
+            <a:schemeClr val="accent1"/>
+          </a:fillRef>
+          <a:effectRef idx="0">
+            <a:schemeClr val="accent1"/>
+          </a:effectRef>
+          <a:fontRef idx="minor">
+            <a:schemeClr val="lt1"/>
+          </a:fontRef>
+        </p:style>
+        <p:txBody>
+          <a:bodyPr rot="0" spcFirstLastPara="0" vertOverflow="overflow" horzOverflow="overflow" vert="horz" wrap="square" lIns="91440" tIns="45720" rIns="91440" bIns="45720" numCol="1" spcCol="0" rtlCol="0" fromWordArt="0" anchor="ctr" anchorCtr="0" forceAA="0" compatLnSpc="1">
+            <a:prstTxWarp prst="textNoShape">
+              <a:avLst/>
+            </a:prstTxWarp>
+            <a:noAutofit/>
+          </a:bodyPr>
+          <a:lstStyle/>
+          <a:p>
+            <a:pPr algn="ctr"/>
+            <a:endParaRPr lang="en-US" sz="2400" dirty="0" smtClean="0">
+              <a:solidFill>
+                <a:schemeClr val="tx1"/>
+              </a:solidFill>
+            </a:endParaRPr>
+          </a:p>
+        </p:txBody>
+      </p:sp>
+      <p:sp>
+        <p:nvSpPr>
+          <p:cNvPr id="31" name="Rectangle 30"/>
+          <p:cNvSpPr/>
+          <p:nvPr/>
+        </p:nvSpPr>
+        <p:spPr>
+          <a:xfrm>
+            <a:off x="919959" y="5696974"/>
+            <a:ext cx="609600" cy="228600"/>
+          </a:xfrm>
+          <a:prstGeom prst="rect">
+            <a:avLst/>
+          </a:prstGeom>
+          <a:solidFill>
+            <a:schemeClr val="bg1"/>
+          </a:solidFill>
+          <a:ln>
+            <a:solidFill>
+              <a:schemeClr val="tx1"/>
+            </a:solidFill>
+          </a:ln>
+        </p:spPr>
+        <p:style>
+          <a:lnRef idx="2">
+            <a:schemeClr val="accent1">
+              <a:shade val="50000"/>
+            </a:schemeClr>
+          </a:lnRef>
+          <a:fillRef idx="1">
+            <a:schemeClr val="accent1"/>
+          </a:fillRef>
+          <a:effectRef idx="0">
+            <a:schemeClr val="accent1"/>
+          </a:effectRef>
+          <a:fontRef idx="minor">
+            <a:schemeClr val="lt1"/>
+          </a:fontRef>
+        </p:style>
+        <p:txBody>
+          <a:bodyPr rot="0" spcFirstLastPara="0" vertOverflow="overflow" horzOverflow="overflow" vert="horz" wrap="square" lIns="91440" tIns="45720" rIns="91440" bIns="45720" numCol="1" spcCol="0" rtlCol="0" fromWordArt="0" anchor="ctr" anchorCtr="0" forceAA="0" compatLnSpc="1">
+            <a:prstTxWarp prst="textNoShape">
+              <a:avLst/>
+            </a:prstTxWarp>
+            <a:noAutofit/>
+          </a:bodyPr>
+          <a:lstStyle/>
+          <a:p>
+            <a:pPr algn="ctr"/>
+            <a:r>
+              <a:rPr lang="en-US" sz="1000" dirty="0" smtClean="0">
+                <a:solidFill>
+                  <a:schemeClr val="tx1"/>
+                </a:solidFill>
+              </a:rPr>
+              <a:t>Note</a:t>
+            </a:r>
+            <a:endParaRPr lang="en-US" sz="1000" dirty="0" smtClean="0">
+              <a:solidFill>
+                <a:schemeClr val="tx1"/>
+              </a:solidFill>
+            </a:endParaRPr>
+          </a:p>
+        </p:txBody>
+      </p:sp>
+      <p:sp>
+        <p:nvSpPr>
+          <p:cNvPr id="32" name="Rectangle 31"/>
+          <p:cNvSpPr/>
+          <p:nvPr/>
+        </p:nvSpPr>
+        <p:spPr>
+          <a:xfrm>
+            <a:off x="1828800" y="5696974"/>
+            <a:ext cx="609600" cy="228600"/>
+          </a:xfrm>
+          <a:prstGeom prst="rect">
+            <a:avLst/>
+          </a:prstGeom>
+          <a:solidFill>
+            <a:schemeClr val="bg1"/>
+          </a:solidFill>
+          <a:ln>
+            <a:solidFill>
+              <a:schemeClr val="tx1"/>
+            </a:solidFill>
+          </a:ln>
+        </p:spPr>
+        <p:style>
+          <a:lnRef idx="2">
+            <a:schemeClr val="accent1">
+              <a:shade val="50000"/>
+            </a:schemeClr>
+          </a:lnRef>
+          <a:fillRef idx="1">
+            <a:schemeClr val="accent1"/>
+          </a:fillRef>
+          <a:effectRef idx="0">
+            <a:schemeClr val="accent1"/>
+          </a:effectRef>
+          <a:fontRef idx="minor">
+            <a:schemeClr val="lt1"/>
+          </a:fontRef>
+        </p:style>
+        <p:txBody>
+          <a:bodyPr rot="0" spcFirstLastPara="0" vertOverflow="overflow" horzOverflow="overflow" vert="horz" wrap="square" lIns="91440" tIns="45720" rIns="91440" bIns="45720" numCol="1" spcCol="0" rtlCol="0" fromWordArt="0" anchor="ctr" anchorCtr="0" forceAA="0" compatLnSpc="1">
+            <a:prstTxWarp prst="textNoShape">
+              <a:avLst/>
+            </a:prstTxWarp>
+            <a:noAutofit/>
+          </a:bodyPr>
+          <a:lstStyle/>
+          <a:p>
+            <a:pPr algn="ctr"/>
+            <a:r>
+              <a:rPr lang="en-US" sz="1000" dirty="0" smtClean="0">
+                <a:solidFill>
+                  <a:schemeClr val="tx1"/>
+                </a:solidFill>
+              </a:rPr>
+              <a:t>Rest</a:t>
+            </a:r>
+            <a:endParaRPr lang="en-US" sz="1000" dirty="0" smtClean="0">
+              <a:solidFill>
+                <a:schemeClr val="tx1"/>
+              </a:solidFill>
+            </a:endParaRPr>
+          </a:p>
+        </p:txBody>
+      </p:sp>
+      <p:sp>
+        <p:nvSpPr>
+          <p:cNvPr id="33" name="Rectangle 32"/>
+          <p:cNvSpPr/>
+          <p:nvPr/>
+        </p:nvSpPr>
+        <p:spPr>
+          <a:xfrm>
+            <a:off x="2748759" y="5696974"/>
+            <a:ext cx="609600" cy="228600"/>
+          </a:xfrm>
+          <a:prstGeom prst="rect">
+            <a:avLst/>
+          </a:prstGeom>
+          <a:solidFill>
+            <a:schemeClr val="bg1"/>
+          </a:solidFill>
+          <a:ln>
+            <a:solidFill>
+              <a:schemeClr val="tx1"/>
+            </a:solidFill>
+          </a:ln>
+        </p:spPr>
+        <p:style>
+          <a:lnRef idx="2">
+            <a:schemeClr val="accent1">
+              <a:shade val="50000"/>
+            </a:schemeClr>
+          </a:lnRef>
+          <a:fillRef idx="1">
+            <a:schemeClr val="accent1"/>
+          </a:fillRef>
+          <a:effectRef idx="0">
+            <a:schemeClr val="accent1"/>
+          </a:effectRef>
+          <a:fontRef idx="minor">
+            <a:schemeClr val="lt1"/>
+          </a:fontRef>
+        </p:style>
+        <p:txBody>
+          <a:bodyPr rot="0" spcFirstLastPara="0" vertOverflow="overflow" horzOverflow="overflow" vert="horz" wrap="square" lIns="91440" tIns="45720" rIns="91440" bIns="45720" numCol="1" spcCol="0" rtlCol="0" fromWordArt="0" anchor="ctr" anchorCtr="0" forceAA="0" compatLnSpc="1">
+            <a:prstTxWarp prst="textNoShape">
+              <a:avLst/>
+            </a:prstTxWarp>
+            <a:noAutofit/>
+          </a:bodyPr>
+          <a:lstStyle/>
+          <a:p>
+            <a:pPr algn="ctr"/>
+            <a:r>
+              <a:rPr lang="en-US" sz="1000" dirty="0" smtClean="0">
+                <a:solidFill>
+                  <a:schemeClr val="tx1"/>
+                </a:solidFill>
+              </a:rPr>
+              <a:t>Note</a:t>
+            </a:r>
+            <a:endParaRPr lang="en-US" sz="1000" dirty="0" smtClean="0">
+              <a:solidFill>
+                <a:schemeClr val="tx1"/>
+              </a:solidFill>
+            </a:endParaRPr>
+          </a:p>
+        </p:txBody>
+      </p:sp>
+      <p:sp>
+        <p:nvSpPr>
+          <p:cNvPr id="34" name="Rectangle 33"/>
+          <p:cNvSpPr/>
+          <p:nvPr/>
+        </p:nvSpPr>
+        <p:spPr>
+          <a:xfrm>
+            <a:off x="926055" y="6077974"/>
+            <a:ext cx="609600" cy="228600"/>
+          </a:xfrm>
+          <a:prstGeom prst="rect">
+            <a:avLst/>
+          </a:prstGeom>
+          <a:solidFill>
+            <a:schemeClr val="bg1"/>
+          </a:solidFill>
+          <a:ln>
+            <a:solidFill>
+              <a:schemeClr val="tx1"/>
+            </a:solidFill>
+          </a:ln>
+        </p:spPr>
+        <p:style>
+          <a:lnRef idx="2">
+            <a:schemeClr val="accent1">
+              <a:shade val="50000"/>
+            </a:schemeClr>
+          </a:lnRef>
+          <a:fillRef idx="1">
+            <a:schemeClr val="accent1"/>
+          </a:fillRef>
+          <a:effectRef idx="0">
+            <a:schemeClr val="accent1"/>
+          </a:effectRef>
+          <a:fontRef idx="minor">
+            <a:schemeClr val="lt1"/>
+          </a:fontRef>
+        </p:style>
+        <p:txBody>
+          <a:bodyPr rot="0" spcFirstLastPara="0" vertOverflow="overflow" horzOverflow="overflow" vert="horz" wrap="square" lIns="91440" tIns="45720" rIns="91440" bIns="45720" numCol="1" spcCol="0" rtlCol="0" fromWordArt="0" anchor="ctr" anchorCtr="0" forceAA="0" compatLnSpc="1">
+            <a:prstTxWarp prst="textNoShape">
+              <a:avLst/>
+            </a:prstTxWarp>
+            <a:noAutofit/>
+          </a:bodyPr>
+          <a:lstStyle/>
+          <a:p>
+            <a:pPr algn="ctr"/>
+            <a:r>
+              <a:rPr lang="en-US" sz="1000" dirty="0" smtClean="0">
+                <a:solidFill>
+                  <a:schemeClr val="tx1"/>
+                </a:solidFill>
+              </a:rPr>
+              <a:t>Triplet</a:t>
+            </a:r>
+            <a:endParaRPr lang="en-US" sz="1000" dirty="0" smtClean="0">
+              <a:solidFill>
+                <a:schemeClr val="tx1"/>
+              </a:solidFill>
+            </a:endParaRPr>
+          </a:p>
+        </p:txBody>
+      </p:sp>
+      <p:sp>
+        <p:nvSpPr>
+          <p:cNvPr id="35" name="TextBox 34"/>
+          <p:cNvSpPr txBox="1"/>
+          <p:nvPr/>
+        </p:nvSpPr>
+        <p:spPr>
+          <a:xfrm>
+            <a:off x="1941400" y="6032551"/>
+            <a:ext cx="319318" cy="307777"/>
+          </a:xfrm>
+          <a:prstGeom prst="rect">
+            <a:avLst/>
+          </a:prstGeom>
+          <a:noFill/>
+        </p:spPr>
+        <p:txBody>
+          <a:bodyPr wrap="none" rtlCol="0">
+            <a:spAutoFit/>
+          </a:bodyPr>
+          <a:lstStyle/>
+          <a:p>
+            <a:pPr algn="ctr"/>
+            <a:r>
+              <a:rPr lang="en-US" sz="1400" dirty="0" smtClean="0"/>
+              <a:t>…</a:t>
+            </a:r>
+            <a:endParaRPr lang="en-US" sz="1400" dirty="0"/>
+          </a:p>
+        </p:txBody>
+      </p:sp>
+      <p:sp>
+        <p:nvSpPr>
+          <p:cNvPr id="36" name="Rectangle 35"/>
+          <p:cNvSpPr/>
+          <p:nvPr/>
+        </p:nvSpPr>
+        <p:spPr>
+          <a:xfrm>
+            <a:off x="2748759" y="6072140"/>
+            <a:ext cx="609600" cy="228600"/>
+          </a:xfrm>
+          <a:prstGeom prst="rect">
+            <a:avLst/>
+          </a:prstGeom>
+          <a:solidFill>
+            <a:schemeClr val="bg1"/>
+          </a:solidFill>
+          <a:ln>
+            <a:solidFill>
+              <a:schemeClr val="tx1"/>
+            </a:solidFill>
+          </a:ln>
+        </p:spPr>
+        <p:style>
+          <a:lnRef idx="2">
+            <a:schemeClr val="accent1">
+              <a:shade val="50000"/>
+            </a:schemeClr>
+          </a:lnRef>
+          <a:fillRef idx="1">
+            <a:schemeClr val="accent1"/>
+          </a:fillRef>
+          <a:effectRef idx="0">
+            <a:schemeClr val="accent1"/>
+          </a:effectRef>
+          <a:fontRef idx="minor">
+            <a:schemeClr val="lt1"/>
+          </a:fontRef>
+        </p:style>
+        <p:txBody>
+          <a:bodyPr rot="0" spcFirstLastPara="0" vertOverflow="overflow" horzOverflow="overflow" vert="horz" wrap="square" lIns="91440" tIns="45720" rIns="91440" bIns="45720" numCol="1" spcCol="0" rtlCol="0" fromWordArt="0" anchor="ctr" anchorCtr="0" forceAA="0" compatLnSpc="1">
+            <a:prstTxWarp prst="textNoShape">
+              <a:avLst/>
+            </a:prstTxWarp>
+            <a:noAutofit/>
+          </a:bodyPr>
+          <a:lstStyle/>
+          <a:p>
+            <a:pPr algn="ctr"/>
+            <a:r>
+              <a:rPr lang="en-US" sz="1000" dirty="0" smtClean="0">
+                <a:solidFill>
+                  <a:schemeClr val="tx1"/>
+                </a:solidFill>
+              </a:rPr>
+              <a:t>Rest</a:t>
+            </a:r>
+            <a:endParaRPr lang="en-US" sz="1000" dirty="0" smtClean="0">
+              <a:solidFill>
+                <a:schemeClr val="tx1"/>
+              </a:solidFill>
+            </a:endParaRPr>
+          </a:p>
+        </p:txBody>
+      </p:sp>
+      <p:sp>
+        <p:nvSpPr>
+          <p:cNvPr id="37" name="Rectangle 36"/>
+          <p:cNvSpPr/>
+          <p:nvPr/>
+        </p:nvSpPr>
+        <p:spPr>
+          <a:xfrm>
+            <a:off x="1065051" y="5334000"/>
+            <a:ext cx="1197363" cy="228600"/>
+          </a:xfrm>
+          <a:prstGeom prst="rect">
+            <a:avLst/>
+          </a:prstGeom>
+          <a:solidFill>
+            <a:schemeClr val="bg1"/>
+          </a:solidFill>
+          <a:ln>
+            <a:solidFill>
+              <a:schemeClr val="tx1"/>
+            </a:solidFill>
+          </a:ln>
+        </p:spPr>
+        <p:style>
+          <a:lnRef idx="2">
+            <a:schemeClr val="accent1">
+              <a:shade val="50000"/>
+            </a:schemeClr>
+          </a:lnRef>
+          <a:fillRef idx="1">
+            <a:schemeClr val="accent1"/>
+          </a:fillRef>
+          <a:effectRef idx="0">
+            <a:schemeClr val="accent1"/>
+          </a:effectRef>
+          <a:fontRef idx="minor">
+            <a:schemeClr val="lt1"/>
+          </a:fontRef>
+        </p:style>
+        <p:txBody>
+          <a:bodyPr rot="0" spcFirstLastPara="0" vertOverflow="overflow" horzOverflow="overflow" vert="horz" wrap="square" lIns="91440" tIns="45720" rIns="91440" bIns="45720" numCol="1" spcCol="0" rtlCol="0" fromWordArt="0" anchor="ctr" anchorCtr="0" forceAA="0" compatLnSpc="1">
+            <a:prstTxWarp prst="textNoShape">
+              <a:avLst/>
+            </a:prstTxWarp>
+            <a:noAutofit/>
+          </a:bodyPr>
+          <a:lstStyle/>
+          <a:p>
+            <a:pPr algn="ctr"/>
+            <a:r>
+              <a:rPr lang="en-US" sz="1000" dirty="0" err="1" smtClean="0">
+                <a:solidFill>
+                  <a:schemeClr val="tx1"/>
+                </a:solidFill>
+              </a:rPr>
+              <a:t>MeasureNumber</a:t>
+            </a:r>
+            <a:endParaRPr lang="en-US" sz="1000" dirty="0" smtClean="0">
+              <a:solidFill>
+                <a:schemeClr val="tx1"/>
+              </a:solidFill>
+            </a:endParaRPr>
+          </a:p>
+        </p:txBody>
+      </p:sp>
+      <p:sp>
+        <p:nvSpPr>
+          <p:cNvPr id="38" name="Rectangle 37"/>
+          <p:cNvSpPr/>
+          <p:nvPr/>
+        </p:nvSpPr>
+        <p:spPr>
+          <a:xfrm>
+            <a:off x="2592724" y="5334000"/>
+            <a:ext cx="609600" cy="228600"/>
+          </a:xfrm>
+          <a:prstGeom prst="rect">
+            <a:avLst/>
+          </a:prstGeom>
+          <a:solidFill>
+            <a:schemeClr val="bg1"/>
+          </a:solidFill>
+          <a:ln>
+            <a:solidFill>
+              <a:schemeClr val="tx1"/>
+            </a:solidFill>
+          </a:ln>
+        </p:spPr>
+        <p:style>
+          <a:lnRef idx="2">
+            <a:schemeClr val="accent1">
+              <a:shade val="50000"/>
+            </a:schemeClr>
+          </a:lnRef>
+          <a:fillRef idx="1">
+            <a:schemeClr val="accent1"/>
+          </a:fillRef>
+          <a:effectRef idx="0">
+            <a:schemeClr val="accent1"/>
+          </a:effectRef>
+          <a:fontRef idx="minor">
+            <a:schemeClr val="lt1"/>
+          </a:fontRef>
+        </p:style>
+        <p:txBody>
+          <a:bodyPr rot="0" spcFirstLastPara="0" vertOverflow="overflow" horzOverflow="overflow" vert="horz" wrap="square" lIns="91440" tIns="45720" rIns="91440" bIns="45720" numCol="1" spcCol="0" rtlCol="0" fromWordArt="0" anchor="ctr" anchorCtr="0" forceAA="0" compatLnSpc="1">
+            <a:prstTxWarp prst="textNoShape">
+              <a:avLst/>
+            </a:prstTxWarp>
+            <a:noAutofit/>
+          </a:bodyPr>
+          <a:lstStyle/>
+          <a:p>
+            <a:pPr algn="ctr"/>
+            <a:r>
+              <a:rPr lang="en-US" sz="1000" dirty="0" smtClean="0">
+                <a:solidFill>
+                  <a:schemeClr val="tx1"/>
+                </a:solidFill>
+              </a:rPr>
+              <a:t>Note</a:t>
+            </a:r>
+            <a:endParaRPr lang="en-US" sz="1000" dirty="0" smtClean="0">
+              <a:solidFill>
+                <a:schemeClr val="tx1"/>
+              </a:solidFill>
+            </a:endParaRPr>
+          </a:p>
+        </p:txBody>
+      </p:sp>
+      <p:cxnSp>
+        <p:nvCxnSpPr>
+          <p:cNvPr id="42" name="Straight Connector 41"/>
+          <p:cNvCxnSpPr/>
+          <p:nvPr/>
+        </p:nvCxnSpPr>
+        <p:spPr>
+          <a:xfrm flipH="1">
+            <a:off x="685800" y="4279392"/>
+            <a:ext cx="381000" cy="597408"/>
+          </a:xfrm>
+          <a:prstGeom prst="line">
+            <a:avLst/>
+          </a:prstGeom>
+          <a:ln w="12700">
+            <a:solidFill>
+              <a:schemeClr val="tx1"/>
+            </a:solidFill>
+            <a:prstDash val="sysDot"/>
+            <a:tailEnd type="none" w="med" len="lg"/>
+          </a:ln>
+        </p:spPr>
+        <p:style>
+          <a:lnRef idx="1">
+            <a:schemeClr val="dk1"/>
+          </a:lnRef>
+          <a:fillRef idx="0">
+            <a:schemeClr val="dk1"/>
+          </a:fillRef>
+          <a:effectRef idx="0">
+            <a:schemeClr val="dk1"/>
+          </a:effectRef>
+          <a:fontRef idx="minor">
+            <a:schemeClr val="tx1"/>
+          </a:fontRef>
+        </p:style>
+      </p:cxnSp>
+      <p:cxnSp>
+        <p:nvCxnSpPr>
+          <p:cNvPr id="43" name="Straight Connector 42"/>
+          <p:cNvCxnSpPr/>
+          <p:nvPr/>
+        </p:nvCxnSpPr>
+        <p:spPr>
+          <a:xfrm>
+            <a:off x="1828800" y="4256532"/>
+            <a:ext cx="1752600" cy="620268"/>
+          </a:xfrm>
+          <a:prstGeom prst="line">
+            <a:avLst/>
+          </a:prstGeom>
+          <a:ln w="12700">
+            <a:solidFill>
+              <a:schemeClr val="tx1"/>
+            </a:solidFill>
+            <a:prstDash val="sysDot"/>
+            <a:tailEnd type="none" w="med" len="lg"/>
+          </a:ln>
+        </p:spPr>
+        <p:style>
+          <a:lnRef idx="1">
+            <a:schemeClr val="dk1"/>
+          </a:lnRef>
+          <a:fillRef idx="0">
+            <a:schemeClr val="dk1"/>
+          </a:fillRef>
+          <a:effectRef idx="0">
+            <a:schemeClr val="dk1"/>
+          </a:effectRef>
+          <a:fontRef idx="minor">
+            <a:schemeClr val="tx1"/>
+          </a:fontRef>
+        </p:style>
+      </p:cxnSp>
+      <p:sp>
+        <p:nvSpPr>
+          <p:cNvPr id="47" name="Rectangle 46"/>
+          <p:cNvSpPr/>
+          <p:nvPr/>
+        </p:nvSpPr>
+        <p:spPr>
+          <a:xfrm>
+            <a:off x="3390900" y="2593848"/>
+            <a:ext cx="2362200" cy="1905000"/>
+          </a:xfrm>
+          <a:prstGeom prst="rect">
+            <a:avLst/>
+          </a:prstGeom>
+          <a:solidFill>
+            <a:srgbClr val="BDF73B"/>
+          </a:solidFill>
+          <a:ln>
+            <a:solidFill>
+              <a:schemeClr val="tx1"/>
+            </a:solidFill>
+          </a:ln>
+        </p:spPr>
+        <p:style>
+          <a:lnRef idx="2">
+            <a:schemeClr val="accent1">
+              <a:shade val="50000"/>
+            </a:schemeClr>
+          </a:lnRef>
+          <a:fillRef idx="1">
+            <a:schemeClr val="accent1"/>
+          </a:fillRef>
+          <a:effectRef idx="0">
+            <a:schemeClr val="accent1"/>
+          </a:effectRef>
+          <a:fontRef idx="minor">
+            <a:schemeClr val="lt1"/>
+          </a:fontRef>
+        </p:style>
+        <p:txBody>
+          <a:bodyPr rot="0" spcFirstLastPara="0" vertOverflow="overflow" horzOverflow="overflow" vert="horz" wrap="square" lIns="91440" tIns="45720" rIns="91440" bIns="45720" numCol="1" spcCol="0" rtlCol="0" fromWordArt="0" anchor="ctr" anchorCtr="0" forceAA="0" compatLnSpc="1">
+            <a:prstTxWarp prst="textNoShape">
+              <a:avLst/>
+            </a:prstTxWarp>
+            <a:noAutofit/>
+          </a:bodyPr>
+          <a:lstStyle/>
+          <a:p>
+            <a:pPr algn="ctr"/>
+            <a:endParaRPr lang="en-US" sz="2400" dirty="0" smtClean="0">
+              <a:solidFill>
+                <a:schemeClr val="tx1"/>
+              </a:solidFill>
+            </a:endParaRPr>
+          </a:p>
+        </p:txBody>
+      </p:sp>
+      <p:sp>
+        <p:nvSpPr>
+          <p:cNvPr id="48" name="TextBox 47"/>
+          <p:cNvSpPr txBox="1"/>
+          <p:nvPr/>
+        </p:nvSpPr>
+        <p:spPr>
+          <a:xfrm>
+            <a:off x="3890483" y="2609088"/>
+            <a:ext cx="1367875" cy="369332"/>
+          </a:xfrm>
+          <a:prstGeom prst="rect">
+            <a:avLst/>
+          </a:prstGeom>
+          <a:noFill/>
+        </p:spPr>
+        <p:txBody>
+          <a:bodyPr wrap="none" rtlCol="0">
+            <a:spAutoFit/>
+          </a:bodyPr>
+          <a:lstStyle/>
+          <a:p>
+            <a:pPr algn="ctr"/>
+            <a:r>
+              <a:rPr lang="en-US" dirty="0" err="1" smtClean="0"/>
+              <a:t>MChirpTrack</a:t>
+            </a:r>
+            <a:endParaRPr lang="en-US" dirty="0"/>
+          </a:p>
+        </p:txBody>
+      </p:sp>
+      <p:sp>
+        <p:nvSpPr>
+          <p:cNvPr id="49" name="Rectangle 48"/>
+          <p:cNvSpPr/>
+          <p:nvPr/>
+        </p:nvSpPr>
+        <p:spPr>
+          <a:xfrm>
+            <a:off x="3543300" y="3660648"/>
+            <a:ext cx="2057400" cy="685800"/>
+          </a:xfrm>
+          <a:prstGeom prst="rect">
+            <a:avLst/>
+          </a:prstGeom>
+          <a:solidFill>
+            <a:srgbClr val="DFF56F"/>
+          </a:solidFill>
+          <a:ln>
+            <a:solidFill>
+              <a:schemeClr val="tx1"/>
+            </a:solidFill>
+          </a:ln>
+        </p:spPr>
+        <p:style>
+          <a:lnRef idx="2">
+            <a:schemeClr val="accent1">
+              <a:shade val="50000"/>
+            </a:schemeClr>
+          </a:lnRef>
+          <a:fillRef idx="1">
+            <a:schemeClr val="accent1"/>
+          </a:fillRef>
+          <a:effectRef idx="0">
+            <a:schemeClr val="accent1"/>
+          </a:effectRef>
+          <a:fontRef idx="minor">
+            <a:schemeClr val="lt1"/>
+          </a:fontRef>
+        </p:style>
+        <p:txBody>
+          <a:bodyPr rot="0" spcFirstLastPara="0" vertOverflow="overflow" horzOverflow="overflow" vert="horz" wrap="square" lIns="91440" tIns="45720" rIns="91440" bIns="45720" numCol="1" spcCol="0" rtlCol="0" fromWordArt="0" anchor="ctr" anchorCtr="0" forceAA="0" compatLnSpc="1">
+            <a:prstTxWarp prst="textNoShape">
+              <a:avLst/>
+            </a:prstTxWarp>
+            <a:noAutofit/>
+          </a:bodyPr>
+          <a:lstStyle/>
+          <a:p>
+            <a:pPr algn="ctr"/>
+            <a:endParaRPr lang="en-US" sz="2400" dirty="0" smtClean="0">
+              <a:solidFill>
+                <a:schemeClr val="tx1"/>
+              </a:solidFill>
+            </a:endParaRPr>
+          </a:p>
+        </p:txBody>
+      </p:sp>
+      <p:sp>
+        <p:nvSpPr>
+          <p:cNvPr id="50" name="TextBox 49"/>
+          <p:cNvSpPr txBox="1"/>
+          <p:nvPr/>
+        </p:nvSpPr>
+        <p:spPr>
+          <a:xfrm>
+            <a:off x="4127392" y="3666886"/>
+            <a:ext cx="889218" cy="307777"/>
+          </a:xfrm>
+          <a:prstGeom prst="rect">
+            <a:avLst/>
+          </a:prstGeom>
+          <a:noFill/>
+        </p:spPr>
+        <p:txBody>
+          <a:bodyPr wrap="none" rtlCol="0">
+            <a:spAutoFit/>
+          </a:bodyPr>
+          <a:lstStyle/>
+          <a:p>
+            <a:pPr algn="ctr"/>
+            <a:r>
+              <a:rPr lang="en-US" sz="1400" dirty="0" smtClean="0"/>
+              <a:t>measures</a:t>
+            </a:r>
+            <a:endParaRPr lang="en-US" sz="1400" dirty="0"/>
+          </a:p>
+        </p:txBody>
+      </p:sp>
+      <p:sp>
+        <p:nvSpPr>
+          <p:cNvPr id="51" name="Rectangle 50"/>
+          <p:cNvSpPr/>
+          <p:nvPr/>
+        </p:nvSpPr>
+        <p:spPr>
+          <a:xfrm>
+            <a:off x="3619500" y="4003548"/>
+            <a:ext cx="762000" cy="266700"/>
+          </a:xfrm>
+          <a:prstGeom prst="rect">
+            <a:avLst/>
+          </a:prstGeom>
+          <a:solidFill>
+            <a:srgbClr val="FFFF00"/>
+          </a:solidFill>
+          <a:ln>
+            <a:solidFill>
+              <a:schemeClr val="tx1"/>
+            </a:solidFill>
+          </a:ln>
+        </p:spPr>
+        <p:style>
+          <a:lnRef idx="2">
+            <a:schemeClr val="accent1">
+              <a:shade val="50000"/>
+            </a:schemeClr>
+          </a:lnRef>
+          <a:fillRef idx="1">
+            <a:schemeClr val="accent1"/>
+          </a:fillRef>
+          <a:effectRef idx="0">
+            <a:schemeClr val="accent1"/>
+          </a:effectRef>
+          <a:fontRef idx="minor">
+            <a:schemeClr val="lt1"/>
+          </a:fontRef>
+        </p:style>
+        <p:txBody>
+          <a:bodyPr rot="0" spcFirstLastPara="0" vertOverflow="overflow" horzOverflow="overflow" vert="horz" wrap="square" lIns="91440" tIns="45720" rIns="91440" bIns="45720" numCol="1" spcCol="0" rtlCol="0" fromWordArt="0" anchor="ctr" anchorCtr="0" forceAA="0" compatLnSpc="1">
+            <a:prstTxWarp prst="textNoShape">
+              <a:avLst/>
+            </a:prstTxWarp>
+            <a:noAutofit/>
+          </a:bodyPr>
+          <a:lstStyle/>
+          <a:p>
+            <a:pPr algn="ctr"/>
+            <a:r>
+              <a:rPr lang="en-US" sz="1000" dirty="0" smtClean="0">
+                <a:solidFill>
+                  <a:schemeClr val="tx1"/>
+                </a:solidFill>
+              </a:rPr>
+              <a:t>Measure</a:t>
+            </a:r>
+            <a:endParaRPr lang="en-US" sz="1000" dirty="0" smtClean="0">
+              <a:solidFill>
+                <a:schemeClr val="tx1"/>
+              </a:solidFill>
+            </a:endParaRPr>
+          </a:p>
+        </p:txBody>
+      </p:sp>
+      <p:sp>
+        <p:nvSpPr>
+          <p:cNvPr id="52" name="Rectangle 51"/>
+          <p:cNvSpPr/>
+          <p:nvPr/>
+        </p:nvSpPr>
+        <p:spPr>
+          <a:xfrm>
+            <a:off x="4762500" y="3992880"/>
+            <a:ext cx="762000" cy="266700"/>
+          </a:xfrm>
+          <a:prstGeom prst="rect">
+            <a:avLst/>
+          </a:prstGeom>
+          <a:solidFill>
+            <a:srgbClr val="FFFF00"/>
+          </a:solidFill>
+          <a:ln>
+            <a:solidFill>
+              <a:schemeClr val="tx1"/>
+            </a:solidFill>
+          </a:ln>
+        </p:spPr>
+        <p:style>
+          <a:lnRef idx="2">
+            <a:schemeClr val="accent1">
+              <a:shade val="50000"/>
+            </a:schemeClr>
+          </a:lnRef>
+          <a:fillRef idx="1">
+            <a:schemeClr val="accent1"/>
+          </a:fillRef>
+          <a:effectRef idx="0">
+            <a:schemeClr val="accent1"/>
+          </a:effectRef>
+          <a:fontRef idx="minor">
+            <a:schemeClr val="lt1"/>
+          </a:fontRef>
+        </p:style>
+        <p:txBody>
+          <a:bodyPr rot="0" spcFirstLastPara="0" vertOverflow="overflow" horzOverflow="overflow" vert="horz" wrap="square" lIns="91440" tIns="45720" rIns="91440" bIns="45720" numCol="1" spcCol="0" rtlCol="0" fromWordArt="0" anchor="ctr" anchorCtr="0" forceAA="0" compatLnSpc="1">
+            <a:prstTxWarp prst="textNoShape">
+              <a:avLst/>
+            </a:prstTxWarp>
+            <a:noAutofit/>
+          </a:bodyPr>
+          <a:lstStyle/>
+          <a:p>
+            <a:pPr algn="ctr"/>
+            <a:r>
+              <a:rPr lang="en-US" sz="1000" dirty="0" smtClean="0">
+                <a:solidFill>
+                  <a:schemeClr val="tx1"/>
+                </a:solidFill>
+              </a:rPr>
+              <a:t>Measure</a:t>
+            </a:r>
+            <a:endParaRPr lang="en-US" sz="1000" dirty="0" smtClean="0">
+              <a:solidFill>
+                <a:schemeClr val="tx1"/>
+              </a:solidFill>
+            </a:endParaRPr>
+          </a:p>
+        </p:txBody>
+      </p:sp>
+      <p:sp>
+        <p:nvSpPr>
+          <p:cNvPr id="53" name="TextBox 52"/>
+          <p:cNvSpPr txBox="1"/>
+          <p:nvPr/>
+        </p:nvSpPr>
+        <p:spPr>
+          <a:xfrm>
+            <a:off x="4426062" y="3974663"/>
+            <a:ext cx="319318" cy="307777"/>
+          </a:xfrm>
+          <a:prstGeom prst="rect">
+            <a:avLst/>
+          </a:prstGeom>
+          <a:noFill/>
+        </p:spPr>
+        <p:txBody>
+          <a:bodyPr wrap="none" rtlCol="0">
+            <a:spAutoFit/>
+          </a:bodyPr>
+          <a:lstStyle/>
+          <a:p>
+            <a:pPr algn="ctr"/>
+            <a:r>
+              <a:rPr lang="en-US" sz="1400" dirty="0" smtClean="0"/>
+              <a:t>…</a:t>
+            </a:r>
+            <a:endParaRPr lang="en-US" sz="1400" dirty="0"/>
+          </a:p>
+        </p:txBody>
+      </p:sp>
+      <p:sp>
+        <p:nvSpPr>
+          <p:cNvPr id="54" name="Rectangle 53"/>
+          <p:cNvSpPr/>
+          <p:nvPr/>
+        </p:nvSpPr>
+        <p:spPr>
+          <a:xfrm>
+            <a:off x="5955217" y="2596896"/>
+            <a:ext cx="2362200" cy="1905000"/>
+          </a:xfrm>
+          <a:prstGeom prst="rect">
+            <a:avLst/>
+          </a:prstGeom>
+          <a:solidFill>
+            <a:srgbClr val="BDF73B"/>
+          </a:solidFill>
+          <a:ln>
+            <a:solidFill>
+              <a:schemeClr val="tx1"/>
+            </a:solidFill>
+          </a:ln>
+        </p:spPr>
+        <p:style>
+          <a:lnRef idx="2">
+            <a:schemeClr val="accent1">
+              <a:shade val="50000"/>
+            </a:schemeClr>
+          </a:lnRef>
+          <a:fillRef idx="1">
+            <a:schemeClr val="accent1"/>
+          </a:fillRef>
+          <a:effectRef idx="0">
+            <a:schemeClr val="accent1"/>
+          </a:effectRef>
+          <a:fontRef idx="minor">
+            <a:schemeClr val="lt1"/>
+          </a:fontRef>
+        </p:style>
+        <p:txBody>
+          <a:bodyPr rot="0" spcFirstLastPara="0" vertOverflow="overflow" horzOverflow="overflow" vert="horz" wrap="square" lIns="91440" tIns="45720" rIns="91440" bIns="45720" numCol="1" spcCol="0" rtlCol="0" fromWordArt="0" anchor="ctr" anchorCtr="0" forceAA="0" compatLnSpc="1">
+            <a:prstTxWarp prst="textNoShape">
+              <a:avLst/>
+            </a:prstTxWarp>
+            <a:noAutofit/>
+          </a:bodyPr>
+          <a:lstStyle/>
+          <a:p>
+            <a:pPr algn="ctr"/>
+            <a:endParaRPr lang="en-US" sz="2400" dirty="0" smtClean="0">
+              <a:solidFill>
+                <a:schemeClr val="tx1"/>
+              </a:solidFill>
+            </a:endParaRPr>
+          </a:p>
+        </p:txBody>
+      </p:sp>
+      <p:sp>
+        <p:nvSpPr>
+          <p:cNvPr id="55" name="TextBox 54"/>
+          <p:cNvSpPr txBox="1"/>
+          <p:nvPr/>
+        </p:nvSpPr>
+        <p:spPr>
+          <a:xfrm>
+            <a:off x="6454800" y="2612136"/>
+            <a:ext cx="1367875" cy="369332"/>
+          </a:xfrm>
+          <a:prstGeom prst="rect">
+            <a:avLst/>
+          </a:prstGeom>
+          <a:noFill/>
+        </p:spPr>
+        <p:txBody>
+          <a:bodyPr wrap="none" rtlCol="0">
+            <a:spAutoFit/>
+          </a:bodyPr>
+          <a:lstStyle/>
+          <a:p>
+            <a:pPr algn="ctr"/>
+            <a:r>
+              <a:rPr lang="en-US" dirty="0" err="1" smtClean="0"/>
+              <a:t>MChirpTrack</a:t>
+            </a:r>
+            <a:endParaRPr lang="en-US" dirty="0"/>
+          </a:p>
+        </p:txBody>
+      </p:sp>
+      <p:sp>
+        <p:nvSpPr>
+          <p:cNvPr id="56" name="Rectangle 55"/>
+          <p:cNvSpPr/>
+          <p:nvPr/>
+        </p:nvSpPr>
+        <p:spPr>
+          <a:xfrm>
+            <a:off x="6107617" y="3663696"/>
+            <a:ext cx="2057400" cy="685800"/>
+          </a:xfrm>
+          <a:prstGeom prst="rect">
+            <a:avLst/>
+          </a:prstGeom>
+          <a:solidFill>
+            <a:srgbClr val="DFF56F"/>
+          </a:solidFill>
+          <a:ln>
+            <a:solidFill>
+              <a:schemeClr val="tx1"/>
+            </a:solidFill>
+          </a:ln>
+        </p:spPr>
+        <p:style>
+          <a:lnRef idx="2">
+            <a:schemeClr val="accent1">
+              <a:shade val="50000"/>
+            </a:schemeClr>
+          </a:lnRef>
+          <a:fillRef idx="1">
+            <a:schemeClr val="accent1"/>
+          </a:fillRef>
+          <a:effectRef idx="0">
+            <a:schemeClr val="accent1"/>
+          </a:effectRef>
+          <a:fontRef idx="minor">
+            <a:schemeClr val="lt1"/>
+          </a:fontRef>
+        </p:style>
+        <p:txBody>
+          <a:bodyPr rot="0" spcFirstLastPara="0" vertOverflow="overflow" horzOverflow="overflow" vert="horz" wrap="square" lIns="91440" tIns="45720" rIns="91440" bIns="45720" numCol="1" spcCol="0" rtlCol="0" fromWordArt="0" anchor="ctr" anchorCtr="0" forceAA="0" compatLnSpc="1">
+            <a:prstTxWarp prst="textNoShape">
+              <a:avLst/>
+            </a:prstTxWarp>
+            <a:noAutofit/>
+          </a:bodyPr>
+          <a:lstStyle/>
+          <a:p>
+            <a:pPr algn="ctr"/>
+            <a:endParaRPr lang="en-US" sz="2400" dirty="0" smtClean="0">
+              <a:solidFill>
+                <a:schemeClr val="tx1"/>
+              </a:solidFill>
+            </a:endParaRPr>
+          </a:p>
+        </p:txBody>
+      </p:sp>
+      <p:sp>
+        <p:nvSpPr>
+          <p:cNvPr id="57" name="TextBox 56"/>
+          <p:cNvSpPr txBox="1"/>
+          <p:nvPr/>
+        </p:nvSpPr>
+        <p:spPr>
+          <a:xfrm>
+            <a:off x="6691709" y="3669934"/>
+            <a:ext cx="889218" cy="307777"/>
+          </a:xfrm>
+          <a:prstGeom prst="rect">
+            <a:avLst/>
+          </a:prstGeom>
+          <a:noFill/>
+        </p:spPr>
+        <p:txBody>
+          <a:bodyPr wrap="none" rtlCol="0">
+            <a:spAutoFit/>
+          </a:bodyPr>
+          <a:lstStyle/>
+          <a:p>
+            <a:pPr algn="ctr"/>
+            <a:r>
+              <a:rPr lang="en-US" sz="1400" dirty="0" smtClean="0"/>
+              <a:t>measures</a:t>
+            </a:r>
+            <a:endParaRPr lang="en-US" sz="1400" dirty="0"/>
+          </a:p>
+        </p:txBody>
+      </p:sp>
+      <p:sp>
+        <p:nvSpPr>
+          <p:cNvPr id="58" name="Rectangle 57"/>
+          <p:cNvSpPr/>
+          <p:nvPr/>
+        </p:nvSpPr>
+        <p:spPr>
+          <a:xfrm>
+            <a:off x="6183817" y="4006596"/>
+            <a:ext cx="762000" cy="266700"/>
+          </a:xfrm>
+          <a:prstGeom prst="rect">
+            <a:avLst/>
+          </a:prstGeom>
+          <a:solidFill>
+            <a:srgbClr val="FFFF00"/>
+          </a:solidFill>
+          <a:ln>
+            <a:solidFill>
+              <a:schemeClr val="tx1"/>
+            </a:solidFill>
+          </a:ln>
+        </p:spPr>
+        <p:style>
+          <a:lnRef idx="2">
+            <a:schemeClr val="accent1">
+              <a:shade val="50000"/>
+            </a:schemeClr>
+          </a:lnRef>
+          <a:fillRef idx="1">
+            <a:schemeClr val="accent1"/>
+          </a:fillRef>
+          <a:effectRef idx="0">
+            <a:schemeClr val="accent1"/>
+          </a:effectRef>
+          <a:fontRef idx="minor">
+            <a:schemeClr val="lt1"/>
+          </a:fontRef>
+        </p:style>
+        <p:txBody>
+          <a:bodyPr rot="0" spcFirstLastPara="0" vertOverflow="overflow" horzOverflow="overflow" vert="horz" wrap="square" lIns="91440" tIns="45720" rIns="91440" bIns="45720" numCol="1" spcCol="0" rtlCol="0" fromWordArt="0" anchor="ctr" anchorCtr="0" forceAA="0" compatLnSpc="1">
+            <a:prstTxWarp prst="textNoShape">
+              <a:avLst/>
+            </a:prstTxWarp>
+            <a:noAutofit/>
+          </a:bodyPr>
+          <a:lstStyle/>
+          <a:p>
+            <a:pPr algn="ctr"/>
+            <a:r>
+              <a:rPr lang="en-US" sz="1000" dirty="0" smtClean="0">
+                <a:solidFill>
+                  <a:schemeClr val="tx1"/>
+                </a:solidFill>
+              </a:rPr>
+              <a:t>Measure</a:t>
+            </a:r>
+            <a:endParaRPr lang="en-US" sz="1000" dirty="0" smtClean="0">
+              <a:solidFill>
+                <a:schemeClr val="tx1"/>
+              </a:solidFill>
+            </a:endParaRPr>
+          </a:p>
+        </p:txBody>
+      </p:sp>
+      <p:sp>
+        <p:nvSpPr>
+          <p:cNvPr id="59" name="Rectangle 58"/>
+          <p:cNvSpPr/>
+          <p:nvPr/>
+        </p:nvSpPr>
+        <p:spPr>
+          <a:xfrm>
+            <a:off x="7326817" y="3995928"/>
+            <a:ext cx="762000" cy="266700"/>
+          </a:xfrm>
+          <a:prstGeom prst="rect">
+            <a:avLst/>
+          </a:prstGeom>
+          <a:solidFill>
+            <a:srgbClr val="FFFF00"/>
+          </a:solidFill>
+          <a:ln>
+            <a:solidFill>
+              <a:schemeClr val="tx1"/>
+            </a:solidFill>
+          </a:ln>
+        </p:spPr>
+        <p:style>
+          <a:lnRef idx="2">
+            <a:schemeClr val="accent1">
+              <a:shade val="50000"/>
+            </a:schemeClr>
+          </a:lnRef>
+          <a:fillRef idx="1">
+            <a:schemeClr val="accent1"/>
+          </a:fillRef>
+          <a:effectRef idx="0">
+            <a:schemeClr val="accent1"/>
+          </a:effectRef>
+          <a:fontRef idx="minor">
+            <a:schemeClr val="lt1"/>
+          </a:fontRef>
+        </p:style>
+        <p:txBody>
+          <a:bodyPr rot="0" spcFirstLastPara="0" vertOverflow="overflow" horzOverflow="overflow" vert="horz" wrap="square" lIns="91440" tIns="45720" rIns="91440" bIns="45720" numCol="1" spcCol="0" rtlCol="0" fromWordArt="0" anchor="ctr" anchorCtr="0" forceAA="0" compatLnSpc="1">
+            <a:prstTxWarp prst="textNoShape">
+              <a:avLst/>
+            </a:prstTxWarp>
+            <a:noAutofit/>
+          </a:bodyPr>
+          <a:lstStyle/>
+          <a:p>
+            <a:pPr algn="ctr"/>
+            <a:r>
+              <a:rPr lang="en-US" sz="1000" dirty="0" smtClean="0">
+                <a:solidFill>
+                  <a:schemeClr val="tx1"/>
+                </a:solidFill>
+              </a:rPr>
+              <a:t>Measure</a:t>
+            </a:r>
+            <a:endParaRPr lang="en-US" sz="1000" dirty="0" smtClean="0">
+              <a:solidFill>
+                <a:schemeClr val="tx1"/>
+              </a:solidFill>
+            </a:endParaRPr>
+          </a:p>
+        </p:txBody>
+      </p:sp>
+      <p:sp>
+        <p:nvSpPr>
+          <p:cNvPr id="60" name="TextBox 59"/>
+          <p:cNvSpPr txBox="1"/>
+          <p:nvPr/>
+        </p:nvSpPr>
+        <p:spPr>
+          <a:xfrm>
+            <a:off x="6990379" y="3977711"/>
+            <a:ext cx="319318" cy="307777"/>
+          </a:xfrm>
+          <a:prstGeom prst="rect">
+            <a:avLst/>
+          </a:prstGeom>
+          <a:noFill/>
+        </p:spPr>
+        <p:txBody>
+          <a:bodyPr wrap="none" rtlCol="0">
+            <a:spAutoFit/>
+          </a:bodyPr>
+          <a:lstStyle/>
+          <a:p>
+            <a:pPr algn="ctr"/>
+            <a:r>
+              <a:rPr lang="en-US" sz="1400" dirty="0" smtClean="0"/>
+              <a:t>…</a:t>
+            </a:r>
+            <a:endParaRPr lang="en-US" sz="1400" dirty="0"/>
+          </a:p>
+        </p:txBody>
+      </p:sp>
     </p:spTree>
     <p:extLst>
       <p:ext uri="{BB962C8B-B14F-4D97-AF65-F5344CB8AC3E}">
@@ -4807,6 +7797,2234 @@
           </a:p>
         </p:txBody>
       </p:sp>
+      <p:sp>
+        <p:nvSpPr>
+          <p:cNvPr id="3" name="Rectangle 2"/>
+          <p:cNvSpPr/>
+          <p:nvPr/>
+        </p:nvSpPr>
+        <p:spPr>
+          <a:xfrm>
+            <a:off x="685800" y="1752600"/>
+            <a:ext cx="7772400" cy="4191000"/>
+          </a:xfrm>
+          <a:prstGeom prst="rect">
+            <a:avLst/>
+          </a:prstGeom>
+          <a:solidFill>
+            <a:srgbClr val="00B0F0"/>
+          </a:solidFill>
+          <a:ln>
+            <a:solidFill>
+              <a:schemeClr val="tx1"/>
+            </a:solidFill>
+          </a:ln>
+        </p:spPr>
+        <p:style>
+          <a:lnRef idx="2">
+            <a:schemeClr val="accent1">
+              <a:shade val="50000"/>
+            </a:schemeClr>
+          </a:lnRef>
+          <a:fillRef idx="1">
+            <a:schemeClr val="accent1"/>
+          </a:fillRef>
+          <a:effectRef idx="0">
+            <a:schemeClr val="accent1"/>
+          </a:effectRef>
+          <a:fontRef idx="minor">
+            <a:schemeClr val="lt1"/>
+          </a:fontRef>
+        </p:style>
+        <p:txBody>
+          <a:bodyPr rtlCol="0" anchor="ctr"/>
+          <a:lstStyle/>
+          <a:p>
+            <a:pPr algn="ctr"/>
+            <a:endParaRPr lang="en-US" sz="2400" dirty="0">
+              <a:solidFill>
+                <a:schemeClr val="tx1"/>
+              </a:solidFill>
+            </a:endParaRPr>
+          </a:p>
+        </p:txBody>
+      </p:sp>
+      <p:sp>
+        <p:nvSpPr>
+          <p:cNvPr id="4" name="TextBox 3"/>
+          <p:cNvSpPr txBox="1"/>
+          <p:nvPr/>
+        </p:nvSpPr>
+        <p:spPr>
+          <a:xfrm>
+            <a:off x="3824709" y="1752600"/>
+            <a:ext cx="1266244" cy="369332"/>
+          </a:xfrm>
+          <a:prstGeom prst="rect">
+            <a:avLst/>
+          </a:prstGeom>
+          <a:noFill/>
+        </p:spPr>
+        <p:txBody>
+          <a:bodyPr wrap="none" rtlCol="0">
+            <a:spAutoFit/>
+          </a:bodyPr>
+          <a:lstStyle/>
+          <a:p>
+            <a:pPr algn="ctr"/>
+            <a:r>
+              <a:rPr lang="en-US" dirty="0" err="1" smtClean="0"/>
+              <a:t>RChirpSong</a:t>
+            </a:r>
+            <a:endParaRPr lang="en-US" dirty="0"/>
+          </a:p>
+        </p:txBody>
+      </p:sp>
+      <p:sp>
+        <p:nvSpPr>
+          <p:cNvPr id="7" name="TextBox 6"/>
+          <p:cNvSpPr txBox="1"/>
+          <p:nvPr/>
+        </p:nvSpPr>
+        <p:spPr>
+          <a:xfrm>
+            <a:off x="4009118" y="2057400"/>
+            <a:ext cx="897425" cy="307777"/>
+          </a:xfrm>
+          <a:prstGeom prst="rect">
+            <a:avLst/>
+          </a:prstGeom>
+          <a:noFill/>
+        </p:spPr>
+        <p:txBody>
+          <a:bodyPr wrap="none" rtlCol="0">
+            <a:spAutoFit/>
+          </a:bodyPr>
+          <a:lstStyle/>
+          <a:p>
+            <a:r>
+              <a:rPr lang="en-US" sz="1400" dirty="0" smtClean="0"/>
+              <a:t>metadata</a:t>
+            </a:r>
+            <a:endParaRPr lang="en-US" sz="1400" dirty="0"/>
+          </a:p>
+        </p:txBody>
+      </p:sp>
+      <p:grpSp>
+        <p:nvGrpSpPr>
+          <p:cNvPr id="40" name="Group 39"/>
+          <p:cNvGrpSpPr/>
+          <p:nvPr/>
+        </p:nvGrpSpPr>
+        <p:grpSpPr>
+          <a:xfrm>
+            <a:off x="838200" y="3657600"/>
+            <a:ext cx="2362200" cy="2133600"/>
+            <a:chOff x="838200" y="2819400"/>
+            <a:chExt cx="2362200" cy="2133600"/>
+          </a:xfrm>
+        </p:grpSpPr>
+        <p:sp>
+          <p:nvSpPr>
+            <p:cNvPr id="5" name="Rectangle 4"/>
+            <p:cNvSpPr/>
+            <p:nvPr/>
+          </p:nvSpPr>
+          <p:spPr>
+            <a:xfrm>
+              <a:off x="838200" y="2819400"/>
+              <a:ext cx="2362200" cy="2133600"/>
+            </a:xfrm>
+            <a:prstGeom prst="rect">
+              <a:avLst/>
+            </a:prstGeom>
+            <a:solidFill>
+              <a:srgbClr val="B4E0FE"/>
+            </a:solidFill>
+            <a:ln>
+              <a:solidFill>
+                <a:schemeClr val="tx1"/>
+              </a:solidFill>
+            </a:ln>
+          </p:spPr>
+          <p:style>
+            <a:lnRef idx="2">
+              <a:schemeClr val="accent1">
+                <a:shade val="50000"/>
+              </a:schemeClr>
+            </a:lnRef>
+            <a:fillRef idx="1">
+              <a:schemeClr val="accent1"/>
+            </a:fillRef>
+            <a:effectRef idx="0">
+              <a:schemeClr val="accent1"/>
+            </a:effectRef>
+            <a:fontRef idx="minor">
+              <a:schemeClr val="lt1"/>
+            </a:fontRef>
+          </p:style>
+          <p:txBody>
+            <a:bodyPr rot="0" spcFirstLastPara="0" vertOverflow="overflow" horzOverflow="overflow" vert="horz" wrap="square" lIns="91440" tIns="45720" rIns="91440" bIns="45720" numCol="1" spcCol="0" rtlCol="0" fromWordArt="0" anchor="ctr" anchorCtr="0" forceAA="0" compatLnSpc="1">
+              <a:prstTxWarp prst="textNoShape">
+                <a:avLst/>
+              </a:prstTxWarp>
+              <a:noAutofit/>
+            </a:bodyPr>
+            <a:lstStyle/>
+            <a:p>
+              <a:pPr algn="ctr"/>
+              <a:endParaRPr lang="en-US" sz="2400" dirty="0" smtClean="0">
+                <a:solidFill>
+                  <a:schemeClr val="tx1"/>
+                </a:solidFill>
+              </a:endParaRPr>
+            </a:p>
+          </p:txBody>
+        </p:sp>
+        <p:sp>
+          <p:nvSpPr>
+            <p:cNvPr id="6" name="TextBox 5"/>
+            <p:cNvSpPr txBox="1"/>
+            <p:nvPr/>
+          </p:nvSpPr>
+          <p:spPr>
+            <a:xfrm>
+              <a:off x="1374282" y="2819400"/>
+              <a:ext cx="1317477" cy="369332"/>
+            </a:xfrm>
+            <a:prstGeom prst="rect">
+              <a:avLst/>
+            </a:prstGeom>
+            <a:noFill/>
+          </p:spPr>
+          <p:txBody>
+            <a:bodyPr wrap="none" rtlCol="0">
+              <a:spAutoFit/>
+            </a:bodyPr>
+            <a:lstStyle/>
+            <a:p>
+              <a:pPr algn="ctr"/>
+              <a:r>
+                <a:rPr lang="en-US" dirty="0" err="1" smtClean="0"/>
+                <a:t>RChirpVoice</a:t>
+              </a:r>
+              <a:endParaRPr lang="en-US" dirty="0"/>
+            </a:p>
+          </p:txBody>
+        </p:sp>
+        <p:sp>
+          <p:nvSpPr>
+            <p:cNvPr id="8" name="Rectangle 7"/>
+            <p:cNvSpPr/>
+            <p:nvPr/>
+          </p:nvSpPr>
+          <p:spPr>
+            <a:xfrm>
+              <a:off x="1004320" y="3218688"/>
+              <a:ext cx="2057400" cy="685800"/>
+            </a:xfrm>
+            <a:prstGeom prst="rect">
+              <a:avLst/>
+            </a:prstGeom>
+            <a:solidFill>
+              <a:srgbClr val="D3ECFD"/>
+            </a:solidFill>
+            <a:ln>
+              <a:solidFill>
+                <a:schemeClr val="tx1"/>
+              </a:solidFill>
+            </a:ln>
+          </p:spPr>
+          <p:style>
+            <a:lnRef idx="2">
+              <a:schemeClr val="accent1">
+                <a:shade val="50000"/>
+              </a:schemeClr>
+            </a:lnRef>
+            <a:fillRef idx="1">
+              <a:schemeClr val="accent1"/>
+            </a:fillRef>
+            <a:effectRef idx="0">
+              <a:schemeClr val="accent1"/>
+            </a:effectRef>
+            <a:fontRef idx="minor">
+              <a:schemeClr val="lt1"/>
+            </a:fontRef>
+          </p:style>
+          <p:txBody>
+            <a:bodyPr rot="0" spcFirstLastPara="0" vertOverflow="overflow" horzOverflow="overflow" vert="horz" wrap="square" lIns="91440" tIns="45720" rIns="91440" bIns="45720" numCol="1" spcCol="0" rtlCol="0" fromWordArt="0" anchor="ctr" anchorCtr="0" forceAA="0" compatLnSpc="1">
+              <a:prstTxWarp prst="textNoShape">
+                <a:avLst/>
+              </a:prstTxWarp>
+              <a:noAutofit/>
+            </a:bodyPr>
+            <a:lstStyle/>
+            <a:p>
+              <a:pPr algn="ctr"/>
+              <a:endParaRPr lang="en-US" sz="2400" dirty="0" smtClean="0">
+                <a:solidFill>
+                  <a:schemeClr val="tx1"/>
+                </a:solidFill>
+              </a:endParaRPr>
+            </a:p>
+          </p:txBody>
+        </p:sp>
+        <p:sp>
+          <p:nvSpPr>
+            <p:cNvPr id="9" name="TextBox 8"/>
+            <p:cNvSpPr txBox="1"/>
+            <p:nvPr/>
+          </p:nvSpPr>
+          <p:spPr>
+            <a:xfrm>
+              <a:off x="1736464" y="3224926"/>
+              <a:ext cx="535339" cy="307777"/>
+            </a:xfrm>
+            <a:prstGeom prst="rect">
+              <a:avLst/>
+            </a:prstGeom>
+            <a:noFill/>
+          </p:spPr>
+          <p:txBody>
+            <a:bodyPr wrap="none" rtlCol="0">
+              <a:spAutoFit/>
+            </a:bodyPr>
+            <a:lstStyle/>
+            <a:p>
+              <a:pPr algn="ctr"/>
+              <a:r>
+                <a:rPr lang="en-US" sz="1400" dirty="0" smtClean="0"/>
+                <a:t>rows</a:t>
+              </a:r>
+              <a:endParaRPr lang="en-US" sz="1400" dirty="0"/>
+            </a:p>
+          </p:txBody>
+        </p:sp>
+        <p:sp>
+          <p:nvSpPr>
+            <p:cNvPr id="10" name="Rectangle 9"/>
+            <p:cNvSpPr/>
+            <p:nvPr/>
+          </p:nvSpPr>
+          <p:spPr>
+            <a:xfrm>
+              <a:off x="1080520" y="3561588"/>
+              <a:ext cx="806562" cy="266700"/>
+            </a:xfrm>
+            <a:prstGeom prst="rect">
+              <a:avLst/>
+            </a:prstGeom>
+            <a:solidFill>
+              <a:schemeClr val="bg1"/>
+            </a:solidFill>
+            <a:ln>
+              <a:solidFill>
+                <a:schemeClr val="tx1"/>
+              </a:solidFill>
+            </a:ln>
+          </p:spPr>
+          <p:style>
+            <a:lnRef idx="2">
+              <a:schemeClr val="accent1">
+                <a:shade val="50000"/>
+              </a:schemeClr>
+            </a:lnRef>
+            <a:fillRef idx="1">
+              <a:schemeClr val="accent1"/>
+            </a:fillRef>
+            <a:effectRef idx="0">
+              <a:schemeClr val="accent1"/>
+            </a:effectRef>
+            <a:fontRef idx="minor">
+              <a:schemeClr val="lt1"/>
+            </a:fontRef>
+          </p:style>
+          <p:txBody>
+            <a:bodyPr rot="0" spcFirstLastPara="0" vertOverflow="overflow" horzOverflow="overflow" vert="horz" wrap="square" lIns="91440" tIns="45720" rIns="91440" bIns="45720" numCol="1" spcCol="0" rtlCol="0" fromWordArt="0" anchor="ctr" anchorCtr="0" forceAA="0" compatLnSpc="1">
+              <a:prstTxWarp prst="textNoShape">
+                <a:avLst/>
+              </a:prstTxWarp>
+              <a:noAutofit/>
+            </a:bodyPr>
+            <a:lstStyle/>
+            <a:p>
+              <a:pPr algn="ctr"/>
+              <a:r>
+                <a:rPr lang="en-US" sz="1000" dirty="0" err="1" smtClean="0">
+                  <a:solidFill>
+                    <a:schemeClr val="tx1"/>
+                  </a:solidFill>
+                </a:rPr>
+                <a:t>RChirpRow</a:t>
+              </a:r>
+              <a:endParaRPr lang="en-US" sz="1000" dirty="0" smtClean="0">
+                <a:solidFill>
+                  <a:schemeClr val="tx1"/>
+                </a:solidFill>
+              </a:endParaRPr>
+            </a:p>
+          </p:txBody>
+        </p:sp>
+        <p:sp>
+          <p:nvSpPr>
+            <p:cNvPr id="11" name="Rectangle 10"/>
+            <p:cNvSpPr/>
+            <p:nvPr/>
+          </p:nvSpPr>
+          <p:spPr>
+            <a:xfrm>
+              <a:off x="2206400" y="3550920"/>
+              <a:ext cx="779120" cy="266700"/>
+            </a:xfrm>
+            <a:prstGeom prst="rect">
+              <a:avLst/>
+            </a:prstGeom>
+            <a:solidFill>
+              <a:schemeClr val="bg1"/>
+            </a:solidFill>
+            <a:ln>
+              <a:solidFill>
+                <a:schemeClr val="tx1"/>
+              </a:solidFill>
+            </a:ln>
+          </p:spPr>
+          <p:style>
+            <a:lnRef idx="2">
+              <a:schemeClr val="accent1">
+                <a:shade val="50000"/>
+              </a:schemeClr>
+            </a:lnRef>
+            <a:fillRef idx="1">
+              <a:schemeClr val="accent1"/>
+            </a:fillRef>
+            <a:effectRef idx="0">
+              <a:schemeClr val="accent1"/>
+            </a:effectRef>
+            <a:fontRef idx="minor">
+              <a:schemeClr val="lt1"/>
+            </a:fontRef>
+          </p:style>
+          <p:txBody>
+            <a:bodyPr rot="0" spcFirstLastPara="0" vertOverflow="overflow" horzOverflow="overflow" vert="horz" wrap="square" lIns="91440" tIns="45720" rIns="91440" bIns="45720" numCol="1" spcCol="0" rtlCol="0" fromWordArt="0" anchor="ctr" anchorCtr="0" forceAA="0" compatLnSpc="1">
+              <a:prstTxWarp prst="textNoShape">
+                <a:avLst/>
+              </a:prstTxWarp>
+              <a:noAutofit/>
+            </a:bodyPr>
+            <a:lstStyle/>
+            <a:p>
+              <a:pPr algn="ctr"/>
+              <a:r>
+                <a:rPr lang="en-US" sz="1000" dirty="0" err="1" smtClean="0">
+                  <a:solidFill>
+                    <a:schemeClr val="tx1"/>
+                  </a:solidFill>
+                </a:rPr>
+                <a:t>RChirpRow</a:t>
+              </a:r>
+              <a:endParaRPr lang="en-US" sz="1000" dirty="0" smtClean="0">
+                <a:solidFill>
+                  <a:schemeClr val="tx1"/>
+                </a:solidFill>
+              </a:endParaRPr>
+            </a:p>
+          </p:txBody>
+        </p:sp>
+        <p:sp>
+          <p:nvSpPr>
+            <p:cNvPr id="12" name="TextBox 11"/>
+            <p:cNvSpPr txBox="1"/>
+            <p:nvPr/>
+          </p:nvSpPr>
+          <p:spPr>
+            <a:xfrm>
+              <a:off x="1887082" y="3532703"/>
+              <a:ext cx="319318" cy="307777"/>
+            </a:xfrm>
+            <a:prstGeom prst="rect">
+              <a:avLst/>
+            </a:prstGeom>
+            <a:noFill/>
+          </p:spPr>
+          <p:txBody>
+            <a:bodyPr wrap="none" rtlCol="0">
+              <a:spAutoFit/>
+            </a:bodyPr>
+            <a:lstStyle/>
+            <a:p>
+              <a:pPr algn="ctr"/>
+              <a:r>
+                <a:rPr lang="en-US" sz="1400" dirty="0" smtClean="0"/>
+                <a:t>…</a:t>
+              </a:r>
+              <a:endParaRPr lang="en-US" sz="1400" dirty="0"/>
+            </a:p>
+          </p:txBody>
+        </p:sp>
+        <p:sp>
+          <p:nvSpPr>
+            <p:cNvPr id="28" name="Rectangle 27"/>
+            <p:cNvSpPr/>
+            <p:nvPr/>
+          </p:nvSpPr>
+          <p:spPr>
+            <a:xfrm>
+              <a:off x="1004320" y="4056888"/>
+              <a:ext cx="2057400" cy="819912"/>
+            </a:xfrm>
+            <a:prstGeom prst="rect">
+              <a:avLst/>
+            </a:prstGeom>
+            <a:solidFill>
+              <a:srgbClr val="D3ECFD"/>
+            </a:solidFill>
+            <a:ln>
+              <a:solidFill>
+                <a:schemeClr val="tx1"/>
+              </a:solidFill>
+            </a:ln>
+          </p:spPr>
+          <p:style>
+            <a:lnRef idx="2">
+              <a:schemeClr val="accent1">
+                <a:shade val="50000"/>
+              </a:schemeClr>
+            </a:lnRef>
+            <a:fillRef idx="1">
+              <a:schemeClr val="accent1"/>
+            </a:fillRef>
+            <a:effectRef idx="0">
+              <a:schemeClr val="accent1"/>
+            </a:effectRef>
+            <a:fontRef idx="minor">
+              <a:schemeClr val="lt1"/>
+            </a:fontRef>
+          </p:style>
+          <p:txBody>
+            <a:bodyPr rot="0" spcFirstLastPara="0" vertOverflow="overflow" horzOverflow="overflow" vert="horz" wrap="square" lIns="91440" tIns="45720" rIns="91440" bIns="45720" numCol="1" spcCol="0" rtlCol="0" fromWordArt="0" anchor="ctr" anchorCtr="0" forceAA="0" compatLnSpc="1">
+              <a:prstTxWarp prst="textNoShape">
+                <a:avLst/>
+              </a:prstTxWarp>
+              <a:noAutofit/>
+            </a:bodyPr>
+            <a:lstStyle/>
+            <a:p>
+              <a:pPr algn="ctr"/>
+              <a:endParaRPr lang="en-US" sz="2400" dirty="0">
+                <a:solidFill>
+                  <a:schemeClr val="tx1"/>
+                </a:solidFill>
+              </a:endParaRPr>
+            </a:p>
+          </p:txBody>
+        </p:sp>
+        <p:sp>
+          <p:nvSpPr>
+            <p:cNvPr id="29" name="TextBox 28"/>
+            <p:cNvSpPr txBox="1"/>
+            <p:nvPr/>
+          </p:nvSpPr>
+          <p:spPr>
+            <a:xfrm>
+              <a:off x="1332929" y="4063126"/>
+              <a:ext cx="1342420" cy="307777"/>
+            </a:xfrm>
+            <a:prstGeom prst="rect">
+              <a:avLst/>
+            </a:prstGeom>
+            <a:noFill/>
+          </p:spPr>
+          <p:txBody>
+            <a:bodyPr wrap="none" rtlCol="0">
+              <a:spAutoFit/>
+            </a:bodyPr>
+            <a:lstStyle/>
+            <a:p>
+              <a:pPr algn="ctr"/>
+              <a:r>
+                <a:rPr lang="en-US" sz="1400" dirty="0" err="1" smtClean="0"/>
+                <a:t>RChirpOrderList</a:t>
+              </a:r>
+              <a:endParaRPr lang="en-US" sz="1400" dirty="0"/>
+            </a:p>
+          </p:txBody>
+        </p:sp>
+        <p:sp>
+          <p:nvSpPr>
+            <p:cNvPr id="30" name="Rectangle 29"/>
+            <p:cNvSpPr/>
+            <p:nvPr/>
+          </p:nvSpPr>
+          <p:spPr>
+            <a:xfrm>
+              <a:off x="1047750" y="4395216"/>
+              <a:ext cx="907940" cy="405384"/>
+            </a:xfrm>
+            <a:prstGeom prst="rect">
+              <a:avLst/>
+            </a:prstGeom>
+            <a:solidFill>
+              <a:schemeClr val="bg1"/>
+            </a:solidFill>
+            <a:ln>
+              <a:solidFill>
+                <a:schemeClr val="tx1"/>
+              </a:solidFill>
+            </a:ln>
+          </p:spPr>
+          <p:style>
+            <a:lnRef idx="2">
+              <a:schemeClr val="accent1">
+                <a:shade val="50000"/>
+              </a:schemeClr>
+            </a:lnRef>
+            <a:fillRef idx="1">
+              <a:schemeClr val="accent1"/>
+            </a:fillRef>
+            <a:effectRef idx="0">
+              <a:schemeClr val="accent1"/>
+            </a:effectRef>
+            <a:fontRef idx="minor">
+              <a:schemeClr val="lt1"/>
+            </a:fontRef>
+          </p:style>
+          <p:txBody>
+            <a:bodyPr rot="0" spcFirstLastPara="0" vertOverflow="overflow" horzOverflow="overflow" vert="horz" wrap="square" lIns="91440" tIns="45720" rIns="91440" bIns="45720" numCol="1" spcCol="0" rtlCol="0" fromWordArt="0" anchor="ctr" anchorCtr="0" forceAA="0" compatLnSpc="1">
+              <a:prstTxWarp prst="textNoShape">
+                <a:avLst/>
+              </a:prstTxWarp>
+              <a:noAutofit/>
+            </a:bodyPr>
+            <a:lstStyle/>
+            <a:p>
+              <a:pPr algn="ctr"/>
+              <a:r>
+                <a:rPr lang="en-US" sz="1000" dirty="0" err="1" smtClean="0">
+                  <a:solidFill>
+                    <a:schemeClr val="tx1"/>
+                  </a:solidFill>
+                </a:rPr>
+                <a:t>RChirpOrder</a:t>
+              </a:r>
+              <a:r>
+                <a:rPr lang="en-US" sz="1000" dirty="0" smtClean="0">
+                  <a:solidFill>
+                    <a:schemeClr val="tx1"/>
+                  </a:solidFill>
+                </a:rPr>
+                <a:t>-Entry</a:t>
+              </a:r>
+              <a:endParaRPr lang="en-US" sz="1000" dirty="0" smtClean="0">
+                <a:solidFill>
+                  <a:schemeClr val="tx1"/>
+                </a:solidFill>
+              </a:endParaRPr>
+            </a:p>
+          </p:txBody>
+        </p:sp>
+        <p:sp>
+          <p:nvSpPr>
+            <p:cNvPr id="32" name="TextBox 31"/>
+            <p:cNvSpPr txBox="1"/>
+            <p:nvPr/>
+          </p:nvSpPr>
+          <p:spPr>
+            <a:xfrm>
+              <a:off x="1879823" y="4366331"/>
+              <a:ext cx="319318" cy="307777"/>
+            </a:xfrm>
+            <a:prstGeom prst="rect">
+              <a:avLst/>
+            </a:prstGeom>
+            <a:noFill/>
+          </p:spPr>
+          <p:txBody>
+            <a:bodyPr wrap="none" rtlCol="0">
+              <a:spAutoFit/>
+            </a:bodyPr>
+            <a:lstStyle/>
+            <a:p>
+              <a:pPr algn="ctr"/>
+              <a:r>
+                <a:rPr lang="en-US" sz="1400" dirty="0" smtClean="0"/>
+                <a:t>…</a:t>
+              </a:r>
+              <a:endParaRPr lang="en-US" sz="1400" dirty="0"/>
+            </a:p>
+          </p:txBody>
+        </p:sp>
+        <p:sp>
+          <p:nvSpPr>
+            <p:cNvPr id="33" name="Rectangle 32"/>
+            <p:cNvSpPr/>
+            <p:nvPr/>
+          </p:nvSpPr>
+          <p:spPr>
+            <a:xfrm>
+              <a:off x="2108090" y="4393692"/>
+              <a:ext cx="907940" cy="405384"/>
+            </a:xfrm>
+            <a:prstGeom prst="rect">
+              <a:avLst/>
+            </a:prstGeom>
+            <a:solidFill>
+              <a:schemeClr val="bg1"/>
+            </a:solidFill>
+            <a:ln>
+              <a:solidFill>
+                <a:schemeClr val="tx1"/>
+              </a:solidFill>
+            </a:ln>
+          </p:spPr>
+          <p:style>
+            <a:lnRef idx="2">
+              <a:schemeClr val="accent1">
+                <a:shade val="50000"/>
+              </a:schemeClr>
+            </a:lnRef>
+            <a:fillRef idx="1">
+              <a:schemeClr val="accent1"/>
+            </a:fillRef>
+            <a:effectRef idx="0">
+              <a:schemeClr val="accent1"/>
+            </a:effectRef>
+            <a:fontRef idx="minor">
+              <a:schemeClr val="lt1"/>
+            </a:fontRef>
+          </p:style>
+          <p:txBody>
+            <a:bodyPr rot="0" spcFirstLastPara="0" vertOverflow="overflow" horzOverflow="overflow" vert="horz" wrap="square" lIns="91440" tIns="45720" rIns="91440" bIns="45720" numCol="1" spcCol="0" rtlCol="0" fromWordArt="0" anchor="ctr" anchorCtr="0" forceAA="0" compatLnSpc="1">
+              <a:prstTxWarp prst="textNoShape">
+                <a:avLst/>
+              </a:prstTxWarp>
+              <a:noAutofit/>
+            </a:bodyPr>
+            <a:lstStyle/>
+            <a:p>
+              <a:pPr algn="ctr"/>
+              <a:r>
+                <a:rPr lang="en-US" sz="1000" dirty="0" err="1" smtClean="0">
+                  <a:solidFill>
+                    <a:schemeClr val="tx1"/>
+                  </a:solidFill>
+                </a:rPr>
+                <a:t>RChirpOrder</a:t>
+              </a:r>
+              <a:r>
+                <a:rPr lang="en-US" sz="1000" dirty="0" smtClean="0">
+                  <a:solidFill>
+                    <a:schemeClr val="tx1"/>
+                  </a:solidFill>
+                </a:rPr>
+                <a:t>-Entry</a:t>
+              </a:r>
+              <a:endParaRPr lang="en-US" sz="1000" dirty="0" smtClean="0">
+                <a:solidFill>
+                  <a:schemeClr val="tx1"/>
+                </a:solidFill>
+              </a:endParaRPr>
+            </a:p>
+          </p:txBody>
+        </p:sp>
+      </p:grpSp>
+      <p:grpSp>
+        <p:nvGrpSpPr>
+          <p:cNvPr id="67" name="Group 66"/>
+          <p:cNvGrpSpPr/>
+          <p:nvPr/>
+        </p:nvGrpSpPr>
+        <p:grpSpPr>
+          <a:xfrm>
+            <a:off x="3337633" y="2513944"/>
+            <a:ext cx="2438400" cy="914400"/>
+            <a:chOff x="838200" y="1828800"/>
+            <a:chExt cx="2438400" cy="914400"/>
+          </a:xfrm>
+        </p:grpSpPr>
+        <p:sp>
+          <p:nvSpPr>
+            <p:cNvPr id="34" name="Rectangle 33"/>
+            <p:cNvSpPr/>
+            <p:nvPr/>
+          </p:nvSpPr>
+          <p:spPr>
+            <a:xfrm>
+              <a:off x="838200" y="1828800"/>
+              <a:ext cx="2438400" cy="914400"/>
+            </a:xfrm>
+            <a:prstGeom prst="rect">
+              <a:avLst/>
+            </a:prstGeom>
+            <a:solidFill>
+              <a:srgbClr val="B4E0FE"/>
+            </a:solidFill>
+            <a:ln>
+              <a:solidFill>
+                <a:schemeClr val="tx1"/>
+              </a:solidFill>
+            </a:ln>
+          </p:spPr>
+          <p:style>
+            <a:lnRef idx="2">
+              <a:schemeClr val="accent1">
+                <a:shade val="50000"/>
+              </a:schemeClr>
+            </a:lnRef>
+            <a:fillRef idx="1">
+              <a:schemeClr val="accent1"/>
+            </a:fillRef>
+            <a:effectRef idx="0">
+              <a:schemeClr val="accent1"/>
+            </a:effectRef>
+            <a:fontRef idx="minor">
+              <a:schemeClr val="lt1"/>
+            </a:fontRef>
+          </p:style>
+          <p:txBody>
+            <a:bodyPr rot="0" spcFirstLastPara="0" vertOverflow="overflow" horzOverflow="overflow" vert="horz" wrap="square" lIns="91440" tIns="45720" rIns="91440" bIns="45720" numCol="1" spcCol="0" rtlCol="0" fromWordArt="0" anchor="ctr" anchorCtr="0" forceAA="0" compatLnSpc="1">
+              <a:prstTxWarp prst="textNoShape">
+                <a:avLst/>
+              </a:prstTxWarp>
+              <a:noAutofit/>
+            </a:bodyPr>
+            <a:lstStyle/>
+            <a:p>
+              <a:pPr algn="ctr"/>
+              <a:endParaRPr lang="en-US" sz="2400" dirty="0">
+                <a:solidFill>
+                  <a:schemeClr val="tx1"/>
+                </a:solidFill>
+              </a:endParaRPr>
+            </a:p>
+          </p:txBody>
+        </p:sp>
+        <p:sp>
+          <p:nvSpPr>
+            <p:cNvPr id="35" name="TextBox 34"/>
+            <p:cNvSpPr txBox="1"/>
+            <p:nvPr/>
+          </p:nvSpPr>
+          <p:spPr>
+            <a:xfrm>
+              <a:off x="1657963" y="1839574"/>
+              <a:ext cx="798873" cy="307777"/>
+            </a:xfrm>
+            <a:prstGeom prst="rect">
+              <a:avLst/>
+            </a:prstGeom>
+            <a:noFill/>
+          </p:spPr>
+          <p:txBody>
+            <a:bodyPr wrap="none" rtlCol="0">
+              <a:spAutoFit/>
+            </a:bodyPr>
+            <a:lstStyle/>
+            <a:p>
+              <a:pPr algn="ctr"/>
+              <a:r>
+                <a:rPr lang="en-US" sz="1400" dirty="0" smtClean="0"/>
+                <a:t>patterns</a:t>
+              </a:r>
+              <a:endParaRPr lang="en-US" sz="1400" dirty="0"/>
+            </a:p>
+          </p:txBody>
+        </p:sp>
+        <p:sp>
+          <p:nvSpPr>
+            <p:cNvPr id="36" name="Rectangle 35"/>
+            <p:cNvSpPr/>
+            <p:nvPr/>
+          </p:nvSpPr>
+          <p:spPr>
+            <a:xfrm>
+              <a:off x="920860" y="2394062"/>
+              <a:ext cx="966222" cy="266700"/>
+            </a:xfrm>
+            <a:prstGeom prst="rect">
+              <a:avLst/>
+            </a:prstGeom>
+            <a:solidFill>
+              <a:schemeClr val="bg1"/>
+            </a:solidFill>
+            <a:ln>
+              <a:solidFill>
+                <a:schemeClr val="tx1"/>
+              </a:solidFill>
+            </a:ln>
+          </p:spPr>
+          <p:style>
+            <a:lnRef idx="2">
+              <a:schemeClr val="accent1">
+                <a:shade val="50000"/>
+              </a:schemeClr>
+            </a:lnRef>
+            <a:fillRef idx="1">
+              <a:schemeClr val="accent1"/>
+            </a:fillRef>
+            <a:effectRef idx="0">
+              <a:schemeClr val="accent1"/>
+            </a:effectRef>
+            <a:fontRef idx="minor">
+              <a:schemeClr val="lt1"/>
+            </a:fontRef>
+          </p:style>
+          <p:txBody>
+            <a:bodyPr rot="0" spcFirstLastPara="0" vertOverflow="overflow" horzOverflow="overflow" vert="horz" wrap="square" lIns="91440" tIns="45720" rIns="91440" bIns="45720" numCol="1" spcCol="0" rtlCol="0" fromWordArt="0" anchor="ctr" anchorCtr="0" forceAA="0" compatLnSpc="1">
+              <a:prstTxWarp prst="textNoShape">
+                <a:avLst/>
+              </a:prstTxWarp>
+              <a:noAutofit/>
+            </a:bodyPr>
+            <a:lstStyle/>
+            <a:p>
+              <a:pPr algn="ctr"/>
+              <a:r>
+                <a:rPr lang="en-US" sz="1000" dirty="0" err="1" smtClean="0">
+                  <a:solidFill>
+                    <a:schemeClr val="tx1"/>
+                  </a:solidFill>
+                </a:rPr>
+                <a:t>RChirpPattern</a:t>
+              </a:r>
+              <a:endParaRPr lang="en-US" sz="1000" dirty="0" smtClean="0">
+                <a:solidFill>
+                  <a:schemeClr val="tx1"/>
+                </a:solidFill>
+              </a:endParaRPr>
+            </a:p>
+          </p:txBody>
+        </p:sp>
+        <p:sp>
+          <p:nvSpPr>
+            <p:cNvPr id="38" name="TextBox 37"/>
+            <p:cNvSpPr txBox="1"/>
+            <p:nvPr/>
+          </p:nvSpPr>
+          <p:spPr>
+            <a:xfrm>
+              <a:off x="1898103" y="2373523"/>
+              <a:ext cx="319318" cy="307777"/>
+            </a:xfrm>
+            <a:prstGeom prst="rect">
+              <a:avLst/>
+            </a:prstGeom>
+            <a:noFill/>
+          </p:spPr>
+          <p:txBody>
+            <a:bodyPr wrap="none" rtlCol="0">
+              <a:spAutoFit/>
+            </a:bodyPr>
+            <a:lstStyle/>
+            <a:p>
+              <a:pPr algn="ctr"/>
+              <a:r>
+                <a:rPr lang="en-US" sz="1400" dirty="0" smtClean="0"/>
+                <a:t>…</a:t>
+              </a:r>
+              <a:endParaRPr lang="en-US" sz="1400" dirty="0"/>
+            </a:p>
+          </p:txBody>
+        </p:sp>
+        <p:sp>
+          <p:nvSpPr>
+            <p:cNvPr id="39" name="Rectangle 38"/>
+            <p:cNvSpPr/>
+            <p:nvPr/>
+          </p:nvSpPr>
+          <p:spPr>
+            <a:xfrm>
+              <a:off x="2226558" y="2385060"/>
+              <a:ext cx="966222" cy="266700"/>
+            </a:xfrm>
+            <a:prstGeom prst="rect">
+              <a:avLst/>
+            </a:prstGeom>
+            <a:solidFill>
+              <a:schemeClr val="bg1"/>
+            </a:solidFill>
+            <a:ln>
+              <a:solidFill>
+                <a:schemeClr val="tx1"/>
+              </a:solidFill>
+            </a:ln>
+          </p:spPr>
+          <p:style>
+            <a:lnRef idx="2">
+              <a:schemeClr val="accent1">
+                <a:shade val="50000"/>
+              </a:schemeClr>
+            </a:lnRef>
+            <a:fillRef idx="1">
+              <a:schemeClr val="accent1"/>
+            </a:fillRef>
+            <a:effectRef idx="0">
+              <a:schemeClr val="accent1"/>
+            </a:effectRef>
+            <a:fontRef idx="minor">
+              <a:schemeClr val="lt1"/>
+            </a:fontRef>
+          </p:style>
+          <p:txBody>
+            <a:bodyPr rot="0" spcFirstLastPara="0" vertOverflow="overflow" horzOverflow="overflow" vert="horz" wrap="square" lIns="91440" tIns="45720" rIns="91440" bIns="45720" numCol="1" spcCol="0" rtlCol="0" fromWordArt="0" anchor="ctr" anchorCtr="0" forceAA="0" compatLnSpc="1">
+              <a:prstTxWarp prst="textNoShape">
+                <a:avLst/>
+              </a:prstTxWarp>
+              <a:noAutofit/>
+            </a:bodyPr>
+            <a:lstStyle/>
+            <a:p>
+              <a:pPr algn="ctr"/>
+              <a:r>
+                <a:rPr lang="en-US" sz="1000" dirty="0" err="1" smtClean="0">
+                  <a:solidFill>
+                    <a:schemeClr val="tx1"/>
+                  </a:solidFill>
+                </a:rPr>
+                <a:t>RChirpPattern</a:t>
+              </a:r>
+              <a:endParaRPr lang="en-US" sz="1000" dirty="0" smtClean="0">
+                <a:solidFill>
+                  <a:schemeClr val="tx1"/>
+                </a:solidFill>
+              </a:endParaRPr>
+            </a:p>
+          </p:txBody>
+        </p:sp>
+      </p:grpSp>
+      <p:grpSp>
+        <p:nvGrpSpPr>
+          <p:cNvPr id="41" name="Group 40"/>
+          <p:cNvGrpSpPr/>
+          <p:nvPr/>
+        </p:nvGrpSpPr>
+        <p:grpSpPr>
+          <a:xfrm>
+            <a:off x="3390900" y="3657600"/>
+            <a:ext cx="2362200" cy="2133600"/>
+            <a:chOff x="838200" y="2819400"/>
+            <a:chExt cx="2362200" cy="2133600"/>
+          </a:xfrm>
+        </p:grpSpPr>
+        <p:sp>
+          <p:nvSpPr>
+            <p:cNvPr id="42" name="Rectangle 41"/>
+            <p:cNvSpPr/>
+            <p:nvPr/>
+          </p:nvSpPr>
+          <p:spPr>
+            <a:xfrm>
+              <a:off x="838200" y="2819400"/>
+              <a:ext cx="2362200" cy="2133600"/>
+            </a:xfrm>
+            <a:prstGeom prst="rect">
+              <a:avLst/>
+            </a:prstGeom>
+            <a:solidFill>
+              <a:srgbClr val="B4E0FE"/>
+            </a:solidFill>
+            <a:ln>
+              <a:solidFill>
+                <a:schemeClr val="tx1"/>
+              </a:solidFill>
+            </a:ln>
+          </p:spPr>
+          <p:style>
+            <a:lnRef idx="2">
+              <a:schemeClr val="accent1">
+                <a:shade val="50000"/>
+              </a:schemeClr>
+            </a:lnRef>
+            <a:fillRef idx="1">
+              <a:schemeClr val="accent1"/>
+            </a:fillRef>
+            <a:effectRef idx="0">
+              <a:schemeClr val="accent1"/>
+            </a:effectRef>
+            <a:fontRef idx="minor">
+              <a:schemeClr val="lt1"/>
+            </a:fontRef>
+          </p:style>
+          <p:txBody>
+            <a:bodyPr rot="0" spcFirstLastPara="0" vertOverflow="overflow" horzOverflow="overflow" vert="horz" wrap="square" lIns="91440" tIns="45720" rIns="91440" bIns="45720" numCol="1" spcCol="0" rtlCol="0" fromWordArt="0" anchor="ctr" anchorCtr="0" forceAA="0" compatLnSpc="1">
+              <a:prstTxWarp prst="textNoShape">
+                <a:avLst/>
+              </a:prstTxWarp>
+              <a:noAutofit/>
+            </a:bodyPr>
+            <a:lstStyle/>
+            <a:p>
+              <a:pPr algn="ctr"/>
+              <a:endParaRPr lang="en-US" sz="2400" dirty="0" smtClean="0">
+                <a:solidFill>
+                  <a:schemeClr val="tx1"/>
+                </a:solidFill>
+              </a:endParaRPr>
+            </a:p>
+          </p:txBody>
+        </p:sp>
+        <p:sp>
+          <p:nvSpPr>
+            <p:cNvPr id="43" name="TextBox 42"/>
+            <p:cNvSpPr txBox="1"/>
+            <p:nvPr/>
+          </p:nvSpPr>
+          <p:spPr>
+            <a:xfrm>
+              <a:off x="1374282" y="2819400"/>
+              <a:ext cx="1317477" cy="369332"/>
+            </a:xfrm>
+            <a:prstGeom prst="rect">
+              <a:avLst/>
+            </a:prstGeom>
+            <a:noFill/>
+          </p:spPr>
+          <p:txBody>
+            <a:bodyPr wrap="none" rtlCol="0">
+              <a:spAutoFit/>
+            </a:bodyPr>
+            <a:lstStyle/>
+            <a:p>
+              <a:pPr algn="ctr"/>
+              <a:r>
+                <a:rPr lang="en-US" dirty="0" err="1" smtClean="0"/>
+                <a:t>RChirpVoice</a:t>
+              </a:r>
+              <a:endParaRPr lang="en-US" dirty="0"/>
+            </a:p>
+          </p:txBody>
+        </p:sp>
+        <p:sp>
+          <p:nvSpPr>
+            <p:cNvPr id="44" name="Rectangle 43"/>
+            <p:cNvSpPr/>
+            <p:nvPr/>
+          </p:nvSpPr>
+          <p:spPr>
+            <a:xfrm>
+              <a:off x="1004320" y="3218688"/>
+              <a:ext cx="2057400" cy="685800"/>
+            </a:xfrm>
+            <a:prstGeom prst="rect">
+              <a:avLst/>
+            </a:prstGeom>
+            <a:solidFill>
+              <a:srgbClr val="D3ECFD"/>
+            </a:solidFill>
+            <a:ln>
+              <a:solidFill>
+                <a:schemeClr val="tx1"/>
+              </a:solidFill>
+            </a:ln>
+          </p:spPr>
+          <p:style>
+            <a:lnRef idx="2">
+              <a:schemeClr val="accent1">
+                <a:shade val="50000"/>
+              </a:schemeClr>
+            </a:lnRef>
+            <a:fillRef idx="1">
+              <a:schemeClr val="accent1"/>
+            </a:fillRef>
+            <a:effectRef idx="0">
+              <a:schemeClr val="accent1"/>
+            </a:effectRef>
+            <a:fontRef idx="minor">
+              <a:schemeClr val="lt1"/>
+            </a:fontRef>
+          </p:style>
+          <p:txBody>
+            <a:bodyPr rot="0" spcFirstLastPara="0" vertOverflow="overflow" horzOverflow="overflow" vert="horz" wrap="square" lIns="91440" tIns="45720" rIns="91440" bIns="45720" numCol="1" spcCol="0" rtlCol="0" fromWordArt="0" anchor="ctr" anchorCtr="0" forceAA="0" compatLnSpc="1">
+              <a:prstTxWarp prst="textNoShape">
+                <a:avLst/>
+              </a:prstTxWarp>
+              <a:noAutofit/>
+            </a:bodyPr>
+            <a:lstStyle/>
+            <a:p>
+              <a:pPr algn="ctr"/>
+              <a:endParaRPr lang="en-US" sz="2400" dirty="0" smtClean="0">
+                <a:solidFill>
+                  <a:schemeClr val="tx1"/>
+                </a:solidFill>
+              </a:endParaRPr>
+            </a:p>
+          </p:txBody>
+        </p:sp>
+        <p:sp>
+          <p:nvSpPr>
+            <p:cNvPr id="45" name="TextBox 44"/>
+            <p:cNvSpPr txBox="1"/>
+            <p:nvPr/>
+          </p:nvSpPr>
+          <p:spPr>
+            <a:xfrm>
+              <a:off x="1736464" y="3224926"/>
+              <a:ext cx="535339" cy="307777"/>
+            </a:xfrm>
+            <a:prstGeom prst="rect">
+              <a:avLst/>
+            </a:prstGeom>
+            <a:noFill/>
+          </p:spPr>
+          <p:txBody>
+            <a:bodyPr wrap="none" rtlCol="0">
+              <a:spAutoFit/>
+            </a:bodyPr>
+            <a:lstStyle/>
+            <a:p>
+              <a:pPr algn="ctr"/>
+              <a:r>
+                <a:rPr lang="en-US" sz="1400" dirty="0" smtClean="0"/>
+                <a:t>rows</a:t>
+              </a:r>
+              <a:endParaRPr lang="en-US" sz="1400" dirty="0"/>
+            </a:p>
+          </p:txBody>
+        </p:sp>
+        <p:sp>
+          <p:nvSpPr>
+            <p:cNvPr id="46" name="Rectangle 45"/>
+            <p:cNvSpPr/>
+            <p:nvPr/>
+          </p:nvSpPr>
+          <p:spPr>
+            <a:xfrm>
+              <a:off x="1080520" y="3561588"/>
+              <a:ext cx="806562" cy="266700"/>
+            </a:xfrm>
+            <a:prstGeom prst="rect">
+              <a:avLst/>
+            </a:prstGeom>
+            <a:solidFill>
+              <a:schemeClr val="bg1"/>
+            </a:solidFill>
+            <a:ln>
+              <a:solidFill>
+                <a:schemeClr val="tx1"/>
+              </a:solidFill>
+            </a:ln>
+          </p:spPr>
+          <p:style>
+            <a:lnRef idx="2">
+              <a:schemeClr val="accent1">
+                <a:shade val="50000"/>
+              </a:schemeClr>
+            </a:lnRef>
+            <a:fillRef idx="1">
+              <a:schemeClr val="accent1"/>
+            </a:fillRef>
+            <a:effectRef idx="0">
+              <a:schemeClr val="accent1"/>
+            </a:effectRef>
+            <a:fontRef idx="minor">
+              <a:schemeClr val="lt1"/>
+            </a:fontRef>
+          </p:style>
+          <p:txBody>
+            <a:bodyPr rot="0" spcFirstLastPara="0" vertOverflow="overflow" horzOverflow="overflow" vert="horz" wrap="square" lIns="91440" tIns="45720" rIns="91440" bIns="45720" numCol="1" spcCol="0" rtlCol="0" fromWordArt="0" anchor="ctr" anchorCtr="0" forceAA="0" compatLnSpc="1">
+              <a:prstTxWarp prst="textNoShape">
+                <a:avLst/>
+              </a:prstTxWarp>
+              <a:noAutofit/>
+            </a:bodyPr>
+            <a:lstStyle/>
+            <a:p>
+              <a:pPr algn="ctr"/>
+              <a:r>
+                <a:rPr lang="en-US" sz="1000" dirty="0" err="1" smtClean="0">
+                  <a:solidFill>
+                    <a:schemeClr val="tx1"/>
+                  </a:solidFill>
+                </a:rPr>
+                <a:t>RChirpRow</a:t>
+              </a:r>
+              <a:endParaRPr lang="en-US" sz="1000" dirty="0" smtClean="0">
+                <a:solidFill>
+                  <a:schemeClr val="tx1"/>
+                </a:solidFill>
+              </a:endParaRPr>
+            </a:p>
+          </p:txBody>
+        </p:sp>
+        <p:sp>
+          <p:nvSpPr>
+            <p:cNvPr id="47" name="Rectangle 46"/>
+            <p:cNvSpPr/>
+            <p:nvPr/>
+          </p:nvSpPr>
+          <p:spPr>
+            <a:xfrm>
+              <a:off x="2206400" y="3550920"/>
+              <a:ext cx="779120" cy="266700"/>
+            </a:xfrm>
+            <a:prstGeom prst="rect">
+              <a:avLst/>
+            </a:prstGeom>
+            <a:solidFill>
+              <a:schemeClr val="bg1"/>
+            </a:solidFill>
+            <a:ln>
+              <a:solidFill>
+                <a:schemeClr val="tx1"/>
+              </a:solidFill>
+            </a:ln>
+          </p:spPr>
+          <p:style>
+            <a:lnRef idx="2">
+              <a:schemeClr val="accent1">
+                <a:shade val="50000"/>
+              </a:schemeClr>
+            </a:lnRef>
+            <a:fillRef idx="1">
+              <a:schemeClr val="accent1"/>
+            </a:fillRef>
+            <a:effectRef idx="0">
+              <a:schemeClr val="accent1"/>
+            </a:effectRef>
+            <a:fontRef idx="minor">
+              <a:schemeClr val="lt1"/>
+            </a:fontRef>
+          </p:style>
+          <p:txBody>
+            <a:bodyPr rot="0" spcFirstLastPara="0" vertOverflow="overflow" horzOverflow="overflow" vert="horz" wrap="square" lIns="91440" tIns="45720" rIns="91440" bIns="45720" numCol="1" spcCol="0" rtlCol="0" fromWordArt="0" anchor="ctr" anchorCtr="0" forceAA="0" compatLnSpc="1">
+              <a:prstTxWarp prst="textNoShape">
+                <a:avLst/>
+              </a:prstTxWarp>
+              <a:noAutofit/>
+            </a:bodyPr>
+            <a:lstStyle/>
+            <a:p>
+              <a:pPr algn="ctr"/>
+              <a:r>
+                <a:rPr lang="en-US" sz="1000" dirty="0" err="1" smtClean="0">
+                  <a:solidFill>
+                    <a:schemeClr val="tx1"/>
+                  </a:solidFill>
+                </a:rPr>
+                <a:t>RChirpRow</a:t>
+              </a:r>
+              <a:endParaRPr lang="en-US" sz="1000" dirty="0" smtClean="0">
+                <a:solidFill>
+                  <a:schemeClr val="tx1"/>
+                </a:solidFill>
+              </a:endParaRPr>
+            </a:p>
+          </p:txBody>
+        </p:sp>
+        <p:sp>
+          <p:nvSpPr>
+            <p:cNvPr id="48" name="TextBox 47"/>
+            <p:cNvSpPr txBox="1"/>
+            <p:nvPr/>
+          </p:nvSpPr>
+          <p:spPr>
+            <a:xfrm>
+              <a:off x="1887082" y="3532703"/>
+              <a:ext cx="319318" cy="307777"/>
+            </a:xfrm>
+            <a:prstGeom prst="rect">
+              <a:avLst/>
+            </a:prstGeom>
+            <a:noFill/>
+          </p:spPr>
+          <p:txBody>
+            <a:bodyPr wrap="none" rtlCol="0">
+              <a:spAutoFit/>
+            </a:bodyPr>
+            <a:lstStyle/>
+            <a:p>
+              <a:pPr algn="ctr"/>
+              <a:r>
+                <a:rPr lang="en-US" sz="1400" dirty="0" smtClean="0"/>
+                <a:t>…</a:t>
+              </a:r>
+              <a:endParaRPr lang="en-US" sz="1400" dirty="0"/>
+            </a:p>
+          </p:txBody>
+        </p:sp>
+        <p:sp>
+          <p:nvSpPr>
+            <p:cNvPr id="49" name="Rectangle 48"/>
+            <p:cNvSpPr/>
+            <p:nvPr/>
+          </p:nvSpPr>
+          <p:spPr>
+            <a:xfrm>
+              <a:off x="1004320" y="4056888"/>
+              <a:ext cx="2057400" cy="819912"/>
+            </a:xfrm>
+            <a:prstGeom prst="rect">
+              <a:avLst/>
+            </a:prstGeom>
+            <a:solidFill>
+              <a:srgbClr val="D3ECFD"/>
+            </a:solidFill>
+            <a:ln>
+              <a:solidFill>
+                <a:schemeClr val="tx1"/>
+              </a:solidFill>
+            </a:ln>
+          </p:spPr>
+          <p:style>
+            <a:lnRef idx="2">
+              <a:schemeClr val="accent1">
+                <a:shade val="50000"/>
+              </a:schemeClr>
+            </a:lnRef>
+            <a:fillRef idx="1">
+              <a:schemeClr val="accent1"/>
+            </a:fillRef>
+            <a:effectRef idx="0">
+              <a:schemeClr val="accent1"/>
+            </a:effectRef>
+            <a:fontRef idx="minor">
+              <a:schemeClr val="lt1"/>
+            </a:fontRef>
+          </p:style>
+          <p:txBody>
+            <a:bodyPr rot="0" spcFirstLastPara="0" vertOverflow="overflow" horzOverflow="overflow" vert="horz" wrap="square" lIns="91440" tIns="45720" rIns="91440" bIns="45720" numCol="1" spcCol="0" rtlCol="0" fromWordArt="0" anchor="ctr" anchorCtr="0" forceAA="0" compatLnSpc="1">
+              <a:prstTxWarp prst="textNoShape">
+                <a:avLst/>
+              </a:prstTxWarp>
+              <a:noAutofit/>
+            </a:bodyPr>
+            <a:lstStyle/>
+            <a:p>
+              <a:pPr algn="ctr"/>
+              <a:endParaRPr lang="en-US" sz="2400" dirty="0">
+                <a:solidFill>
+                  <a:schemeClr val="tx1"/>
+                </a:solidFill>
+              </a:endParaRPr>
+            </a:p>
+          </p:txBody>
+        </p:sp>
+        <p:sp>
+          <p:nvSpPr>
+            <p:cNvPr id="50" name="TextBox 49"/>
+            <p:cNvSpPr txBox="1"/>
+            <p:nvPr/>
+          </p:nvSpPr>
+          <p:spPr>
+            <a:xfrm>
+              <a:off x="1332929" y="4063126"/>
+              <a:ext cx="1342420" cy="307777"/>
+            </a:xfrm>
+            <a:prstGeom prst="rect">
+              <a:avLst/>
+            </a:prstGeom>
+            <a:noFill/>
+          </p:spPr>
+          <p:txBody>
+            <a:bodyPr wrap="none" rtlCol="0">
+              <a:spAutoFit/>
+            </a:bodyPr>
+            <a:lstStyle/>
+            <a:p>
+              <a:pPr algn="ctr"/>
+              <a:r>
+                <a:rPr lang="en-US" sz="1400" dirty="0" err="1" smtClean="0"/>
+                <a:t>RChirpOrderList</a:t>
+              </a:r>
+              <a:endParaRPr lang="en-US" sz="1400" dirty="0"/>
+            </a:p>
+          </p:txBody>
+        </p:sp>
+        <p:sp>
+          <p:nvSpPr>
+            <p:cNvPr id="51" name="Rectangle 50"/>
+            <p:cNvSpPr/>
+            <p:nvPr/>
+          </p:nvSpPr>
+          <p:spPr>
+            <a:xfrm>
+              <a:off x="1047750" y="4395216"/>
+              <a:ext cx="907940" cy="405384"/>
+            </a:xfrm>
+            <a:prstGeom prst="rect">
+              <a:avLst/>
+            </a:prstGeom>
+            <a:solidFill>
+              <a:schemeClr val="bg1"/>
+            </a:solidFill>
+            <a:ln>
+              <a:solidFill>
+                <a:schemeClr val="tx1"/>
+              </a:solidFill>
+            </a:ln>
+          </p:spPr>
+          <p:style>
+            <a:lnRef idx="2">
+              <a:schemeClr val="accent1">
+                <a:shade val="50000"/>
+              </a:schemeClr>
+            </a:lnRef>
+            <a:fillRef idx="1">
+              <a:schemeClr val="accent1"/>
+            </a:fillRef>
+            <a:effectRef idx="0">
+              <a:schemeClr val="accent1"/>
+            </a:effectRef>
+            <a:fontRef idx="minor">
+              <a:schemeClr val="lt1"/>
+            </a:fontRef>
+          </p:style>
+          <p:txBody>
+            <a:bodyPr rot="0" spcFirstLastPara="0" vertOverflow="overflow" horzOverflow="overflow" vert="horz" wrap="square" lIns="91440" tIns="45720" rIns="91440" bIns="45720" numCol="1" spcCol="0" rtlCol="0" fromWordArt="0" anchor="ctr" anchorCtr="0" forceAA="0" compatLnSpc="1">
+              <a:prstTxWarp prst="textNoShape">
+                <a:avLst/>
+              </a:prstTxWarp>
+              <a:noAutofit/>
+            </a:bodyPr>
+            <a:lstStyle/>
+            <a:p>
+              <a:pPr algn="ctr"/>
+              <a:r>
+                <a:rPr lang="en-US" sz="1000" dirty="0" err="1" smtClean="0">
+                  <a:solidFill>
+                    <a:schemeClr val="tx1"/>
+                  </a:solidFill>
+                </a:rPr>
+                <a:t>RChirpOrder</a:t>
+              </a:r>
+              <a:r>
+                <a:rPr lang="en-US" sz="1000" dirty="0" smtClean="0">
+                  <a:solidFill>
+                    <a:schemeClr val="tx1"/>
+                  </a:solidFill>
+                </a:rPr>
+                <a:t>-Entry</a:t>
+              </a:r>
+              <a:endParaRPr lang="en-US" sz="1000" dirty="0" smtClean="0">
+                <a:solidFill>
+                  <a:schemeClr val="tx1"/>
+                </a:solidFill>
+              </a:endParaRPr>
+            </a:p>
+          </p:txBody>
+        </p:sp>
+        <p:sp>
+          <p:nvSpPr>
+            <p:cNvPr id="52" name="TextBox 51"/>
+            <p:cNvSpPr txBox="1"/>
+            <p:nvPr/>
+          </p:nvSpPr>
+          <p:spPr>
+            <a:xfrm>
+              <a:off x="1879823" y="4366331"/>
+              <a:ext cx="319318" cy="307777"/>
+            </a:xfrm>
+            <a:prstGeom prst="rect">
+              <a:avLst/>
+            </a:prstGeom>
+            <a:noFill/>
+          </p:spPr>
+          <p:txBody>
+            <a:bodyPr wrap="none" rtlCol="0">
+              <a:spAutoFit/>
+            </a:bodyPr>
+            <a:lstStyle/>
+            <a:p>
+              <a:pPr algn="ctr"/>
+              <a:r>
+                <a:rPr lang="en-US" sz="1400" dirty="0" smtClean="0"/>
+                <a:t>…</a:t>
+              </a:r>
+              <a:endParaRPr lang="en-US" sz="1400" dirty="0"/>
+            </a:p>
+          </p:txBody>
+        </p:sp>
+        <p:sp>
+          <p:nvSpPr>
+            <p:cNvPr id="53" name="Rectangle 52"/>
+            <p:cNvSpPr/>
+            <p:nvPr/>
+          </p:nvSpPr>
+          <p:spPr>
+            <a:xfrm>
+              <a:off x="2108090" y="4393692"/>
+              <a:ext cx="907940" cy="405384"/>
+            </a:xfrm>
+            <a:prstGeom prst="rect">
+              <a:avLst/>
+            </a:prstGeom>
+            <a:solidFill>
+              <a:schemeClr val="bg1"/>
+            </a:solidFill>
+            <a:ln>
+              <a:solidFill>
+                <a:schemeClr val="tx1"/>
+              </a:solidFill>
+            </a:ln>
+          </p:spPr>
+          <p:style>
+            <a:lnRef idx="2">
+              <a:schemeClr val="accent1">
+                <a:shade val="50000"/>
+              </a:schemeClr>
+            </a:lnRef>
+            <a:fillRef idx="1">
+              <a:schemeClr val="accent1"/>
+            </a:fillRef>
+            <a:effectRef idx="0">
+              <a:schemeClr val="accent1"/>
+            </a:effectRef>
+            <a:fontRef idx="minor">
+              <a:schemeClr val="lt1"/>
+            </a:fontRef>
+          </p:style>
+          <p:txBody>
+            <a:bodyPr rot="0" spcFirstLastPara="0" vertOverflow="overflow" horzOverflow="overflow" vert="horz" wrap="square" lIns="91440" tIns="45720" rIns="91440" bIns="45720" numCol="1" spcCol="0" rtlCol="0" fromWordArt="0" anchor="ctr" anchorCtr="0" forceAA="0" compatLnSpc="1">
+              <a:prstTxWarp prst="textNoShape">
+                <a:avLst/>
+              </a:prstTxWarp>
+              <a:noAutofit/>
+            </a:bodyPr>
+            <a:lstStyle/>
+            <a:p>
+              <a:pPr algn="ctr"/>
+              <a:r>
+                <a:rPr lang="en-US" sz="1000" dirty="0" err="1" smtClean="0">
+                  <a:solidFill>
+                    <a:schemeClr val="tx1"/>
+                  </a:solidFill>
+                </a:rPr>
+                <a:t>RChirpOrder</a:t>
+              </a:r>
+              <a:r>
+                <a:rPr lang="en-US" sz="1000" dirty="0" smtClean="0">
+                  <a:solidFill>
+                    <a:schemeClr val="tx1"/>
+                  </a:solidFill>
+                </a:rPr>
+                <a:t>-Entry</a:t>
+              </a:r>
+              <a:endParaRPr lang="en-US" sz="1000" dirty="0" smtClean="0">
+                <a:solidFill>
+                  <a:schemeClr val="tx1"/>
+                </a:solidFill>
+              </a:endParaRPr>
+            </a:p>
+          </p:txBody>
+        </p:sp>
+      </p:grpSp>
+      <p:grpSp>
+        <p:nvGrpSpPr>
+          <p:cNvPr id="54" name="Group 53"/>
+          <p:cNvGrpSpPr/>
+          <p:nvPr/>
+        </p:nvGrpSpPr>
+        <p:grpSpPr>
+          <a:xfrm>
+            <a:off x="5943600" y="3657600"/>
+            <a:ext cx="2362200" cy="2133600"/>
+            <a:chOff x="838200" y="2819400"/>
+            <a:chExt cx="2362200" cy="2133600"/>
+          </a:xfrm>
+        </p:grpSpPr>
+        <p:sp>
+          <p:nvSpPr>
+            <p:cNvPr id="55" name="Rectangle 54"/>
+            <p:cNvSpPr/>
+            <p:nvPr/>
+          </p:nvSpPr>
+          <p:spPr>
+            <a:xfrm>
+              <a:off x="838200" y="2819400"/>
+              <a:ext cx="2362200" cy="2133600"/>
+            </a:xfrm>
+            <a:prstGeom prst="rect">
+              <a:avLst/>
+            </a:prstGeom>
+            <a:solidFill>
+              <a:srgbClr val="B4E0FE"/>
+            </a:solidFill>
+            <a:ln>
+              <a:solidFill>
+                <a:schemeClr val="tx1"/>
+              </a:solidFill>
+            </a:ln>
+          </p:spPr>
+          <p:style>
+            <a:lnRef idx="2">
+              <a:schemeClr val="accent1">
+                <a:shade val="50000"/>
+              </a:schemeClr>
+            </a:lnRef>
+            <a:fillRef idx="1">
+              <a:schemeClr val="accent1"/>
+            </a:fillRef>
+            <a:effectRef idx="0">
+              <a:schemeClr val="accent1"/>
+            </a:effectRef>
+            <a:fontRef idx="minor">
+              <a:schemeClr val="lt1"/>
+            </a:fontRef>
+          </p:style>
+          <p:txBody>
+            <a:bodyPr rot="0" spcFirstLastPara="0" vertOverflow="overflow" horzOverflow="overflow" vert="horz" wrap="square" lIns="91440" tIns="45720" rIns="91440" bIns="45720" numCol="1" spcCol="0" rtlCol="0" fromWordArt="0" anchor="ctr" anchorCtr="0" forceAA="0" compatLnSpc="1">
+              <a:prstTxWarp prst="textNoShape">
+                <a:avLst/>
+              </a:prstTxWarp>
+              <a:noAutofit/>
+            </a:bodyPr>
+            <a:lstStyle/>
+            <a:p>
+              <a:pPr algn="ctr"/>
+              <a:endParaRPr lang="en-US" sz="2400" dirty="0" smtClean="0">
+                <a:solidFill>
+                  <a:schemeClr val="tx1"/>
+                </a:solidFill>
+              </a:endParaRPr>
+            </a:p>
+          </p:txBody>
+        </p:sp>
+        <p:sp>
+          <p:nvSpPr>
+            <p:cNvPr id="56" name="TextBox 55"/>
+            <p:cNvSpPr txBox="1"/>
+            <p:nvPr/>
+          </p:nvSpPr>
+          <p:spPr>
+            <a:xfrm>
+              <a:off x="1374282" y="2819400"/>
+              <a:ext cx="1317477" cy="369332"/>
+            </a:xfrm>
+            <a:prstGeom prst="rect">
+              <a:avLst/>
+            </a:prstGeom>
+            <a:noFill/>
+          </p:spPr>
+          <p:txBody>
+            <a:bodyPr wrap="none" rtlCol="0">
+              <a:spAutoFit/>
+            </a:bodyPr>
+            <a:lstStyle/>
+            <a:p>
+              <a:pPr algn="ctr"/>
+              <a:r>
+                <a:rPr lang="en-US" dirty="0" err="1" smtClean="0"/>
+                <a:t>RChirpVoice</a:t>
+              </a:r>
+              <a:endParaRPr lang="en-US" dirty="0"/>
+            </a:p>
+          </p:txBody>
+        </p:sp>
+        <p:sp>
+          <p:nvSpPr>
+            <p:cNvPr id="57" name="Rectangle 56"/>
+            <p:cNvSpPr/>
+            <p:nvPr/>
+          </p:nvSpPr>
+          <p:spPr>
+            <a:xfrm>
+              <a:off x="1004320" y="3218688"/>
+              <a:ext cx="2057400" cy="685800"/>
+            </a:xfrm>
+            <a:prstGeom prst="rect">
+              <a:avLst/>
+            </a:prstGeom>
+            <a:solidFill>
+              <a:srgbClr val="D3ECFD"/>
+            </a:solidFill>
+            <a:ln>
+              <a:solidFill>
+                <a:schemeClr val="tx1"/>
+              </a:solidFill>
+            </a:ln>
+          </p:spPr>
+          <p:style>
+            <a:lnRef idx="2">
+              <a:schemeClr val="accent1">
+                <a:shade val="50000"/>
+              </a:schemeClr>
+            </a:lnRef>
+            <a:fillRef idx="1">
+              <a:schemeClr val="accent1"/>
+            </a:fillRef>
+            <a:effectRef idx="0">
+              <a:schemeClr val="accent1"/>
+            </a:effectRef>
+            <a:fontRef idx="minor">
+              <a:schemeClr val="lt1"/>
+            </a:fontRef>
+          </p:style>
+          <p:txBody>
+            <a:bodyPr rot="0" spcFirstLastPara="0" vertOverflow="overflow" horzOverflow="overflow" vert="horz" wrap="square" lIns="91440" tIns="45720" rIns="91440" bIns="45720" numCol="1" spcCol="0" rtlCol="0" fromWordArt="0" anchor="ctr" anchorCtr="0" forceAA="0" compatLnSpc="1">
+              <a:prstTxWarp prst="textNoShape">
+                <a:avLst/>
+              </a:prstTxWarp>
+              <a:noAutofit/>
+            </a:bodyPr>
+            <a:lstStyle/>
+            <a:p>
+              <a:pPr algn="ctr"/>
+              <a:endParaRPr lang="en-US" sz="2400" dirty="0" smtClean="0">
+                <a:solidFill>
+                  <a:schemeClr val="tx1"/>
+                </a:solidFill>
+              </a:endParaRPr>
+            </a:p>
+          </p:txBody>
+        </p:sp>
+        <p:sp>
+          <p:nvSpPr>
+            <p:cNvPr id="58" name="TextBox 57"/>
+            <p:cNvSpPr txBox="1"/>
+            <p:nvPr/>
+          </p:nvSpPr>
+          <p:spPr>
+            <a:xfrm>
+              <a:off x="1736464" y="3224926"/>
+              <a:ext cx="535339" cy="307777"/>
+            </a:xfrm>
+            <a:prstGeom prst="rect">
+              <a:avLst/>
+            </a:prstGeom>
+            <a:noFill/>
+          </p:spPr>
+          <p:txBody>
+            <a:bodyPr wrap="none" rtlCol="0">
+              <a:spAutoFit/>
+            </a:bodyPr>
+            <a:lstStyle/>
+            <a:p>
+              <a:pPr algn="ctr"/>
+              <a:r>
+                <a:rPr lang="en-US" sz="1400" dirty="0" smtClean="0"/>
+                <a:t>rows</a:t>
+              </a:r>
+              <a:endParaRPr lang="en-US" sz="1400" dirty="0"/>
+            </a:p>
+          </p:txBody>
+        </p:sp>
+        <p:sp>
+          <p:nvSpPr>
+            <p:cNvPr id="59" name="Rectangle 58"/>
+            <p:cNvSpPr/>
+            <p:nvPr/>
+          </p:nvSpPr>
+          <p:spPr>
+            <a:xfrm>
+              <a:off x="1080520" y="3561588"/>
+              <a:ext cx="806562" cy="266700"/>
+            </a:xfrm>
+            <a:prstGeom prst="rect">
+              <a:avLst/>
+            </a:prstGeom>
+            <a:solidFill>
+              <a:schemeClr val="bg1"/>
+            </a:solidFill>
+            <a:ln>
+              <a:solidFill>
+                <a:schemeClr val="tx1"/>
+              </a:solidFill>
+            </a:ln>
+          </p:spPr>
+          <p:style>
+            <a:lnRef idx="2">
+              <a:schemeClr val="accent1">
+                <a:shade val="50000"/>
+              </a:schemeClr>
+            </a:lnRef>
+            <a:fillRef idx="1">
+              <a:schemeClr val="accent1"/>
+            </a:fillRef>
+            <a:effectRef idx="0">
+              <a:schemeClr val="accent1"/>
+            </a:effectRef>
+            <a:fontRef idx="minor">
+              <a:schemeClr val="lt1"/>
+            </a:fontRef>
+          </p:style>
+          <p:txBody>
+            <a:bodyPr rot="0" spcFirstLastPara="0" vertOverflow="overflow" horzOverflow="overflow" vert="horz" wrap="square" lIns="91440" tIns="45720" rIns="91440" bIns="45720" numCol="1" spcCol="0" rtlCol="0" fromWordArt="0" anchor="ctr" anchorCtr="0" forceAA="0" compatLnSpc="1">
+              <a:prstTxWarp prst="textNoShape">
+                <a:avLst/>
+              </a:prstTxWarp>
+              <a:noAutofit/>
+            </a:bodyPr>
+            <a:lstStyle/>
+            <a:p>
+              <a:pPr algn="ctr"/>
+              <a:r>
+                <a:rPr lang="en-US" sz="1000" dirty="0" err="1" smtClean="0">
+                  <a:solidFill>
+                    <a:schemeClr val="tx1"/>
+                  </a:solidFill>
+                </a:rPr>
+                <a:t>RChirpRow</a:t>
+              </a:r>
+              <a:endParaRPr lang="en-US" sz="1000" dirty="0" smtClean="0">
+                <a:solidFill>
+                  <a:schemeClr val="tx1"/>
+                </a:solidFill>
+              </a:endParaRPr>
+            </a:p>
+          </p:txBody>
+        </p:sp>
+        <p:sp>
+          <p:nvSpPr>
+            <p:cNvPr id="60" name="Rectangle 59"/>
+            <p:cNvSpPr/>
+            <p:nvPr/>
+          </p:nvSpPr>
+          <p:spPr>
+            <a:xfrm>
+              <a:off x="2206400" y="3550920"/>
+              <a:ext cx="779120" cy="266700"/>
+            </a:xfrm>
+            <a:prstGeom prst="rect">
+              <a:avLst/>
+            </a:prstGeom>
+            <a:solidFill>
+              <a:schemeClr val="bg1"/>
+            </a:solidFill>
+            <a:ln>
+              <a:solidFill>
+                <a:schemeClr val="tx1"/>
+              </a:solidFill>
+            </a:ln>
+          </p:spPr>
+          <p:style>
+            <a:lnRef idx="2">
+              <a:schemeClr val="accent1">
+                <a:shade val="50000"/>
+              </a:schemeClr>
+            </a:lnRef>
+            <a:fillRef idx="1">
+              <a:schemeClr val="accent1"/>
+            </a:fillRef>
+            <a:effectRef idx="0">
+              <a:schemeClr val="accent1"/>
+            </a:effectRef>
+            <a:fontRef idx="minor">
+              <a:schemeClr val="lt1"/>
+            </a:fontRef>
+          </p:style>
+          <p:txBody>
+            <a:bodyPr rot="0" spcFirstLastPara="0" vertOverflow="overflow" horzOverflow="overflow" vert="horz" wrap="square" lIns="91440" tIns="45720" rIns="91440" bIns="45720" numCol="1" spcCol="0" rtlCol="0" fromWordArt="0" anchor="ctr" anchorCtr="0" forceAA="0" compatLnSpc="1">
+              <a:prstTxWarp prst="textNoShape">
+                <a:avLst/>
+              </a:prstTxWarp>
+              <a:noAutofit/>
+            </a:bodyPr>
+            <a:lstStyle/>
+            <a:p>
+              <a:pPr algn="ctr"/>
+              <a:r>
+                <a:rPr lang="en-US" sz="1000" dirty="0" err="1" smtClean="0">
+                  <a:solidFill>
+                    <a:schemeClr val="tx1"/>
+                  </a:solidFill>
+                </a:rPr>
+                <a:t>RChirpRow</a:t>
+              </a:r>
+              <a:endParaRPr lang="en-US" sz="1000" dirty="0" smtClean="0">
+                <a:solidFill>
+                  <a:schemeClr val="tx1"/>
+                </a:solidFill>
+              </a:endParaRPr>
+            </a:p>
+          </p:txBody>
+        </p:sp>
+        <p:sp>
+          <p:nvSpPr>
+            <p:cNvPr id="61" name="TextBox 60"/>
+            <p:cNvSpPr txBox="1"/>
+            <p:nvPr/>
+          </p:nvSpPr>
+          <p:spPr>
+            <a:xfrm>
+              <a:off x="1887082" y="3532703"/>
+              <a:ext cx="319318" cy="307777"/>
+            </a:xfrm>
+            <a:prstGeom prst="rect">
+              <a:avLst/>
+            </a:prstGeom>
+            <a:noFill/>
+          </p:spPr>
+          <p:txBody>
+            <a:bodyPr wrap="none" rtlCol="0">
+              <a:spAutoFit/>
+            </a:bodyPr>
+            <a:lstStyle/>
+            <a:p>
+              <a:pPr algn="ctr"/>
+              <a:r>
+                <a:rPr lang="en-US" sz="1400" dirty="0" smtClean="0"/>
+                <a:t>…</a:t>
+              </a:r>
+              <a:endParaRPr lang="en-US" sz="1400" dirty="0"/>
+            </a:p>
+          </p:txBody>
+        </p:sp>
+        <p:sp>
+          <p:nvSpPr>
+            <p:cNvPr id="62" name="Rectangle 61"/>
+            <p:cNvSpPr/>
+            <p:nvPr/>
+          </p:nvSpPr>
+          <p:spPr>
+            <a:xfrm>
+              <a:off x="1004320" y="4056888"/>
+              <a:ext cx="2057400" cy="819912"/>
+            </a:xfrm>
+            <a:prstGeom prst="rect">
+              <a:avLst/>
+            </a:prstGeom>
+            <a:solidFill>
+              <a:srgbClr val="D3ECFD"/>
+            </a:solidFill>
+            <a:ln>
+              <a:solidFill>
+                <a:schemeClr val="tx1"/>
+              </a:solidFill>
+            </a:ln>
+          </p:spPr>
+          <p:style>
+            <a:lnRef idx="2">
+              <a:schemeClr val="accent1">
+                <a:shade val="50000"/>
+              </a:schemeClr>
+            </a:lnRef>
+            <a:fillRef idx="1">
+              <a:schemeClr val="accent1"/>
+            </a:fillRef>
+            <a:effectRef idx="0">
+              <a:schemeClr val="accent1"/>
+            </a:effectRef>
+            <a:fontRef idx="minor">
+              <a:schemeClr val="lt1"/>
+            </a:fontRef>
+          </p:style>
+          <p:txBody>
+            <a:bodyPr rot="0" spcFirstLastPara="0" vertOverflow="overflow" horzOverflow="overflow" vert="horz" wrap="square" lIns="91440" tIns="45720" rIns="91440" bIns="45720" numCol="1" spcCol="0" rtlCol="0" fromWordArt="0" anchor="ctr" anchorCtr="0" forceAA="0" compatLnSpc="1">
+              <a:prstTxWarp prst="textNoShape">
+                <a:avLst/>
+              </a:prstTxWarp>
+              <a:noAutofit/>
+            </a:bodyPr>
+            <a:lstStyle/>
+            <a:p>
+              <a:pPr algn="ctr"/>
+              <a:endParaRPr lang="en-US" sz="2400" dirty="0">
+                <a:solidFill>
+                  <a:schemeClr val="tx1"/>
+                </a:solidFill>
+              </a:endParaRPr>
+            </a:p>
+          </p:txBody>
+        </p:sp>
+        <p:sp>
+          <p:nvSpPr>
+            <p:cNvPr id="63" name="TextBox 62"/>
+            <p:cNvSpPr txBox="1"/>
+            <p:nvPr/>
+          </p:nvSpPr>
+          <p:spPr>
+            <a:xfrm>
+              <a:off x="1332929" y="4063126"/>
+              <a:ext cx="1342420" cy="307777"/>
+            </a:xfrm>
+            <a:prstGeom prst="rect">
+              <a:avLst/>
+            </a:prstGeom>
+            <a:noFill/>
+          </p:spPr>
+          <p:txBody>
+            <a:bodyPr wrap="none" rtlCol="0">
+              <a:spAutoFit/>
+            </a:bodyPr>
+            <a:lstStyle/>
+            <a:p>
+              <a:pPr algn="ctr"/>
+              <a:r>
+                <a:rPr lang="en-US" sz="1400" dirty="0" err="1" smtClean="0"/>
+                <a:t>RChirpOrderList</a:t>
+              </a:r>
+              <a:endParaRPr lang="en-US" sz="1400" dirty="0"/>
+            </a:p>
+          </p:txBody>
+        </p:sp>
+        <p:sp>
+          <p:nvSpPr>
+            <p:cNvPr id="64" name="Rectangle 63"/>
+            <p:cNvSpPr/>
+            <p:nvPr/>
+          </p:nvSpPr>
+          <p:spPr>
+            <a:xfrm>
+              <a:off x="1047750" y="4395216"/>
+              <a:ext cx="907940" cy="405384"/>
+            </a:xfrm>
+            <a:prstGeom prst="rect">
+              <a:avLst/>
+            </a:prstGeom>
+            <a:solidFill>
+              <a:schemeClr val="bg1"/>
+            </a:solidFill>
+            <a:ln>
+              <a:solidFill>
+                <a:schemeClr val="tx1"/>
+              </a:solidFill>
+            </a:ln>
+          </p:spPr>
+          <p:style>
+            <a:lnRef idx="2">
+              <a:schemeClr val="accent1">
+                <a:shade val="50000"/>
+              </a:schemeClr>
+            </a:lnRef>
+            <a:fillRef idx="1">
+              <a:schemeClr val="accent1"/>
+            </a:fillRef>
+            <a:effectRef idx="0">
+              <a:schemeClr val="accent1"/>
+            </a:effectRef>
+            <a:fontRef idx="minor">
+              <a:schemeClr val="lt1"/>
+            </a:fontRef>
+          </p:style>
+          <p:txBody>
+            <a:bodyPr rot="0" spcFirstLastPara="0" vertOverflow="overflow" horzOverflow="overflow" vert="horz" wrap="square" lIns="91440" tIns="45720" rIns="91440" bIns="45720" numCol="1" spcCol="0" rtlCol="0" fromWordArt="0" anchor="ctr" anchorCtr="0" forceAA="0" compatLnSpc="1">
+              <a:prstTxWarp prst="textNoShape">
+                <a:avLst/>
+              </a:prstTxWarp>
+              <a:noAutofit/>
+            </a:bodyPr>
+            <a:lstStyle/>
+            <a:p>
+              <a:pPr algn="ctr"/>
+              <a:r>
+                <a:rPr lang="en-US" sz="1000" dirty="0" err="1" smtClean="0">
+                  <a:solidFill>
+                    <a:schemeClr val="tx1"/>
+                  </a:solidFill>
+                </a:rPr>
+                <a:t>RChirpOrder</a:t>
+              </a:r>
+              <a:r>
+                <a:rPr lang="en-US" sz="1000" dirty="0" smtClean="0">
+                  <a:solidFill>
+                    <a:schemeClr val="tx1"/>
+                  </a:solidFill>
+                </a:rPr>
+                <a:t>-Entry</a:t>
+              </a:r>
+              <a:endParaRPr lang="en-US" sz="1000" dirty="0" smtClean="0">
+                <a:solidFill>
+                  <a:schemeClr val="tx1"/>
+                </a:solidFill>
+              </a:endParaRPr>
+            </a:p>
+          </p:txBody>
+        </p:sp>
+        <p:sp>
+          <p:nvSpPr>
+            <p:cNvPr id="65" name="TextBox 64"/>
+            <p:cNvSpPr txBox="1"/>
+            <p:nvPr/>
+          </p:nvSpPr>
+          <p:spPr>
+            <a:xfrm>
+              <a:off x="1879823" y="4366331"/>
+              <a:ext cx="319318" cy="307777"/>
+            </a:xfrm>
+            <a:prstGeom prst="rect">
+              <a:avLst/>
+            </a:prstGeom>
+            <a:noFill/>
+          </p:spPr>
+          <p:txBody>
+            <a:bodyPr wrap="none" rtlCol="0">
+              <a:spAutoFit/>
+            </a:bodyPr>
+            <a:lstStyle/>
+            <a:p>
+              <a:pPr algn="ctr"/>
+              <a:r>
+                <a:rPr lang="en-US" sz="1400" dirty="0" smtClean="0"/>
+                <a:t>…</a:t>
+              </a:r>
+              <a:endParaRPr lang="en-US" sz="1400" dirty="0"/>
+            </a:p>
+          </p:txBody>
+        </p:sp>
+        <p:sp>
+          <p:nvSpPr>
+            <p:cNvPr id="66" name="Rectangle 65"/>
+            <p:cNvSpPr/>
+            <p:nvPr/>
+          </p:nvSpPr>
+          <p:spPr>
+            <a:xfrm>
+              <a:off x="2108090" y="4393692"/>
+              <a:ext cx="907940" cy="405384"/>
+            </a:xfrm>
+            <a:prstGeom prst="rect">
+              <a:avLst/>
+            </a:prstGeom>
+            <a:solidFill>
+              <a:schemeClr val="bg1"/>
+            </a:solidFill>
+            <a:ln>
+              <a:solidFill>
+                <a:schemeClr val="tx1"/>
+              </a:solidFill>
+            </a:ln>
+          </p:spPr>
+          <p:style>
+            <a:lnRef idx="2">
+              <a:schemeClr val="accent1">
+                <a:shade val="50000"/>
+              </a:schemeClr>
+            </a:lnRef>
+            <a:fillRef idx="1">
+              <a:schemeClr val="accent1"/>
+            </a:fillRef>
+            <a:effectRef idx="0">
+              <a:schemeClr val="accent1"/>
+            </a:effectRef>
+            <a:fontRef idx="minor">
+              <a:schemeClr val="lt1"/>
+            </a:fontRef>
+          </p:style>
+          <p:txBody>
+            <a:bodyPr rot="0" spcFirstLastPara="0" vertOverflow="overflow" horzOverflow="overflow" vert="horz" wrap="square" lIns="91440" tIns="45720" rIns="91440" bIns="45720" numCol="1" spcCol="0" rtlCol="0" fromWordArt="0" anchor="ctr" anchorCtr="0" forceAA="0" compatLnSpc="1">
+              <a:prstTxWarp prst="textNoShape">
+                <a:avLst/>
+              </a:prstTxWarp>
+              <a:noAutofit/>
+            </a:bodyPr>
+            <a:lstStyle/>
+            <a:p>
+              <a:pPr algn="ctr"/>
+              <a:r>
+                <a:rPr lang="en-US" sz="1000" dirty="0" err="1" smtClean="0">
+                  <a:solidFill>
+                    <a:schemeClr val="tx1"/>
+                  </a:solidFill>
+                </a:rPr>
+                <a:t>RChirpOrder</a:t>
+              </a:r>
+              <a:r>
+                <a:rPr lang="en-US" sz="1000" dirty="0" smtClean="0">
+                  <a:solidFill>
+                    <a:schemeClr val="tx1"/>
+                  </a:solidFill>
+                </a:rPr>
+                <a:t>-Entry</a:t>
+              </a:r>
+              <a:endParaRPr lang="en-US" sz="1000" dirty="0" smtClean="0">
+                <a:solidFill>
+                  <a:schemeClr val="tx1"/>
+                </a:solidFill>
+              </a:endParaRPr>
+            </a:p>
+          </p:txBody>
+        </p:sp>
+      </p:grpSp>
     </p:spTree>
     <p:extLst>
       <p:ext uri="{BB962C8B-B14F-4D97-AF65-F5344CB8AC3E}">

--- a/docs/_images/ChiptuneSAK.pptx
+++ b/docs/_images/ChiptuneSAK.pptx
@@ -4692,8 +4692,8 @@
         </p:nvSpPr>
         <p:spPr>
           <a:xfrm>
-            <a:off x="685800" y="1752600"/>
-            <a:ext cx="7772400" cy="3352800"/>
+            <a:off x="685800" y="2121932"/>
+            <a:ext cx="7772400" cy="2983468"/>
           </a:xfrm>
           <a:prstGeom prst="rect">
             <a:avLst/>
@@ -4744,7 +4744,7 @@
         </p:nvSpPr>
         <p:spPr>
           <a:xfrm>
-            <a:off x="3886200" y="1905000"/>
+            <a:off x="3886200" y="2133600"/>
             <a:ext cx="1143262" cy="369332"/>
           </a:xfrm>
           <a:prstGeom prst="rect">
@@ -4864,7 +4864,7 @@
         </p:nvSpPr>
         <p:spPr>
           <a:xfrm>
-            <a:off x="3953119" y="2362200"/>
+            <a:off x="3977349" y="2435423"/>
             <a:ext cx="897425" cy="307777"/>
           </a:xfrm>
           <a:prstGeom prst="rect">
